--- a/工作日報_葉柏漢/2021.07.13工作日報_葉柏漢.pptx
+++ b/工作日報_葉柏漢/2021.07.13工作日報_葉柏漢.pptx
@@ -6,7 +6,7 @@
     <p:sldMasterId id="2147483660" r:id="rId2"/>
   </p:sldMasterIdLst>
   <p:notesMasterIdLst>
-    <p:notesMasterId r:id="rId14"/>
+    <p:notesMasterId r:id="rId10"/>
   </p:notesMasterIdLst>
   <p:sldIdLst>
     <p:sldId id="256" r:id="rId3"/>
@@ -14,12 +14,8 @@
     <p:sldId id="261" r:id="rId5"/>
     <p:sldId id="283" r:id="rId6"/>
     <p:sldId id="284" r:id="rId7"/>
-    <p:sldId id="285" r:id="rId8"/>
-    <p:sldId id="286" r:id="rId9"/>
-    <p:sldId id="287" r:id="rId10"/>
-    <p:sldId id="288" r:id="rId11"/>
-    <p:sldId id="282" r:id="rId12"/>
-    <p:sldId id="280" r:id="rId13"/>
+    <p:sldId id="282" r:id="rId8"/>
+    <p:sldId id="280" r:id="rId9"/>
   </p:sldIdLst>
   <p:sldSz cx="12192000" cy="6858000"/>
   <p:notesSz cx="6858000" cy="9144000"/>
@@ -120,7 +116,7 @@
   </p:defaultTextStyle>
   <p:extLst>
     <p:ext uri="{EFAFB233-063F-42B5-8137-9DF3F51BA10A}">
-      <p15:sldGuideLst xmlns="" xmlns:p15="http://schemas.microsoft.com/office/powerpoint/2012/main">
+      <p15:sldGuideLst xmlns:p15="http://schemas.microsoft.com/office/powerpoint/2012/main" xmlns="">
         <p15:guide id="1" orient="horz" pos="2160" userDrawn="1">
           <p15:clr>
             <a:srgbClr val="A4A3A4"/>
@@ -219,7 +215,7 @@
           <a:p>
             <a:fld id="{5F45278C-940B-4C39-9CBC-669F45D4F0E2}" type="datetimeFigureOut">
               <a:rPr lang="zh-CN" altLang="en-US" smtClean="0"/>
-              <a:t>2021/7/5</a:t>
+              <a:t>2021/7/14</a:t>
             </a:fld>
             <a:endParaRPr lang="zh-CN" altLang="en-US"/>
           </a:p>
@@ -616,7 +612,7 @@
           <a:p>
             <a:fld id="{D997B5FA-0921-464F-AAE1-844C04324D75}" type="datetimeFigureOut">
               <a:rPr lang="zh-CN" altLang="en-US" smtClean="0"/>
-              <a:t>2021/7/5</a:t>
+              <a:t>2021/7/14</a:t>
             </a:fld>
             <a:endParaRPr lang="zh-CN" altLang="en-US"/>
           </a:p>
@@ -796,7 +792,7 @@
           <a:p>
             <a:fld id="{D997B5FA-0921-464F-AAE1-844C04324D75}" type="datetimeFigureOut">
               <a:rPr lang="zh-CN" altLang="en-US" smtClean="0"/>
-              <a:t>2021/7/5</a:t>
+              <a:t>2021/7/14</a:t>
             </a:fld>
             <a:endParaRPr lang="zh-CN" altLang="en-US"/>
           </a:p>
@@ -986,7 +982,7 @@
           <a:p>
             <a:fld id="{D997B5FA-0921-464F-AAE1-844C04324D75}" type="datetimeFigureOut">
               <a:rPr lang="zh-CN" altLang="en-US" smtClean="0"/>
-              <a:t>2021/7/5</a:t>
+              <a:t>2021/7/14</a:t>
             </a:fld>
             <a:endParaRPr lang="zh-CN" altLang="en-US"/>
           </a:p>
@@ -1197,7 +1193,7 @@
                 </a:solidFill>
               </a:rPr>
               <a:pPr/>
-              <a:t>2021/7/5</a:t>
+              <a:t>2021/7/14</a:t>
             </a:fld>
             <a:endParaRPr lang="zh-CN" altLang="en-US">
               <a:solidFill>
@@ -1429,7 +1425,7 @@
                 </a:solidFill>
               </a:rPr>
               <a:pPr/>
-              <a:t>2021/7/5</a:t>
+              <a:t>2021/7/14</a:t>
             </a:fld>
             <a:endParaRPr lang="zh-CN" altLang="en-US">
               <a:solidFill>
@@ -1660,7 +1656,7 @@
           <a:p>
             <a:fld id="{D997B5FA-0921-464F-AAE1-844C04324D75}" type="datetimeFigureOut">
               <a:rPr lang="zh-CN" altLang="en-US" smtClean="0"/>
-              <a:t>2021/7/5</a:t>
+              <a:t>2021/7/14</a:t>
             </a:fld>
             <a:endParaRPr lang="zh-CN" altLang="en-US"/>
           </a:p>
@@ -1917,7 +1913,7 @@
           <a:p>
             <a:fld id="{D997B5FA-0921-464F-AAE1-844C04324D75}" type="datetimeFigureOut">
               <a:rPr lang="zh-CN" altLang="en-US" smtClean="0"/>
-              <a:t>2021/7/5</a:t>
+              <a:t>2021/7/14</a:t>
             </a:fld>
             <a:endParaRPr lang="zh-CN" altLang="en-US"/>
           </a:p>
@@ -2158,7 +2154,7 @@
           <a:p>
             <a:fld id="{D997B5FA-0921-464F-AAE1-844C04324D75}" type="datetimeFigureOut">
               <a:rPr lang="zh-CN" altLang="en-US" smtClean="0"/>
-              <a:t>2021/7/5</a:t>
+              <a:t>2021/7/14</a:t>
             </a:fld>
             <a:endParaRPr lang="zh-CN" altLang="en-US"/>
           </a:p>
@@ -2534,7 +2530,7 @@
           <a:p>
             <a:fld id="{D997B5FA-0921-464F-AAE1-844C04324D75}" type="datetimeFigureOut">
               <a:rPr lang="zh-CN" altLang="en-US" smtClean="0"/>
-              <a:t>2021/7/5</a:t>
+              <a:t>2021/7/14</a:t>
             </a:fld>
             <a:endParaRPr lang="zh-CN" altLang="en-US"/>
           </a:p>
@@ -2788,7 +2784,7 @@
           <a:p>
             <a:fld id="{D997B5FA-0921-464F-AAE1-844C04324D75}" type="datetimeFigureOut">
               <a:rPr lang="zh-CN" altLang="en-US" smtClean="0"/>
-              <a:t>2021/7/5</a:t>
+              <a:t>2021/7/14</a:t>
             </a:fld>
             <a:endParaRPr lang="zh-CN" altLang="en-US"/>
           </a:p>
@@ -2895,7 +2891,7 @@
           <a:p>
             <a:fld id="{D997B5FA-0921-464F-AAE1-844C04324D75}" type="datetimeFigureOut">
               <a:rPr lang="zh-CN" altLang="en-US" smtClean="0"/>
-              <a:t>2021/7/5</a:t>
+              <a:t>2021/7/14</a:t>
             </a:fld>
             <a:endParaRPr lang="zh-CN" altLang="en-US"/>
           </a:p>
@@ -3182,7 +3178,7 @@
           <a:p>
             <a:fld id="{D997B5FA-0921-464F-AAE1-844C04324D75}" type="datetimeFigureOut">
               <a:rPr lang="zh-CN" altLang="en-US" smtClean="0"/>
-              <a:t>2021/7/5</a:t>
+              <a:t>2021/7/14</a:t>
             </a:fld>
             <a:endParaRPr lang="zh-CN" altLang="en-US"/>
           </a:p>
@@ -3446,7 +3442,7 @@
           <a:p>
             <a:fld id="{D997B5FA-0921-464F-AAE1-844C04324D75}" type="datetimeFigureOut">
               <a:rPr lang="zh-CN" altLang="en-US" smtClean="0"/>
-              <a:t>2021/7/5</a:t>
+              <a:t>2021/7/14</a:t>
             </a:fld>
             <a:endParaRPr lang="zh-CN" altLang="en-US"/>
           </a:p>
@@ -3672,7 +3668,7 @@
           <a:p>
             <a:fld id="{D997B5FA-0921-464F-AAE1-844C04324D75}" type="datetimeFigureOut">
               <a:rPr lang="zh-CN" altLang="en-US" smtClean="0"/>
-              <a:t>2021/7/5</a:t>
+              <a:t>2021/7/14</a:t>
             </a:fld>
             <a:endParaRPr lang="zh-CN" altLang="en-US"/>
           </a:p>
@@ -4382,7 +4378,7 @@
           <p:cNvPr id="18" name="矩形: 圆角 17">
             <a:extLst>
               <a:ext uri="{FF2B5EF4-FFF2-40B4-BE49-F238E27FC236}">
-                <a16:creationId xmlns="" xmlns:a16="http://schemas.microsoft.com/office/drawing/2014/main" id="{822EAB1A-0613-4B84-B43A-020769A84C2F}"/>
+                <a16:creationId xmlns:a16="http://schemas.microsoft.com/office/drawing/2014/main" xmlns="" id="{822EAB1A-0613-4B84-B43A-020769A84C2F}"/>
               </a:ext>
             </a:extLst>
           </p:cNvPr>
@@ -4448,7 +4444,7 @@
           <p:cNvPr id="4" name="矩形: 圆角 3">
             <a:extLst>
               <a:ext uri="{FF2B5EF4-FFF2-40B4-BE49-F238E27FC236}">
-                <a16:creationId xmlns="" xmlns:a16="http://schemas.microsoft.com/office/drawing/2014/main" id="{CFAF4C25-9AB4-4329-B21C-0F7CB88F0784}"/>
+                <a16:creationId xmlns:a16="http://schemas.microsoft.com/office/drawing/2014/main" xmlns="" id="{CFAF4C25-9AB4-4329-B21C-0F7CB88F0784}"/>
               </a:ext>
             </a:extLst>
           </p:cNvPr>
@@ -4514,7 +4510,7 @@
           <p:cNvPr id="5" name="文本框 4">
             <a:extLst>
               <a:ext uri="{FF2B5EF4-FFF2-40B4-BE49-F238E27FC236}">
-                <a16:creationId xmlns="" xmlns:a16="http://schemas.microsoft.com/office/drawing/2014/main" id="{959F8909-6800-4D81-9559-FFAEB41A80C1}"/>
+                <a16:creationId xmlns:a16="http://schemas.microsoft.com/office/drawing/2014/main" xmlns="" id="{959F8909-6800-4D81-9559-FFAEB41A80C1}"/>
               </a:ext>
             </a:extLst>
           </p:cNvPr>
@@ -4550,7 +4546,7 @@
                 <a:cs typeface="+mn-ea"/>
                 <a:sym typeface="+mn-lt"/>
               </a:rPr>
-              <a:t>21.07.05</a:t>
+              <a:t>21.07.13</a:t>
             </a:r>
             <a:endParaRPr lang="zh-CN" altLang="en-US" sz="2800" spc="700" dirty="0">
               <a:cs typeface="+mn-ea"/>
@@ -4564,7 +4560,7 @@
           <p:cNvPr id="6" name="文本框 5">
             <a:extLst>
               <a:ext uri="{FF2B5EF4-FFF2-40B4-BE49-F238E27FC236}">
-                <a16:creationId xmlns="" xmlns:a16="http://schemas.microsoft.com/office/drawing/2014/main" id="{F8829203-F363-4337-ACAC-0D2C4AE6A337}"/>
+                <a16:creationId xmlns:a16="http://schemas.microsoft.com/office/drawing/2014/main" xmlns="" id="{F8829203-F363-4337-ACAC-0D2C4AE6A337}"/>
               </a:ext>
             </a:extLst>
           </p:cNvPr>
@@ -4631,7 +4627,7 @@
           <p:cNvPr id="8" name="椭圆 7">
             <a:extLst>
               <a:ext uri="{FF2B5EF4-FFF2-40B4-BE49-F238E27FC236}">
-                <a16:creationId xmlns="" xmlns:a16="http://schemas.microsoft.com/office/drawing/2014/main" id="{08B93554-9443-4291-83BC-91BEC5088783}"/>
+                <a16:creationId xmlns:a16="http://schemas.microsoft.com/office/drawing/2014/main" xmlns="" id="{08B93554-9443-4291-83BC-91BEC5088783}"/>
               </a:ext>
             </a:extLst>
           </p:cNvPr>
@@ -4693,7 +4689,7 @@
           <p:cNvPr id="9" name="椭圆 8">
             <a:extLst>
               <a:ext uri="{FF2B5EF4-FFF2-40B4-BE49-F238E27FC236}">
-                <a16:creationId xmlns="" xmlns:a16="http://schemas.microsoft.com/office/drawing/2014/main" id="{16338DEE-2916-4AC7-A537-1507B9F2A824}"/>
+                <a16:creationId xmlns:a16="http://schemas.microsoft.com/office/drawing/2014/main" xmlns="" id="{16338DEE-2916-4AC7-A537-1507B9F2A824}"/>
               </a:ext>
             </a:extLst>
           </p:cNvPr>
@@ -4755,7 +4751,7 @@
           <p:cNvPr id="13" name="组合 12">
             <a:extLst>
               <a:ext uri="{FF2B5EF4-FFF2-40B4-BE49-F238E27FC236}">
-                <a16:creationId xmlns="" xmlns:a16="http://schemas.microsoft.com/office/drawing/2014/main" id="{C0EF9AE3-F1B9-443C-9F86-CDF322936010}"/>
+                <a16:creationId xmlns:a16="http://schemas.microsoft.com/office/drawing/2014/main" xmlns="" id="{C0EF9AE3-F1B9-443C-9F86-CDF322936010}"/>
               </a:ext>
             </a:extLst>
           </p:cNvPr>
@@ -4775,7 +4771,7 @@
             <p:cNvPr id="12" name="矩形: 圆角 11">
               <a:extLst>
                 <a:ext uri="{FF2B5EF4-FFF2-40B4-BE49-F238E27FC236}">
-                  <a16:creationId xmlns="" xmlns:a16="http://schemas.microsoft.com/office/drawing/2014/main" id="{4E9D624C-B884-49D6-955A-058878E5E13C}"/>
+                  <a16:creationId xmlns:a16="http://schemas.microsoft.com/office/drawing/2014/main" xmlns="" id="{4E9D624C-B884-49D6-955A-058878E5E13C}"/>
                 </a:ext>
               </a:extLst>
             </p:cNvPr>
@@ -4839,7 +4835,7 @@
             <p:cNvPr id="10" name="文本框 9">
               <a:extLst>
                 <a:ext uri="{FF2B5EF4-FFF2-40B4-BE49-F238E27FC236}">
-                  <a16:creationId xmlns="" xmlns:a16="http://schemas.microsoft.com/office/drawing/2014/main" id="{D7F488F0-218D-4123-B444-742EAD00AD0E}"/>
+                  <a16:creationId xmlns:a16="http://schemas.microsoft.com/office/drawing/2014/main" xmlns="" id="{D7F488F0-218D-4123-B444-742EAD00AD0E}"/>
                 </a:ext>
               </a:extLst>
             </p:cNvPr>
@@ -4897,7 +4893,7 @@
           <p:cNvPr id="16" name="组合 15">
             <a:extLst>
               <a:ext uri="{FF2B5EF4-FFF2-40B4-BE49-F238E27FC236}">
-                <a16:creationId xmlns="" xmlns:a16="http://schemas.microsoft.com/office/drawing/2014/main" id="{9653DEAF-0910-48E8-8375-9FC078E9D0D6}"/>
+                <a16:creationId xmlns:a16="http://schemas.microsoft.com/office/drawing/2014/main" xmlns="" id="{9653DEAF-0910-48E8-8375-9FC078E9D0D6}"/>
               </a:ext>
             </a:extLst>
           </p:cNvPr>
@@ -4917,7 +4913,7 @@
             <p:cNvPr id="15" name="矩形: 圆角 14">
               <a:extLst>
                 <a:ext uri="{FF2B5EF4-FFF2-40B4-BE49-F238E27FC236}">
-                  <a16:creationId xmlns="" xmlns:a16="http://schemas.microsoft.com/office/drawing/2014/main" id="{CC29E14A-0550-4BFF-99D2-A94938E4EB84}"/>
+                  <a16:creationId xmlns:a16="http://schemas.microsoft.com/office/drawing/2014/main" xmlns="" id="{CC29E14A-0550-4BFF-99D2-A94938E4EB84}"/>
                 </a:ext>
               </a:extLst>
             </p:cNvPr>
@@ -4981,7 +4977,7 @@
             <p:cNvPr id="11" name="文本框 10">
               <a:extLst>
                 <a:ext uri="{FF2B5EF4-FFF2-40B4-BE49-F238E27FC236}">
-                  <a16:creationId xmlns="" xmlns:a16="http://schemas.microsoft.com/office/drawing/2014/main" id="{333307C3-A861-42E7-A2DA-6BAC1BCA9E3C}"/>
+                  <a16:creationId xmlns:a16="http://schemas.microsoft.com/office/drawing/2014/main" xmlns="" id="{333307C3-A861-42E7-A2DA-6BAC1BCA9E3C}"/>
                 </a:ext>
               </a:extLst>
             </p:cNvPr>
@@ -5024,7 +5020,7 @@
                   <a:cs typeface="+mn-ea"/>
                   <a:sym typeface="+mn-lt"/>
                 </a:rPr>
-                <a:t>2021.07.05</a:t>
+                <a:t>2021.07.13</a:t>
               </a:r>
               <a:endParaRPr lang="zh-CN" altLang="en-US" sz="1400" dirty="0">
                 <a:cs typeface="+mn-ea"/>
@@ -5039,7 +5035,7 @@
           <p:cNvPr id="17" name="组合 15">
             <a:extLst>
               <a:ext uri="{FF2B5EF4-FFF2-40B4-BE49-F238E27FC236}">
-                <a16:creationId xmlns="" xmlns:a16="http://schemas.microsoft.com/office/drawing/2014/main" id="{9653DEAF-0910-48E8-8375-9FC078E9D0D6}"/>
+                <a16:creationId xmlns:a16="http://schemas.microsoft.com/office/drawing/2014/main" xmlns="" id="{9653DEAF-0910-48E8-8375-9FC078E9D0D6}"/>
               </a:ext>
             </a:extLst>
           </p:cNvPr>
@@ -5048,8 +5044,8 @@
         </p:nvGrpSpPr>
         <p:grpSpPr>
           <a:xfrm>
-            <a:off x="4566186" y="5263967"/>
-            <a:ext cx="3120608" cy="332221"/>
+            <a:off x="4566186" y="5263965"/>
+            <a:ext cx="3120608" cy="638889"/>
             <a:chOff x="6944288" y="4806069"/>
             <a:chExt cx="1694614" cy="338554"/>
           </a:xfrm>
@@ -5059,7 +5055,7 @@
             <p:cNvPr id="19" name="矩形: 圆角 14">
               <a:extLst>
                 <a:ext uri="{FF2B5EF4-FFF2-40B4-BE49-F238E27FC236}">
-                  <a16:creationId xmlns="" xmlns:a16="http://schemas.microsoft.com/office/drawing/2014/main" id="{CC29E14A-0550-4BFF-99D2-A94938E4EB84}"/>
+                  <a16:creationId xmlns:a16="http://schemas.microsoft.com/office/drawing/2014/main" xmlns="" id="{CC29E14A-0550-4BFF-99D2-A94938E4EB84}"/>
                 </a:ext>
               </a:extLst>
             </p:cNvPr>
@@ -5123,7 +5119,7 @@
             <p:cNvPr id="20" name="文本框 10">
               <a:extLst>
                 <a:ext uri="{FF2B5EF4-FFF2-40B4-BE49-F238E27FC236}">
-                  <a16:creationId xmlns="" xmlns:a16="http://schemas.microsoft.com/office/drawing/2014/main" id="{333307C3-A861-42E7-A2DA-6BAC1BCA9E3C}"/>
+                  <a16:creationId xmlns:a16="http://schemas.microsoft.com/office/drawing/2014/main" xmlns="" id="{333307C3-A861-42E7-A2DA-6BAC1BCA9E3C}"/>
                 </a:ext>
               </a:extLst>
             </p:cNvPr>
@@ -5133,7 +5129,7 @@
           <p:spPr>
             <a:xfrm>
               <a:off x="6944288" y="4821457"/>
-              <a:ext cx="1694614" cy="313644"/>
+              <a:ext cx="1694614" cy="277260"/>
             </a:xfrm>
             <a:prstGeom prst="rect">
               <a:avLst/>
@@ -5161,12 +5157,33 @@
                 </a:rPr>
                 <a:t>：</a:t>
               </a:r>
+              <a:endParaRPr lang="en-US" altLang="zh-CN" sz="1400" dirty="0" smtClean="0">
+                <a:cs typeface="+mn-ea"/>
+                <a:sym typeface="+mn-lt"/>
+              </a:endParaRPr>
+            </a:p>
+            <a:p>
+              <a:pPr algn="ctr"/>
               <a:r>
                 <a:rPr lang="en-US" altLang="zh-TW" sz="1400" dirty="0" smtClean="0">
                   <a:cs typeface="+mn-ea"/>
                   <a:sym typeface="+mn-lt"/>
                 </a:rPr>
-                <a:t>08:35~17:35</a:t>
+                <a:t>08:30~13:00</a:t>
+              </a:r>
+              <a:r>
+                <a:rPr lang="zh-TW" altLang="en-US" sz="1400" dirty="0" smtClean="0">
+                  <a:cs typeface="+mn-ea"/>
+                  <a:sym typeface="+mn-lt"/>
+                </a:rPr>
+                <a:t> </a:t>
+              </a:r>
+              <a:r>
+                <a:rPr lang="en-US" altLang="zh-TW" sz="1400" dirty="0" smtClean="0">
+                  <a:cs typeface="+mn-ea"/>
+                  <a:sym typeface="+mn-lt"/>
+                </a:rPr>
+                <a:t>16:30~18:00</a:t>
               </a:r>
               <a:endParaRPr lang="zh-CN" altLang="en-US" sz="1400" dirty="0">
                 <a:cs typeface="+mn-ea"/>
@@ -5195,7 +5212,7 @@
         <p:random/>
       </p:transition>
     </mc:Choice>
-    <mc:Fallback xmlns="" xmlns:a16="http://schemas.microsoft.com/office/drawing/2014/main">
+    <mc:Fallback xmlns:a16="http://schemas.microsoft.com/office/drawing/2014/main" xmlns="">
       <p:transition spd="slow" advTm="4078">
         <p:random/>
       </p:transition>
@@ -5630,7 +5647,7 @@
 </p:sld>
 </file>
 
-<file path=ppt/slides/slide10.xml><?xml version="1.0" encoding="utf-8"?>
+<file path=ppt/slides/slide2.xml><?xml version="1.0" encoding="utf-8"?>
 <p:sld xmlns:a="http://schemas.openxmlformats.org/drawingml/2006/main" xmlns:r="http://schemas.openxmlformats.org/officeDocument/2006/relationships" xmlns:p="http://schemas.openxmlformats.org/presentationml/2006/main">
   <p:cSld>
     <p:spTree>
@@ -5647,12 +5664,1803 @@
           <a:chExt cx="0" cy="0"/>
         </a:xfrm>
       </p:grpSpPr>
+      <p:grpSp>
+        <p:nvGrpSpPr>
+          <p:cNvPr id="7" name="组合 6">
+            <a:extLst>
+              <a:ext uri="{FF2B5EF4-FFF2-40B4-BE49-F238E27FC236}">
+                <a16:creationId xmlns:a16="http://schemas.microsoft.com/office/drawing/2014/main" xmlns="" id="{5016DF47-4C78-4917-983C-FFC43C3A22DB}"/>
+              </a:ext>
+            </a:extLst>
+          </p:cNvPr>
+          <p:cNvGrpSpPr/>
+          <p:nvPr/>
+        </p:nvGrpSpPr>
+        <p:grpSpPr>
+          <a:xfrm>
+            <a:off x="397415" y="280172"/>
+            <a:ext cx="3378200" cy="784830"/>
+            <a:chOff x="736600" y="2095500"/>
+            <a:chExt cx="3378200" cy="784830"/>
+          </a:xfrm>
+        </p:grpSpPr>
+        <p:sp>
+          <p:nvSpPr>
+            <p:cNvPr id="4" name="文本框 3">
+              <a:extLst>
+                <a:ext uri="{FF2B5EF4-FFF2-40B4-BE49-F238E27FC236}">
+                  <a16:creationId xmlns:a16="http://schemas.microsoft.com/office/drawing/2014/main" xmlns="" id="{09FE6907-8676-429A-9B5A-DC3FAFE110A8}"/>
+                </a:ext>
+              </a:extLst>
+            </p:cNvPr>
+            <p:cNvSpPr txBox="1"/>
+            <p:nvPr/>
+          </p:nvSpPr>
+          <p:spPr>
+            <a:xfrm>
+              <a:off x="736600" y="2095500"/>
+              <a:ext cx="3378200" cy="523220"/>
+            </a:xfrm>
+            <a:prstGeom prst="rect">
+              <a:avLst/>
+            </a:prstGeom>
+            <a:noFill/>
+          </p:spPr>
+          <p:txBody>
+            <a:bodyPr wrap="square" rtlCol="0">
+              <a:spAutoFit/>
+            </a:bodyPr>
+            <a:lstStyle/>
+            <a:p>
+              <a:r>
+                <a:rPr lang="zh-TW" altLang="en-US" sz="2800" dirty="0" smtClean="0">
+                  <a:cs typeface="+mn-ea"/>
+                  <a:sym typeface="+mn-lt"/>
+                </a:rPr>
+                <a:t>本日工作事項</a:t>
+              </a:r>
+              <a:endParaRPr lang="zh-CN" altLang="en-US" sz="2800" dirty="0">
+                <a:cs typeface="+mn-ea"/>
+                <a:sym typeface="+mn-lt"/>
+              </a:endParaRPr>
+            </a:p>
+          </p:txBody>
+        </p:sp>
+        <p:sp>
+          <p:nvSpPr>
+            <p:cNvPr id="6" name="文本框 5">
+              <a:extLst>
+                <a:ext uri="{FF2B5EF4-FFF2-40B4-BE49-F238E27FC236}">
+                  <a16:creationId xmlns:a16="http://schemas.microsoft.com/office/drawing/2014/main" xmlns="" id="{6123FD62-F930-464F-86A1-4D1030B58358}"/>
+                </a:ext>
+              </a:extLst>
+            </p:cNvPr>
+            <p:cNvSpPr txBox="1"/>
+            <p:nvPr/>
+          </p:nvSpPr>
+          <p:spPr>
+            <a:xfrm>
+              <a:off x="736600" y="2618720"/>
+              <a:ext cx="3263900" cy="261610"/>
+            </a:xfrm>
+            <a:prstGeom prst="rect">
+              <a:avLst/>
+            </a:prstGeom>
+            <a:noFill/>
+          </p:spPr>
+          <p:txBody>
+            <a:bodyPr wrap="square">
+              <a:spAutoFit/>
+            </a:bodyPr>
+            <a:lstStyle/>
+            <a:p>
+              <a:r>
+                <a:rPr lang="en-US" altLang="zh-TW" sz="1100" smtClean="0">
+                  <a:cs typeface="+mn-ea"/>
+                  <a:sym typeface="+mn-lt"/>
+                </a:rPr>
+                <a:t>Day</a:t>
+              </a:r>
+              <a:r>
+                <a:rPr lang="en-US" altLang="zh-CN" sz="1100" smtClean="0">
+                  <a:cs typeface="+mn-ea"/>
+                  <a:sym typeface="+mn-lt"/>
+                </a:rPr>
+                <a:t> </a:t>
+              </a:r>
+              <a:r>
+                <a:rPr lang="en-US" altLang="zh-CN" sz="1100" dirty="0" smtClean="0">
+                  <a:cs typeface="+mn-ea"/>
+                  <a:sym typeface="+mn-lt"/>
+                </a:rPr>
+                <a:t>work</a:t>
+              </a:r>
+              <a:endParaRPr lang="zh-CN" altLang="en-US" sz="1100" dirty="0">
+                <a:cs typeface="+mn-ea"/>
+                <a:sym typeface="+mn-lt"/>
+              </a:endParaRPr>
+            </a:p>
+          </p:txBody>
+        </p:sp>
+      </p:grpSp>
+      <p:sp>
+        <p:nvSpPr>
+          <p:cNvPr id="8" name="文本框 7">
+            <a:extLst>
+              <a:ext uri="{FF2B5EF4-FFF2-40B4-BE49-F238E27FC236}">
+                <a16:creationId xmlns:a16="http://schemas.microsoft.com/office/drawing/2014/main" xmlns="" id="{61D68AC2-6217-4618-9FF2-2840E7AAD8C2}"/>
+              </a:ext>
+            </a:extLst>
+          </p:cNvPr>
+          <p:cNvSpPr txBox="1"/>
+          <p:nvPr/>
+        </p:nvSpPr>
+        <p:spPr>
+          <a:xfrm>
+            <a:off x="213983" y="2253015"/>
+            <a:ext cx="6480116" cy="2246769"/>
+          </a:xfrm>
+          <a:prstGeom prst="rect">
+            <a:avLst/>
+          </a:prstGeom>
+          <a:noFill/>
+        </p:spPr>
+        <p:txBody>
+          <a:bodyPr wrap="square" rtlCol="0">
+            <a:spAutoFit/>
+          </a:bodyPr>
+          <a:lstStyle/>
+          <a:p>
+            <a:pPr marL="285750" indent="-285750">
+              <a:buFont typeface="Wingdings" panose="05000000000000000000" pitchFamily="2" charset="2"/>
+              <a:buChar char="l"/>
+            </a:pPr>
+            <a:r>
+              <a:rPr lang="zh-TW" altLang="en-US" sz="2000" spc="400" dirty="0">
+                <a:cs typeface="+mn-ea"/>
+                <a:sym typeface="+mn-lt"/>
+              </a:rPr>
+              <a:t>整理出系統的</a:t>
+            </a:r>
+            <a:r>
+              <a:rPr lang="zh-TW" altLang="en-US" sz="2000" spc="400" dirty="0" smtClean="0">
+                <a:cs typeface="+mn-ea"/>
+                <a:sym typeface="+mn-lt"/>
+              </a:rPr>
+              <a:t>問題</a:t>
+            </a:r>
+            <a:endParaRPr lang="en-US" altLang="zh-TW" sz="2000" spc="400" dirty="0" smtClean="0">
+              <a:cs typeface="+mn-ea"/>
+              <a:sym typeface="+mn-lt"/>
+            </a:endParaRPr>
+          </a:p>
+          <a:p>
+            <a:pPr marL="285750" indent="-285750">
+              <a:buFont typeface="Wingdings" panose="05000000000000000000" pitchFamily="2" charset="2"/>
+              <a:buChar char="l"/>
+            </a:pPr>
+            <a:endParaRPr lang="en-US" altLang="zh-TW" sz="2000" spc="400" dirty="0">
+              <a:cs typeface="+mn-ea"/>
+              <a:sym typeface="+mn-lt"/>
+            </a:endParaRPr>
+          </a:p>
+          <a:p>
+            <a:pPr marL="285750" indent="-285750">
+              <a:buFont typeface="Wingdings" panose="05000000000000000000" pitchFamily="2" charset="2"/>
+              <a:buChar char="l"/>
+            </a:pPr>
+            <a:r>
+              <a:rPr lang="zh-TW" altLang="en-US" sz="2000" spc="400" dirty="0" smtClean="0">
+                <a:cs typeface="+mn-ea"/>
+                <a:sym typeface="+mn-lt"/>
+              </a:rPr>
+              <a:t>與</a:t>
+            </a:r>
+            <a:r>
+              <a:rPr lang="zh-TW" altLang="en-US" sz="2000" spc="400" dirty="0">
+                <a:cs typeface="+mn-ea"/>
+                <a:sym typeface="+mn-lt"/>
+              </a:rPr>
+              <a:t>總監討論系統</a:t>
+            </a:r>
+            <a:endParaRPr lang="en-US" altLang="zh-TW" sz="2000" spc="400" dirty="0">
+              <a:cs typeface="+mn-ea"/>
+              <a:sym typeface="+mn-lt"/>
+            </a:endParaRPr>
+          </a:p>
+          <a:p>
+            <a:endParaRPr lang="en-US" altLang="zh-TW" sz="2000" spc="400" dirty="0">
+              <a:cs typeface="+mn-ea"/>
+              <a:sym typeface="+mn-lt"/>
+            </a:endParaRPr>
+          </a:p>
+          <a:p>
+            <a:pPr marL="285750" indent="-285750">
+              <a:buFont typeface="Wingdings" panose="05000000000000000000" pitchFamily="2" charset="2"/>
+              <a:buChar char="l"/>
+            </a:pPr>
+            <a:r>
+              <a:rPr lang="zh-TW" altLang="en-US" sz="2000" spc="400" dirty="0" smtClean="0">
+                <a:cs typeface="+mn-ea"/>
+                <a:sym typeface="+mn-lt"/>
+              </a:rPr>
+              <a:t>將總監給的資料放入資料庫</a:t>
+            </a:r>
+            <a:endParaRPr lang="en-US" altLang="zh-TW" sz="2000" spc="400" dirty="0" smtClean="0">
+              <a:cs typeface="+mn-ea"/>
+              <a:sym typeface="+mn-lt"/>
+            </a:endParaRPr>
+          </a:p>
+          <a:p>
+            <a:pPr marL="285750" indent="-285750">
+              <a:buFont typeface="Wingdings" panose="05000000000000000000" pitchFamily="2" charset="2"/>
+              <a:buChar char="l"/>
+            </a:pPr>
+            <a:endParaRPr lang="en-US" altLang="zh-TW" sz="2000" spc="400" dirty="0">
+              <a:cs typeface="+mn-ea"/>
+              <a:sym typeface="+mn-lt"/>
+            </a:endParaRPr>
+          </a:p>
+          <a:p>
+            <a:pPr marL="285750" indent="-285750">
+              <a:buFont typeface="Wingdings" panose="05000000000000000000" pitchFamily="2" charset="2"/>
+              <a:buChar char="l"/>
+            </a:pPr>
+            <a:r>
+              <a:rPr lang="zh-TW" altLang="en-US" sz="2000" spc="400" dirty="0" smtClean="0">
+                <a:cs typeface="+mn-ea"/>
+                <a:sym typeface="+mn-lt"/>
+              </a:rPr>
+              <a:t>稍微設計光環境控制的介面</a:t>
+            </a:r>
+            <a:endParaRPr lang="en-US" altLang="zh-TW" sz="2000" spc="400" dirty="0" smtClean="0">
+              <a:cs typeface="+mn-ea"/>
+              <a:sym typeface="+mn-lt"/>
+            </a:endParaRPr>
+          </a:p>
+        </p:txBody>
+      </p:sp>
+      <p:pic>
+        <p:nvPicPr>
+          <p:cNvPr id="10" name="圖片 9"/>
+          <p:cNvPicPr>
+            <a:picLocks noChangeAspect="1"/>
+          </p:cNvPicPr>
+          <p:nvPr/>
+        </p:nvPicPr>
+        <p:blipFill>
+          <a:blip r:embed="rId3">
+            <a:extLst>
+              <a:ext uri="{28A0092B-C50C-407E-A947-70E740481C1C}">
+                <a14:useLocalDpi xmlns:a14="http://schemas.microsoft.com/office/drawing/2010/main" val="0"/>
+              </a:ext>
+            </a:extLst>
+          </a:blip>
+          <a:stretch>
+            <a:fillRect/>
+          </a:stretch>
+        </p:blipFill>
+        <p:spPr>
+          <a:xfrm>
+            <a:off x="7225466" y="2044468"/>
+            <a:ext cx="4966534" cy="3303917"/>
+          </a:xfrm>
+          <a:prstGeom prst="rect">
+            <a:avLst/>
+          </a:prstGeom>
+        </p:spPr>
+      </p:pic>
+    </p:spTree>
+    <p:custDataLst>
+      <p:tags r:id="rId1"/>
+    </p:custDataLst>
+    <p:extLst>
+      <p:ext uri="{BB962C8B-B14F-4D97-AF65-F5344CB8AC3E}">
+        <p14:creationId xmlns:p14="http://schemas.microsoft.com/office/powerpoint/2010/main" val="2129964095"/>
+      </p:ext>
+    </p:extLst>
+  </p:cSld>
+  <p:clrMapOvr>
+    <a:masterClrMapping/>
+  </p:clrMapOvr>
+  <mc:AlternateContent xmlns:mc="http://schemas.openxmlformats.org/markup-compatibility/2006" xmlns:p14="http://schemas.microsoft.com/office/powerpoint/2010/main">
+    <mc:Choice Requires="p14">
+      <p:transition spd="slow" p14:dur="1500" advTm="4024">
+        <p:random/>
+      </p:transition>
+    </mc:Choice>
+    <mc:Fallback xmlns:a14="http://schemas.microsoft.com/office/drawing/2010/main" xmlns:a16="http://schemas.microsoft.com/office/drawing/2014/main" xmlns="">
+      <p:transition spd="slow" advTm="4024">
+        <p:random/>
+      </p:transition>
+    </mc:Fallback>
+  </mc:AlternateContent>
+  <p:timing>
+    <p:tnLst>
+      <p:par>
+        <p:cTn id="1" dur="indefinite" restart="never" nodeType="tmRoot">
+          <p:childTnLst>
+            <p:seq concurrent="1" nextAc="seek">
+              <p:cTn id="2" dur="indefinite" nodeType="mainSeq">
+                <p:childTnLst>
+                  <p:par>
+                    <p:cTn id="3" fill="hold">
+                      <p:stCondLst>
+                        <p:cond delay="indefinite"/>
+                      </p:stCondLst>
+                      <p:childTnLst>
+                        <p:par>
+                          <p:cTn id="4" fill="hold">
+                            <p:stCondLst>
+                              <p:cond delay="0"/>
+                            </p:stCondLst>
+                            <p:childTnLst>
+                              <p:par>
+                                <p:cTn id="5" presetID="22" presetClass="entr" presetSubtype="8" fill="hold" nodeType="clickEffect">
+                                  <p:stCondLst>
+                                    <p:cond delay="0"/>
+                                  </p:stCondLst>
+                                  <p:childTnLst>
+                                    <p:set>
+                                      <p:cBhvr>
+                                        <p:cTn id="6" dur="1" fill="hold">
+                                          <p:stCondLst>
+                                            <p:cond delay="0"/>
+                                          </p:stCondLst>
+                                        </p:cTn>
+                                        <p:tgtEl>
+                                          <p:spTgt spid="7"/>
+                                        </p:tgtEl>
+                                        <p:attrNameLst>
+                                          <p:attrName>style.visibility</p:attrName>
+                                        </p:attrNameLst>
+                                      </p:cBhvr>
+                                      <p:to>
+                                        <p:strVal val="visible"/>
+                                      </p:to>
+                                    </p:set>
+                                    <p:animEffect transition="in" filter="wipe(left)">
+                                      <p:cBhvr>
+                                        <p:cTn id="7" dur="500"/>
+                                        <p:tgtEl>
+                                          <p:spTgt spid="7"/>
+                                        </p:tgtEl>
+                                      </p:cBhvr>
+                                    </p:animEffect>
+                                  </p:childTnLst>
+                                </p:cTn>
+                              </p:par>
+                            </p:childTnLst>
+                          </p:cTn>
+                        </p:par>
+                      </p:childTnLst>
+                    </p:cTn>
+                  </p:par>
+                  <p:par>
+                    <p:cTn id="8" fill="hold">
+                      <p:stCondLst>
+                        <p:cond delay="indefinite"/>
+                      </p:stCondLst>
+                      <p:childTnLst>
+                        <p:par>
+                          <p:cTn id="9" fill="hold">
+                            <p:stCondLst>
+                              <p:cond delay="0"/>
+                            </p:stCondLst>
+                            <p:childTnLst>
+                              <p:par>
+                                <p:cTn id="10" presetID="14" presetClass="entr" presetSubtype="10" fill="hold" grpId="0" nodeType="clickEffect">
+                                  <p:stCondLst>
+                                    <p:cond delay="0"/>
+                                  </p:stCondLst>
+                                  <p:childTnLst>
+                                    <p:set>
+                                      <p:cBhvr>
+                                        <p:cTn id="11" dur="1" fill="hold">
+                                          <p:stCondLst>
+                                            <p:cond delay="0"/>
+                                          </p:stCondLst>
+                                        </p:cTn>
+                                        <p:tgtEl>
+                                          <p:spTgt spid="8"/>
+                                        </p:tgtEl>
+                                        <p:attrNameLst>
+                                          <p:attrName>style.visibility</p:attrName>
+                                        </p:attrNameLst>
+                                      </p:cBhvr>
+                                      <p:to>
+                                        <p:strVal val="visible"/>
+                                      </p:to>
+                                    </p:set>
+                                    <p:animEffect transition="in" filter="randombar(horizontal)">
+                                      <p:cBhvr>
+                                        <p:cTn id="12" dur="500"/>
+                                        <p:tgtEl>
+                                          <p:spTgt spid="8"/>
+                                        </p:tgtEl>
+                                      </p:cBhvr>
+                                    </p:animEffect>
+                                  </p:childTnLst>
+                                </p:cTn>
+                              </p:par>
+                            </p:childTnLst>
+                          </p:cTn>
+                        </p:par>
+                      </p:childTnLst>
+                    </p:cTn>
+                  </p:par>
+                </p:childTnLst>
+              </p:cTn>
+              <p:prevCondLst>
+                <p:cond evt="onPrev" delay="0">
+                  <p:tgtEl>
+                    <p:sldTgt/>
+                  </p:tgtEl>
+                </p:cond>
+              </p:prevCondLst>
+              <p:nextCondLst>
+                <p:cond evt="onNext" delay="0">
+                  <p:tgtEl>
+                    <p:sldTgt/>
+                  </p:tgtEl>
+                </p:cond>
+              </p:nextCondLst>
+            </p:seq>
+          </p:childTnLst>
+        </p:cTn>
+      </p:par>
+    </p:tnLst>
+    <p:bldLst>
+      <p:bldP spid="8" grpId="0"/>
+    </p:bldLst>
+  </p:timing>
+</p:sld>
+</file>
+
+<file path=ppt/slides/slide3.xml><?xml version="1.0" encoding="utf-8"?>
+<p:sld xmlns:a="http://schemas.openxmlformats.org/drawingml/2006/main" xmlns:r="http://schemas.openxmlformats.org/officeDocument/2006/relationships" xmlns:p="http://schemas.openxmlformats.org/presentationml/2006/main">
+  <p:cSld>
+    <p:spTree>
+      <p:nvGrpSpPr>
+        <p:cNvPr id="1" name=""/>
+        <p:cNvGrpSpPr/>
+        <p:nvPr/>
+      </p:nvGrpSpPr>
+      <p:grpSpPr>
+        <a:xfrm>
+          <a:off x="0" y="0"/>
+          <a:ext cx="0" cy="0"/>
+          <a:chOff x="0" y="0"/>
+          <a:chExt cx="0" cy="0"/>
+        </a:xfrm>
+      </p:grpSpPr>
       <p:sp>
         <p:nvSpPr>
           <p:cNvPr id="2" name="矩形 1">
             <a:extLst>
               <a:ext uri="{FF2B5EF4-FFF2-40B4-BE49-F238E27FC236}">
-                <a16:creationId xmlns="" xmlns:a16="http://schemas.microsoft.com/office/drawing/2014/main" id="{6130B33B-FCB5-4AFA-8175-BA08126D80E1}"/>
+                <a16:creationId xmlns:a16="http://schemas.microsoft.com/office/drawing/2014/main" xmlns="" id="{6130B33B-FCB5-4AFA-8175-BA08126D80E1}"/>
+              </a:ext>
+            </a:extLst>
+          </p:cNvPr>
+          <p:cNvSpPr/>
+          <p:nvPr/>
+        </p:nvSpPr>
+        <p:spPr>
+          <a:xfrm>
+            <a:off x="5029198" y="493630"/>
+            <a:ext cx="2133600" cy="228600"/>
+          </a:xfrm>
+          <a:prstGeom prst="rect">
+            <a:avLst/>
+          </a:prstGeom>
+          <a:solidFill>
+            <a:schemeClr val="tx1">
+              <a:lumMod val="75000"/>
+              <a:lumOff val="25000"/>
+            </a:schemeClr>
+          </a:solidFill>
+          <a:ln>
+            <a:noFill/>
+          </a:ln>
+        </p:spPr>
+        <p:style>
+          <a:lnRef idx="2">
+            <a:schemeClr val="accent1">
+              <a:shade val="50000"/>
+            </a:schemeClr>
+          </a:lnRef>
+          <a:fillRef idx="1">
+            <a:schemeClr val="accent1"/>
+          </a:fillRef>
+          <a:effectRef idx="0">
+            <a:schemeClr val="accent1"/>
+          </a:effectRef>
+          <a:fontRef idx="minor">
+            <a:schemeClr val="lt1"/>
+          </a:fontRef>
+        </p:style>
+        <p:txBody>
+          <a:bodyPr rtlCol="0" anchor="ctr"/>
+          <a:lstStyle/>
+          <a:p>
+            <a:pPr algn="ctr"/>
+            <a:endParaRPr lang="zh-CN" altLang="en-US">
+              <a:cs typeface="+mn-ea"/>
+              <a:sym typeface="+mn-lt"/>
+            </a:endParaRPr>
+          </a:p>
+        </p:txBody>
+      </p:sp>
+      <p:grpSp>
+        <p:nvGrpSpPr>
+          <p:cNvPr id="3" name="组合 2">
+            <a:extLst>
+              <a:ext uri="{FF2B5EF4-FFF2-40B4-BE49-F238E27FC236}">
+                <a16:creationId xmlns:a16="http://schemas.microsoft.com/office/drawing/2014/main" xmlns="" id="{CF3B8F59-C87E-48F7-911B-3FCC3B1922F9}"/>
+              </a:ext>
+            </a:extLst>
+          </p:cNvPr>
+          <p:cNvGrpSpPr/>
+          <p:nvPr/>
+        </p:nvGrpSpPr>
+        <p:grpSpPr>
+          <a:xfrm>
+            <a:off x="2754561" y="787600"/>
+            <a:ext cx="6875378" cy="976561"/>
+            <a:chOff x="661187" y="1991896"/>
+            <a:chExt cx="3591185" cy="1083521"/>
+          </a:xfrm>
+        </p:grpSpPr>
+        <p:sp>
+          <p:nvSpPr>
+            <p:cNvPr id="4" name="文本框 3">
+              <a:extLst>
+                <a:ext uri="{FF2B5EF4-FFF2-40B4-BE49-F238E27FC236}">
+                  <a16:creationId xmlns:a16="http://schemas.microsoft.com/office/drawing/2014/main" xmlns="" id="{F069F7C5-7C6B-4416-BA43-7E9FF2B95F70}"/>
+                </a:ext>
+              </a:extLst>
+            </p:cNvPr>
+            <p:cNvSpPr txBox="1"/>
+            <p:nvPr/>
+          </p:nvSpPr>
+          <p:spPr>
+            <a:xfrm>
+              <a:off x="661187" y="1991896"/>
+              <a:ext cx="3515773" cy="785419"/>
+            </a:xfrm>
+            <a:prstGeom prst="rect">
+              <a:avLst/>
+            </a:prstGeom>
+            <a:noFill/>
+          </p:spPr>
+          <p:txBody>
+            <a:bodyPr wrap="square" rtlCol="0">
+              <a:spAutoFit/>
+            </a:bodyPr>
+            <a:lstStyle/>
+            <a:p>
+              <a:pPr algn="ctr"/>
+              <a:r>
+                <a:rPr lang="zh-TW" altLang="en-US" sz="4000" dirty="0" smtClean="0">
+                  <a:cs typeface="+mn-ea"/>
+                  <a:sym typeface="+mn-lt"/>
+                </a:rPr>
+                <a:t>與總監討論</a:t>
+              </a:r>
+              <a:endParaRPr lang="zh-CN" altLang="en-US" sz="4000" dirty="0">
+                <a:cs typeface="+mn-ea"/>
+                <a:sym typeface="+mn-lt"/>
+              </a:endParaRPr>
+            </a:p>
+          </p:txBody>
+        </p:sp>
+        <p:sp>
+          <p:nvSpPr>
+            <p:cNvPr id="5" name="文本框 4">
+              <a:extLst>
+                <a:ext uri="{FF2B5EF4-FFF2-40B4-BE49-F238E27FC236}">
+                  <a16:creationId xmlns:a16="http://schemas.microsoft.com/office/drawing/2014/main" xmlns="" id="{E7404F6D-3A40-4203-8F0A-6169C74FB4CA}"/>
+                </a:ext>
+              </a:extLst>
+            </p:cNvPr>
+            <p:cNvSpPr txBox="1"/>
+            <p:nvPr/>
+          </p:nvSpPr>
+          <p:spPr>
+            <a:xfrm>
+              <a:off x="793749" y="2699782"/>
+              <a:ext cx="3458623" cy="375635"/>
+            </a:xfrm>
+            <a:prstGeom prst="rect">
+              <a:avLst/>
+            </a:prstGeom>
+            <a:noFill/>
+          </p:spPr>
+          <p:txBody>
+            <a:bodyPr wrap="square">
+              <a:spAutoFit/>
+            </a:bodyPr>
+            <a:lstStyle/>
+            <a:p>
+              <a:pPr algn="ctr"/>
+              <a:r>
+                <a:rPr lang="en-US" altLang="zh-TW" sz="1600" dirty="0">
+                  <a:cs typeface="+mn-ea"/>
+                  <a:sym typeface="+mn-lt"/>
+                </a:rPr>
+                <a:t>Project </a:t>
+              </a:r>
+              <a:r>
+                <a:rPr lang="en-US" altLang="zh-TW" sz="1600" dirty="0" smtClean="0">
+                  <a:cs typeface="+mn-ea"/>
+                  <a:sym typeface="+mn-lt"/>
+                </a:rPr>
+                <a:t>designing</a:t>
+              </a:r>
+              <a:endParaRPr lang="zh-CN" altLang="en-US" sz="1600" dirty="0">
+                <a:cs typeface="+mn-ea"/>
+                <a:sym typeface="+mn-lt"/>
+              </a:endParaRPr>
+            </a:p>
+          </p:txBody>
+        </p:sp>
+      </p:grpSp>
+      <p:pic>
+        <p:nvPicPr>
+          <p:cNvPr id="9" name="圖片 8"/>
+          <p:cNvPicPr>
+            <a:picLocks noChangeAspect="1"/>
+          </p:cNvPicPr>
+          <p:nvPr/>
+        </p:nvPicPr>
+        <p:blipFill>
+          <a:blip r:embed="rId3">
+            <a:extLst>
+              <a:ext uri="{28A0092B-C50C-407E-A947-70E740481C1C}">
+                <a14:useLocalDpi xmlns:a14="http://schemas.microsoft.com/office/drawing/2010/main" val="0"/>
+              </a:ext>
+            </a:extLst>
+          </a:blip>
+          <a:stretch>
+            <a:fillRect/>
+          </a:stretch>
+        </p:blipFill>
+        <p:spPr>
+          <a:xfrm>
+            <a:off x="3375921" y="1885950"/>
+            <a:ext cx="5886450" cy="4972050"/>
+          </a:xfrm>
+          <a:prstGeom prst="rect">
+            <a:avLst/>
+          </a:prstGeom>
+        </p:spPr>
+      </p:pic>
+    </p:spTree>
+    <p:custDataLst>
+      <p:tags r:id="rId1"/>
+    </p:custDataLst>
+    <p:extLst>
+      <p:ext uri="{BB962C8B-B14F-4D97-AF65-F5344CB8AC3E}">
+        <p14:creationId xmlns:p14="http://schemas.microsoft.com/office/powerpoint/2010/main" val="1417835446"/>
+      </p:ext>
+    </p:extLst>
+  </p:cSld>
+  <p:clrMapOvr>
+    <a:masterClrMapping/>
+  </p:clrMapOvr>
+  <mc:AlternateContent xmlns:mc="http://schemas.openxmlformats.org/markup-compatibility/2006" xmlns:p14="http://schemas.microsoft.com/office/powerpoint/2010/main">
+    <mc:Choice Requires="p14">
+      <p:transition spd="slow" p14:dur="1500" advTm="3414">
+        <p:random/>
+      </p:transition>
+    </mc:Choice>
+    <mc:Fallback xmlns:a14="http://schemas.microsoft.com/office/drawing/2010/main" xmlns:a16="http://schemas.microsoft.com/office/drawing/2014/main" xmlns="">
+      <p:transition spd="slow" advTm="3414">
+        <p:random/>
+      </p:transition>
+    </mc:Fallback>
+  </mc:AlternateContent>
+  <p:timing>
+    <p:tnLst>
+      <p:par>
+        <p:cTn id="1" dur="indefinite" restart="never" nodeType="tmRoot">
+          <p:childTnLst>
+            <p:seq concurrent="1" nextAc="seek">
+              <p:cTn id="2" dur="indefinite" nodeType="mainSeq">
+                <p:childTnLst>
+                  <p:par>
+                    <p:cTn id="3" fill="hold">
+                      <p:stCondLst>
+                        <p:cond delay="indefinite"/>
+                      </p:stCondLst>
+                      <p:childTnLst>
+                        <p:par>
+                          <p:cTn id="4" fill="hold">
+                            <p:stCondLst>
+                              <p:cond delay="0"/>
+                            </p:stCondLst>
+                            <p:childTnLst>
+                              <p:par>
+                                <p:cTn id="5" presetID="16" presetClass="entr" presetSubtype="37" fill="hold" grpId="0" nodeType="clickEffect">
+                                  <p:stCondLst>
+                                    <p:cond delay="0"/>
+                                  </p:stCondLst>
+                                  <p:childTnLst>
+                                    <p:set>
+                                      <p:cBhvr>
+                                        <p:cTn id="6" dur="1" fill="hold">
+                                          <p:stCondLst>
+                                            <p:cond delay="0"/>
+                                          </p:stCondLst>
+                                        </p:cTn>
+                                        <p:tgtEl>
+                                          <p:spTgt spid="2"/>
+                                        </p:tgtEl>
+                                        <p:attrNameLst>
+                                          <p:attrName>style.visibility</p:attrName>
+                                        </p:attrNameLst>
+                                      </p:cBhvr>
+                                      <p:to>
+                                        <p:strVal val="visible"/>
+                                      </p:to>
+                                    </p:set>
+                                    <p:animEffect transition="in" filter="barn(outVertical)">
+                                      <p:cBhvr>
+                                        <p:cTn id="7" dur="500"/>
+                                        <p:tgtEl>
+                                          <p:spTgt spid="2"/>
+                                        </p:tgtEl>
+                                      </p:cBhvr>
+                                    </p:animEffect>
+                                  </p:childTnLst>
+                                </p:cTn>
+                              </p:par>
+                            </p:childTnLst>
+                          </p:cTn>
+                        </p:par>
+                      </p:childTnLst>
+                    </p:cTn>
+                  </p:par>
+                  <p:par>
+                    <p:cTn id="8" fill="hold">
+                      <p:stCondLst>
+                        <p:cond delay="indefinite"/>
+                      </p:stCondLst>
+                      <p:childTnLst>
+                        <p:par>
+                          <p:cTn id="9" fill="hold">
+                            <p:stCondLst>
+                              <p:cond delay="0"/>
+                            </p:stCondLst>
+                            <p:childTnLst>
+                              <p:par>
+                                <p:cTn id="10" presetID="22" presetClass="entr" presetSubtype="8" fill="hold" nodeType="clickEffect">
+                                  <p:stCondLst>
+                                    <p:cond delay="0"/>
+                                  </p:stCondLst>
+                                  <p:childTnLst>
+                                    <p:set>
+                                      <p:cBhvr>
+                                        <p:cTn id="11" dur="1" fill="hold">
+                                          <p:stCondLst>
+                                            <p:cond delay="0"/>
+                                          </p:stCondLst>
+                                        </p:cTn>
+                                        <p:tgtEl>
+                                          <p:spTgt spid="3"/>
+                                        </p:tgtEl>
+                                        <p:attrNameLst>
+                                          <p:attrName>style.visibility</p:attrName>
+                                        </p:attrNameLst>
+                                      </p:cBhvr>
+                                      <p:to>
+                                        <p:strVal val="visible"/>
+                                      </p:to>
+                                    </p:set>
+                                    <p:animEffect transition="in" filter="wipe(left)">
+                                      <p:cBhvr>
+                                        <p:cTn id="12" dur="500"/>
+                                        <p:tgtEl>
+                                          <p:spTgt spid="3"/>
+                                        </p:tgtEl>
+                                      </p:cBhvr>
+                                    </p:animEffect>
+                                  </p:childTnLst>
+                                </p:cTn>
+                              </p:par>
+                            </p:childTnLst>
+                          </p:cTn>
+                        </p:par>
+                      </p:childTnLst>
+                    </p:cTn>
+                  </p:par>
+                </p:childTnLst>
+              </p:cTn>
+              <p:prevCondLst>
+                <p:cond evt="onPrev" delay="0">
+                  <p:tgtEl>
+                    <p:sldTgt/>
+                  </p:tgtEl>
+                </p:cond>
+              </p:prevCondLst>
+              <p:nextCondLst>
+                <p:cond evt="onNext" delay="0">
+                  <p:tgtEl>
+                    <p:sldTgt/>
+                  </p:tgtEl>
+                </p:cond>
+              </p:nextCondLst>
+            </p:seq>
+          </p:childTnLst>
+        </p:cTn>
+      </p:par>
+    </p:tnLst>
+    <p:bldLst>
+      <p:bldP spid="2" grpId="0" animBg="1"/>
+    </p:bldLst>
+  </p:timing>
+</p:sld>
+</file>
+
+<file path=ppt/slides/slide4.xml><?xml version="1.0" encoding="utf-8"?>
+<p:sld xmlns:a="http://schemas.openxmlformats.org/drawingml/2006/main" xmlns:r="http://schemas.openxmlformats.org/officeDocument/2006/relationships" xmlns:p="http://schemas.openxmlformats.org/presentationml/2006/main">
+  <p:cSld>
+    <p:spTree>
+      <p:nvGrpSpPr>
+        <p:cNvPr id="1" name=""/>
+        <p:cNvGrpSpPr/>
+        <p:nvPr/>
+      </p:nvGrpSpPr>
+      <p:grpSpPr>
+        <a:xfrm>
+          <a:off x="0" y="0"/>
+          <a:ext cx="0" cy="0"/>
+          <a:chOff x="0" y="0"/>
+          <a:chExt cx="0" cy="0"/>
+        </a:xfrm>
+      </p:grpSpPr>
+      <p:sp>
+        <p:nvSpPr>
+          <p:cNvPr id="2" name="矩形 1">
+            <a:extLst>
+              <a:ext uri="{FF2B5EF4-FFF2-40B4-BE49-F238E27FC236}">
+                <a16:creationId xmlns:a16="http://schemas.microsoft.com/office/drawing/2014/main" xmlns="" id="{6130B33B-FCB5-4AFA-8175-BA08126D80E1}"/>
+              </a:ext>
+            </a:extLst>
+          </p:cNvPr>
+          <p:cNvSpPr/>
+          <p:nvPr/>
+        </p:nvSpPr>
+        <p:spPr>
+          <a:xfrm>
+            <a:off x="5029198" y="493630"/>
+            <a:ext cx="2133600" cy="228600"/>
+          </a:xfrm>
+          <a:prstGeom prst="rect">
+            <a:avLst/>
+          </a:prstGeom>
+          <a:solidFill>
+            <a:schemeClr val="tx1">
+              <a:lumMod val="75000"/>
+              <a:lumOff val="25000"/>
+            </a:schemeClr>
+          </a:solidFill>
+          <a:ln>
+            <a:noFill/>
+          </a:ln>
+        </p:spPr>
+        <p:style>
+          <a:lnRef idx="2">
+            <a:schemeClr val="accent1">
+              <a:shade val="50000"/>
+            </a:schemeClr>
+          </a:lnRef>
+          <a:fillRef idx="1">
+            <a:schemeClr val="accent1"/>
+          </a:fillRef>
+          <a:effectRef idx="0">
+            <a:schemeClr val="accent1"/>
+          </a:effectRef>
+          <a:fontRef idx="minor">
+            <a:schemeClr val="lt1"/>
+          </a:fontRef>
+        </p:style>
+        <p:txBody>
+          <a:bodyPr rtlCol="0" anchor="ctr"/>
+          <a:lstStyle/>
+          <a:p>
+            <a:pPr algn="ctr"/>
+            <a:endParaRPr lang="zh-CN" altLang="en-US">
+              <a:cs typeface="+mn-ea"/>
+              <a:sym typeface="+mn-lt"/>
+            </a:endParaRPr>
+          </a:p>
+        </p:txBody>
+      </p:sp>
+      <p:grpSp>
+        <p:nvGrpSpPr>
+          <p:cNvPr id="3" name="组合 2">
+            <a:extLst>
+              <a:ext uri="{FF2B5EF4-FFF2-40B4-BE49-F238E27FC236}">
+                <a16:creationId xmlns:a16="http://schemas.microsoft.com/office/drawing/2014/main" xmlns="" id="{CF3B8F59-C87E-48F7-911B-3FCC3B1922F9}"/>
+              </a:ext>
+            </a:extLst>
+          </p:cNvPr>
+          <p:cNvGrpSpPr/>
+          <p:nvPr/>
+        </p:nvGrpSpPr>
+        <p:grpSpPr>
+          <a:xfrm>
+            <a:off x="2754561" y="787600"/>
+            <a:ext cx="6875378" cy="976561"/>
+            <a:chOff x="661187" y="1991896"/>
+            <a:chExt cx="3591185" cy="1083521"/>
+          </a:xfrm>
+        </p:grpSpPr>
+        <p:sp>
+          <p:nvSpPr>
+            <p:cNvPr id="4" name="文本框 3">
+              <a:extLst>
+                <a:ext uri="{FF2B5EF4-FFF2-40B4-BE49-F238E27FC236}">
+                  <a16:creationId xmlns:a16="http://schemas.microsoft.com/office/drawing/2014/main" xmlns="" id="{F069F7C5-7C6B-4416-BA43-7E9FF2B95F70}"/>
+                </a:ext>
+              </a:extLst>
+            </p:cNvPr>
+            <p:cNvSpPr txBox="1"/>
+            <p:nvPr/>
+          </p:nvSpPr>
+          <p:spPr>
+            <a:xfrm>
+              <a:off x="661187" y="1991896"/>
+              <a:ext cx="3515773" cy="785419"/>
+            </a:xfrm>
+            <a:prstGeom prst="rect">
+              <a:avLst/>
+            </a:prstGeom>
+            <a:noFill/>
+          </p:spPr>
+          <p:txBody>
+            <a:bodyPr wrap="square" rtlCol="0">
+              <a:spAutoFit/>
+            </a:bodyPr>
+            <a:lstStyle/>
+            <a:p>
+              <a:pPr algn="ctr"/>
+              <a:r>
+                <a:rPr lang="zh-TW" altLang="en-US" sz="4000" dirty="0" smtClean="0">
+                  <a:cs typeface="+mn-ea"/>
+                  <a:sym typeface="+mn-lt"/>
+                </a:rPr>
+                <a:t>光環境控制</a:t>
+              </a:r>
+              <a:r>
+                <a:rPr lang="en-US" altLang="zh-TW" sz="4000" dirty="0" smtClean="0">
+                  <a:cs typeface="+mn-ea"/>
+                  <a:sym typeface="+mn-lt"/>
+                </a:rPr>
+                <a:t>-</a:t>
+              </a:r>
+              <a:r>
+                <a:rPr lang="zh-TW" altLang="en-US" sz="4000" dirty="0" smtClean="0">
+                  <a:cs typeface="+mn-ea"/>
+                  <a:sym typeface="+mn-lt"/>
+                </a:rPr>
+                <a:t>介面</a:t>
+              </a:r>
+              <a:endParaRPr lang="zh-CN" altLang="en-US" sz="4000" dirty="0">
+                <a:cs typeface="+mn-ea"/>
+                <a:sym typeface="+mn-lt"/>
+              </a:endParaRPr>
+            </a:p>
+          </p:txBody>
+        </p:sp>
+        <p:sp>
+          <p:nvSpPr>
+            <p:cNvPr id="5" name="文本框 4">
+              <a:extLst>
+                <a:ext uri="{FF2B5EF4-FFF2-40B4-BE49-F238E27FC236}">
+                  <a16:creationId xmlns:a16="http://schemas.microsoft.com/office/drawing/2014/main" xmlns="" id="{E7404F6D-3A40-4203-8F0A-6169C74FB4CA}"/>
+                </a:ext>
+              </a:extLst>
+            </p:cNvPr>
+            <p:cNvSpPr txBox="1"/>
+            <p:nvPr/>
+          </p:nvSpPr>
+          <p:spPr>
+            <a:xfrm>
+              <a:off x="793749" y="2699782"/>
+              <a:ext cx="3458623" cy="375635"/>
+            </a:xfrm>
+            <a:prstGeom prst="rect">
+              <a:avLst/>
+            </a:prstGeom>
+            <a:noFill/>
+          </p:spPr>
+          <p:txBody>
+            <a:bodyPr wrap="square">
+              <a:spAutoFit/>
+            </a:bodyPr>
+            <a:lstStyle/>
+            <a:p>
+              <a:pPr algn="ctr"/>
+              <a:r>
+                <a:rPr lang="en-US" altLang="zh-TW" sz="1600" dirty="0">
+                  <a:cs typeface="+mn-ea"/>
+                  <a:sym typeface="+mn-lt"/>
+                </a:rPr>
+                <a:t>Project </a:t>
+              </a:r>
+              <a:r>
+                <a:rPr lang="en-US" altLang="zh-TW" sz="1600" dirty="0" smtClean="0">
+                  <a:cs typeface="+mn-ea"/>
+                  <a:sym typeface="+mn-lt"/>
+                </a:rPr>
+                <a:t>designing</a:t>
+              </a:r>
+              <a:endParaRPr lang="zh-CN" altLang="en-US" sz="1600" dirty="0">
+                <a:cs typeface="+mn-ea"/>
+                <a:sym typeface="+mn-lt"/>
+              </a:endParaRPr>
+            </a:p>
+          </p:txBody>
+        </p:sp>
+      </p:grpSp>
+      <p:pic>
+        <p:nvPicPr>
+          <p:cNvPr id="6" name="圖片 5"/>
+          <p:cNvPicPr>
+            <a:picLocks noChangeAspect="1"/>
+          </p:cNvPicPr>
+          <p:nvPr/>
+        </p:nvPicPr>
+        <p:blipFill>
+          <a:blip r:embed="rId3">
+            <a:extLst>
+              <a:ext uri="{28A0092B-C50C-407E-A947-70E740481C1C}">
+                <a14:useLocalDpi xmlns:a14="http://schemas.microsoft.com/office/drawing/2010/main" val="0"/>
+              </a:ext>
+            </a:extLst>
+          </a:blip>
+          <a:stretch>
+            <a:fillRect/>
+          </a:stretch>
+        </p:blipFill>
+        <p:spPr>
+          <a:xfrm rot="16200000">
+            <a:off x="3854840" y="73410"/>
+            <a:ext cx="4958578" cy="8610601"/>
+          </a:xfrm>
+          <a:prstGeom prst="rect">
+            <a:avLst/>
+          </a:prstGeom>
+        </p:spPr>
+      </p:pic>
+    </p:spTree>
+    <p:custDataLst>
+      <p:tags r:id="rId1"/>
+    </p:custDataLst>
+    <p:extLst>
+      <p:ext uri="{BB962C8B-B14F-4D97-AF65-F5344CB8AC3E}">
+        <p14:creationId xmlns:p14="http://schemas.microsoft.com/office/powerpoint/2010/main" val="3033255981"/>
+      </p:ext>
+    </p:extLst>
+  </p:cSld>
+  <p:clrMapOvr>
+    <a:masterClrMapping/>
+  </p:clrMapOvr>
+  <mc:AlternateContent xmlns:mc="http://schemas.openxmlformats.org/markup-compatibility/2006" xmlns:p14="http://schemas.microsoft.com/office/powerpoint/2010/main">
+    <mc:Choice Requires="p14">
+      <p:transition spd="slow" p14:dur="1500" advTm="3414">
+        <p:random/>
+      </p:transition>
+    </mc:Choice>
+    <mc:Fallback xmlns:a14="http://schemas.microsoft.com/office/drawing/2010/main" xmlns:a16="http://schemas.microsoft.com/office/drawing/2014/main" xmlns="">
+      <p:transition spd="slow" advTm="3414">
+        <p:random/>
+      </p:transition>
+    </mc:Fallback>
+  </mc:AlternateContent>
+  <p:timing>
+    <p:tnLst>
+      <p:par>
+        <p:cTn id="1" dur="indefinite" restart="never" nodeType="tmRoot">
+          <p:childTnLst>
+            <p:seq concurrent="1" nextAc="seek">
+              <p:cTn id="2" dur="indefinite" nodeType="mainSeq">
+                <p:childTnLst>
+                  <p:par>
+                    <p:cTn id="3" fill="hold">
+                      <p:stCondLst>
+                        <p:cond delay="indefinite"/>
+                      </p:stCondLst>
+                      <p:childTnLst>
+                        <p:par>
+                          <p:cTn id="4" fill="hold">
+                            <p:stCondLst>
+                              <p:cond delay="0"/>
+                            </p:stCondLst>
+                            <p:childTnLst>
+                              <p:par>
+                                <p:cTn id="5" presetID="16" presetClass="entr" presetSubtype="37" fill="hold" grpId="0" nodeType="clickEffect">
+                                  <p:stCondLst>
+                                    <p:cond delay="0"/>
+                                  </p:stCondLst>
+                                  <p:childTnLst>
+                                    <p:set>
+                                      <p:cBhvr>
+                                        <p:cTn id="6" dur="1" fill="hold">
+                                          <p:stCondLst>
+                                            <p:cond delay="0"/>
+                                          </p:stCondLst>
+                                        </p:cTn>
+                                        <p:tgtEl>
+                                          <p:spTgt spid="2"/>
+                                        </p:tgtEl>
+                                        <p:attrNameLst>
+                                          <p:attrName>style.visibility</p:attrName>
+                                        </p:attrNameLst>
+                                      </p:cBhvr>
+                                      <p:to>
+                                        <p:strVal val="visible"/>
+                                      </p:to>
+                                    </p:set>
+                                    <p:animEffect transition="in" filter="barn(outVertical)">
+                                      <p:cBhvr>
+                                        <p:cTn id="7" dur="500"/>
+                                        <p:tgtEl>
+                                          <p:spTgt spid="2"/>
+                                        </p:tgtEl>
+                                      </p:cBhvr>
+                                    </p:animEffect>
+                                  </p:childTnLst>
+                                </p:cTn>
+                              </p:par>
+                            </p:childTnLst>
+                          </p:cTn>
+                        </p:par>
+                      </p:childTnLst>
+                    </p:cTn>
+                  </p:par>
+                  <p:par>
+                    <p:cTn id="8" fill="hold">
+                      <p:stCondLst>
+                        <p:cond delay="indefinite"/>
+                      </p:stCondLst>
+                      <p:childTnLst>
+                        <p:par>
+                          <p:cTn id="9" fill="hold">
+                            <p:stCondLst>
+                              <p:cond delay="0"/>
+                            </p:stCondLst>
+                            <p:childTnLst>
+                              <p:par>
+                                <p:cTn id="10" presetID="22" presetClass="entr" presetSubtype="8" fill="hold" nodeType="clickEffect">
+                                  <p:stCondLst>
+                                    <p:cond delay="0"/>
+                                  </p:stCondLst>
+                                  <p:childTnLst>
+                                    <p:set>
+                                      <p:cBhvr>
+                                        <p:cTn id="11" dur="1" fill="hold">
+                                          <p:stCondLst>
+                                            <p:cond delay="0"/>
+                                          </p:stCondLst>
+                                        </p:cTn>
+                                        <p:tgtEl>
+                                          <p:spTgt spid="3"/>
+                                        </p:tgtEl>
+                                        <p:attrNameLst>
+                                          <p:attrName>style.visibility</p:attrName>
+                                        </p:attrNameLst>
+                                      </p:cBhvr>
+                                      <p:to>
+                                        <p:strVal val="visible"/>
+                                      </p:to>
+                                    </p:set>
+                                    <p:animEffect transition="in" filter="wipe(left)">
+                                      <p:cBhvr>
+                                        <p:cTn id="12" dur="500"/>
+                                        <p:tgtEl>
+                                          <p:spTgt spid="3"/>
+                                        </p:tgtEl>
+                                      </p:cBhvr>
+                                    </p:animEffect>
+                                  </p:childTnLst>
+                                </p:cTn>
+                              </p:par>
+                            </p:childTnLst>
+                          </p:cTn>
+                        </p:par>
+                      </p:childTnLst>
+                    </p:cTn>
+                  </p:par>
+                </p:childTnLst>
+              </p:cTn>
+              <p:prevCondLst>
+                <p:cond evt="onPrev" delay="0">
+                  <p:tgtEl>
+                    <p:sldTgt/>
+                  </p:tgtEl>
+                </p:cond>
+              </p:prevCondLst>
+              <p:nextCondLst>
+                <p:cond evt="onNext" delay="0">
+                  <p:tgtEl>
+                    <p:sldTgt/>
+                  </p:tgtEl>
+                </p:cond>
+              </p:nextCondLst>
+            </p:seq>
+          </p:childTnLst>
+        </p:cTn>
+      </p:par>
+    </p:tnLst>
+    <p:bldLst>
+      <p:bldP spid="2" grpId="0" animBg="1"/>
+    </p:bldLst>
+  </p:timing>
+</p:sld>
+</file>
+
+<file path=ppt/slides/slide5.xml><?xml version="1.0" encoding="utf-8"?>
+<p:sld xmlns:a="http://schemas.openxmlformats.org/drawingml/2006/main" xmlns:r="http://schemas.openxmlformats.org/officeDocument/2006/relationships" xmlns:p="http://schemas.openxmlformats.org/presentationml/2006/main">
+  <p:cSld>
+    <p:spTree>
+      <p:nvGrpSpPr>
+        <p:cNvPr id="1" name=""/>
+        <p:cNvGrpSpPr/>
+        <p:nvPr/>
+      </p:nvGrpSpPr>
+      <p:grpSpPr>
+        <a:xfrm>
+          <a:off x="0" y="0"/>
+          <a:ext cx="0" cy="0"/>
+          <a:chOff x="0" y="0"/>
+          <a:chExt cx="0" cy="0"/>
+        </a:xfrm>
+      </p:grpSpPr>
+      <p:sp>
+        <p:nvSpPr>
+          <p:cNvPr id="2" name="矩形 1">
+            <a:extLst>
+              <a:ext uri="{FF2B5EF4-FFF2-40B4-BE49-F238E27FC236}">
+                <a16:creationId xmlns:a16="http://schemas.microsoft.com/office/drawing/2014/main" xmlns="" id="{6130B33B-FCB5-4AFA-8175-BA08126D80E1}"/>
+              </a:ext>
+            </a:extLst>
+          </p:cNvPr>
+          <p:cNvSpPr/>
+          <p:nvPr/>
+        </p:nvSpPr>
+        <p:spPr>
+          <a:xfrm>
+            <a:off x="5029198" y="493630"/>
+            <a:ext cx="2133600" cy="228600"/>
+          </a:xfrm>
+          <a:prstGeom prst="rect">
+            <a:avLst/>
+          </a:prstGeom>
+          <a:solidFill>
+            <a:schemeClr val="tx1">
+              <a:lumMod val="75000"/>
+              <a:lumOff val="25000"/>
+            </a:schemeClr>
+          </a:solidFill>
+          <a:ln>
+            <a:noFill/>
+          </a:ln>
+        </p:spPr>
+        <p:style>
+          <a:lnRef idx="2">
+            <a:schemeClr val="accent1">
+              <a:shade val="50000"/>
+            </a:schemeClr>
+          </a:lnRef>
+          <a:fillRef idx="1">
+            <a:schemeClr val="accent1"/>
+          </a:fillRef>
+          <a:effectRef idx="0">
+            <a:schemeClr val="accent1"/>
+          </a:effectRef>
+          <a:fontRef idx="minor">
+            <a:schemeClr val="lt1"/>
+          </a:fontRef>
+        </p:style>
+        <p:txBody>
+          <a:bodyPr rtlCol="0" anchor="ctr"/>
+          <a:lstStyle/>
+          <a:p>
+            <a:pPr algn="ctr"/>
+            <a:endParaRPr lang="zh-CN" altLang="en-US">
+              <a:cs typeface="+mn-ea"/>
+              <a:sym typeface="+mn-lt"/>
+            </a:endParaRPr>
+          </a:p>
+        </p:txBody>
+      </p:sp>
+      <p:grpSp>
+        <p:nvGrpSpPr>
+          <p:cNvPr id="3" name="组合 2">
+            <a:extLst>
+              <a:ext uri="{FF2B5EF4-FFF2-40B4-BE49-F238E27FC236}">
+                <a16:creationId xmlns:a16="http://schemas.microsoft.com/office/drawing/2014/main" xmlns="" id="{CF3B8F59-C87E-48F7-911B-3FCC3B1922F9}"/>
+              </a:ext>
+            </a:extLst>
+          </p:cNvPr>
+          <p:cNvGrpSpPr/>
+          <p:nvPr/>
+        </p:nvGrpSpPr>
+        <p:grpSpPr>
+          <a:xfrm>
+            <a:off x="2754561" y="787600"/>
+            <a:ext cx="6875378" cy="976561"/>
+            <a:chOff x="661187" y="1991896"/>
+            <a:chExt cx="3591185" cy="1083521"/>
+          </a:xfrm>
+        </p:grpSpPr>
+        <p:sp>
+          <p:nvSpPr>
+            <p:cNvPr id="4" name="文本框 3">
+              <a:extLst>
+                <a:ext uri="{FF2B5EF4-FFF2-40B4-BE49-F238E27FC236}">
+                  <a16:creationId xmlns:a16="http://schemas.microsoft.com/office/drawing/2014/main" xmlns="" id="{F069F7C5-7C6B-4416-BA43-7E9FF2B95F70}"/>
+                </a:ext>
+              </a:extLst>
+            </p:cNvPr>
+            <p:cNvSpPr txBox="1"/>
+            <p:nvPr/>
+          </p:nvSpPr>
+          <p:spPr>
+            <a:xfrm>
+              <a:off x="661187" y="1991896"/>
+              <a:ext cx="3515773" cy="785419"/>
+            </a:xfrm>
+            <a:prstGeom prst="rect">
+              <a:avLst/>
+            </a:prstGeom>
+            <a:noFill/>
+          </p:spPr>
+          <p:txBody>
+            <a:bodyPr wrap="square" rtlCol="0">
+              <a:spAutoFit/>
+            </a:bodyPr>
+            <a:lstStyle/>
+            <a:p>
+              <a:pPr algn="ctr"/>
+              <a:r>
+                <a:rPr lang="zh-TW" altLang="en-US" sz="4000" dirty="0" smtClean="0">
+                  <a:cs typeface="+mn-ea"/>
+                  <a:sym typeface="+mn-lt"/>
+                </a:rPr>
+                <a:t>資料庫</a:t>
+              </a:r>
+              <a:endParaRPr lang="zh-CN" altLang="en-US" sz="4000" dirty="0">
+                <a:cs typeface="+mn-ea"/>
+                <a:sym typeface="+mn-lt"/>
+              </a:endParaRPr>
+            </a:p>
+          </p:txBody>
+        </p:sp>
+        <p:sp>
+          <p:nvSpPr>
+            <p:cNvPr id="5" name="文本框 4">
+              <a:extLst>
+                <a:ext uri="{FF2B5EF4-FFF2-40B4-BE49-F238E27FC236}">
+                  <a16:creationId xmlns:a16="http://schemas.microsoft.com/office/drawing/2014/main" xmlns="" id="{E7404F6D-3A40-4203-8F0A-6169C74FB4CA}"/>
+                </a:ext>
+              </a:extLst>
+            </p:cNvPr>
+            <p:cNvSpPr txBox="1"/>
+            <p:nvPr/>
+          </p:nvSpPr>
+          <p:spPr>
+            <a:xfrm>
+              <a:off x="793749" y="2699782"/>
+              <a:ext cx="3458623" cy="375635"/>
+            </a:xfrm>
+            <a:prstGeom prst="rect">
+              <a:avLst/>
+            </a:prstGeom>
+            <a:noFill/>
+          </p:spPr>
+          <p:txBody>
+            <a:bodyPr wrap="square">
+              <a:spAutoFit/>
+            </a:bodyPr>
+            <a:lstStyle/>
+            <a:p>
+              <a:pPr algn="ctr"/>
+              <a:r>
+                <a:rPr lang="en-US" altLang="zh-TW" sz="1600" dirty="0">
+                  <a:cs typeface="+mn-ea"/>
+                  <a:sym typeface="+mn-lt"/>
+                </a:rPr>
+                <a:t>Project </a:t>
+              </a:r>
+              <a:r>
+                <a:rPr lang="en-US" altLang="zh-TW" sz="1600" dirty="0" smtClean="0">
+                  <a:cs typeface="+mn-ea"/>
+                  <a:sym typeface="+mn-lt"/>
+                </a:rPr>
+                <a:t>SQL</a:t>
+              </a:r>
+              <a:endParaRPr lang="zh-CN" altLang="en-US" sz="1600" dirty="0">
+                <a:cs typeface="+mn-ea"/>
+                <a:sym typeface="+mn-lt"/>
+              </a:endParaRPr>
+            </a:p>
+          </p:txBody>
+        </p:sp>
+      </p:grpSp>
+      <p:pic>
+        <p:nvPicPr>
+          <p:cNvPr id="6" name="圖片 5"/>
+          <p:cNvPicPr>
+            <a:picLocks noChangeAspect="1"/>
+          </p:cNvPicPr>
+          <p:nvPr/>
+        </p:nvPicPr>
+        <p:blipFill>
+          <a:blip r:embed="rId3">
+            <a:extLst>
+              <a:ext uri="{28A0092B-C50C-407E-A947-70E740481C1C}">
+                <a14:useLocalDpi xmlns:a14="http://schemas.microsoft.com/office/drawing/2010/main" val="0"/>
+              </a:ext>
+            </a:extLst>
+          </a:blip>
+          <a:stretch>
+            <a:fillRect/>
+          </a:stretch>
+        </p:blipFill>
+        <p:spPr>
+          <a:xfrm>
+            <a:off x="161450" y="2466613"/>
+            <a:ext cx="4351019" cy="3315062"/>
+          </a:xfrm>
+          <a:prstGeom prst="rect">
+            <a:avLst/>
+          </a:prstGeom>
+        </p:spPr>
+      </p:pic>
+      <p:pic>
+        <p:nvPicPr>
+          <p:cNvPr id="8" name="圖片 7"/>
+          <p:cNvPicPr>
+            <a:picLocks noChangeAspect="1"/>
+          </p:cNvPicPr>
+          <p:nvPr/>
+        </p:nvPicPr>
+        <p:blipFill>
+          <a:blip r:embed="rId4">
+            <a:extLst>
+              <a:ext uri="{28A0092B-C50C-407E-A947-70E740481C1C}">
+                <a14:useLocalDpi xmlns:a14="http://schemas.microsoft.com/office/drawing/2010/main" val="0"/>
+              </a:ext>
+            </a:extLst>
+          </a:blip>
+          <a:stretch>
+            <a:fillRect/>
+          </a:stretch>
+        </p:blipFill>
+        <p:spPr>
+          <a:xfrm>
+            <a:off x="6327509" y="1933398"/>
+            <a:ext cx="5864491" cy="2105202"/>
+          </a:xfrm>
+          <a:prstGeom prst="rect">
+            <a:avLst/>
+          </a:prstGeom>
+        </p:spPr>
+      </p:pic>
+      <p:pic>
+        <p:nvPicPr>
+          <p:cNvPr id="9" name="圖片 8"/>
+          <p:cNvPicPr>
+            <a:picLocks noChangeAspect="1"/>
+          </p:cNvPicPr>
+          <p:nvPr/>
+        </p:nvPicPr>
+        <p:blipFill>
+          <a:blip r:embed="rId5">
+            <a:extLst>
+              <a:ext uri="{28A0092B-C50C-407E-A947-70E740481C1C}">
+                <a14:useLocalDpi xmlns:a14="http://schemas.microsoft.com/office/drawing/2010/main" val="0"/>
+              </a:ext>
+            </a:extLst>
+          </a:blip>
+          <a:stretch>
+            <a:fillRect/>
+          </a:stretch>
+        </p:blipFill>
+        <p:spPr>
+          <a:xfrm>
+            <a:off x="6327508" y="4124144"/>
+            <a:ext cx="5864491" cy="2543553"/>
+          </a:xfrm>
+          <a:prstGeom prst="rect">
+            <a:avLst/>
+          </a:prstGeom>
+        </p:spPr>
+      </p:pic>
+      <p:sp>
+        <p:nvSpPr>
+          <p:cNvPr id="10" name="文字方塊 9"/>
+          <p:cNvSpPr txBox="1"/>
+          <p:nvPr/>
+        </p:nvSpPr>
+        <p:spPr>
+          <a:xfrm>
+            <a:off x="1293971" y="1756672"/>
+            <a:ext cx="2085975" cy="523220"/>
+          </a:xfrm>
+          <a:prstGeom prst="rect">
+            <a:avLst/>
+          </a:prstGeom>
+          <a:noFill/>
+        </p:spPr>
+        <p:txBody>
+          <a:bodyPr wrap="square" rtlCol="0">
+            <a:spAutoFit/>
+          </a:bodyPr>
+          <a:lstStyle/>
+          <a:p>
+            <a:r>
+              <a:rPr lang="zh-TW" altLang="en-US" sz="2800" dirty="0" smtClean="0"/>
+              <a:t>溫濕度控制</a:t>
+            </a:r>
+            <a:endParaRPr lang="zh-TW" altLang="en-US" sz="2800" dirty="0"/>
+          </a:p>
+        </p:txBody>
+      </p:sp>
+      <p:sp>
+        <p:nvSpPr>
+          <p:cNvPr id="11" name="文字方塊 10"/>
+          <p:cNvSpPr txBox="1"/>
+          <p:nvPr/>
+        </p:nvSpPr>
+        <p:spPr>
+          <a:xfrm>
+            <a:off x="4848225" y="2466613"/>
+            <a:ext cx="1371598" cy="523220"/>
+          </a:xfrm>
+          <a:prstGeom prst="rect">
+            <a:avLst/>
+          </a:prstGeom>
+          <a:noFill/>
+        </p:spPr>
+        <p:txBody>
+          <a:bodyPr wrap="square" rtlCol="0">
+            <a:spAutoFit/>
+          </a:bodyPr>
+          <a:lstStyle/>
+          <a:p>
+            <a:r>
+              <a:rPr lang="zh-TW" altLang="en-US" sz="2800" dirty="0" smtClean="0"/>
+              <a:t>光控制</a:t>
+            </a:r>
+            <a:endParaRPr lang="zh-TW" altLang="en-US" sz="2800" dirty="0"/>
+          </a:p>
+        </p:txBody>
+      </p:sp>
+      <p:sp>
+        <p:nvSpPr>
+          <p:cNvPr id="13" name="文字方塊 12"/>
+          <p:cNvSpPr txBox="1"/>
+          <p:nvPr/>
+        </p:nvSpPr>
+        <p:spPr>
+          <a:xfrm>
+            <a:off x="4700586" y="5038363"/>
+            <a:ext cx="1666876" cy="523220"/>
+          </a:xfrm>
+          <a:prstGeom prst="rect">
+            <a:avLst/>
+          </a:prstGeom>
+          <a:noFill/>
+        </p:spPr>
+        <p:txBody>
+          <a:bodyPr wrap="square" rtlCol="0">
+            <a:spAutoFit/>
+          </a:bodyPr>
+          <a:lstStyle/>
+          <a:p>
+            <a:r>
+              <a:rPr lang="zh-TW" altLang="en-US" sz="2800" dirty="0"/>
+              <a:t>披覆材料</a:t>
+            </a:r>
+          </a:p>
+        </p:txBody>
+      </p:sp>
+    </p:spTree>
+    <p:custDataLst>
+      <p:tags r:id="rId1"/>
+    </p:custDataLst>
+    <p:extLst>
+      <p:ext uri="{BB962C8B-B14F-4D97-AF65-F5344CB8AC3E}">
+        <p14:creationId xmlns:p14="http://schemas.microsoft.com/office/powerpoint/2010/main" val="692371296"/>
+      </p:ext>
+    </p:extLst>
+  </p:cSld>
+  <p:clrMapOvr>
+    <a:masterClrMapping/>
+  </p:clrMapOvr>
+  <mc:AlternateContent xmlns:mc="http://schemas.openxmlformats.org/markup-compatibility/2006" xmlns:p14="http://schemas.microsoft.com/office/powerpoint/2010/main">
+    <mc:Choice Requires="p14">
+      <p:transition spd="slow" p14:dur="1500" advTm="3414">
+        <p:random/>
+      </p:transition>
+    </mc:Choice>
+    <mc:Fallback xmlns:a14="http://schemas.microsoft.com/office/drawing/2010/main" xmlns:a16="http://schemas.microsoft.com/office/drawing/2014/main" xmlns="">
+      <p:transition spd="slow" advTm="3414">
+        <p:random/>
+      </p:transition>
+    </mc:Fallback>
+  </mc:AlternateContent>
+  <p:timing>
+    <p:tnLst>
+      <p:par>
+        <p:cTn id="1" dur="indefinite" restart="never" nodeType="tmRoot">
+          <p:childTnLst>
+            <p:seq concurrent="1" nextAc="seek">
+              <p:cTn id="2" dur="indefinite" nodeType="mainSeq">
+                <p:childTnLst>
+                  <p:par>
+                    <p:cTn id="3" fill="hold">
+                      <p:stCondLst>
+                        <p:cond delay="indefinite"/>
+                      </p:stCondLst>
+                      <p:childTnLst>
+                        <p:par>
+                          <p:cTn id="4" fill="hold">
+                            <p:stCondLst>
+                              <p:cond delay="0"/>
+                            </p:stCondLst>
+                            <p:childTnLst>
+                              <p:par>
+                                <p:cTn id="5" presetID="16" presetClass="entr" presetSubtype="37" fill="hold" grpId="0" nodeType="clickEffect">
+                                  <p:stCondLst>
+                                    <p:cond delay="0"/>
+                                  </p:stCondLst>
+                                  <p:childTnLst>
+                                    <p:set>
+                                      <p:cBhvr>
+                                        <p:cTn id="6" dur="1" fill="hold">
+                                          <p:stCondLst>
+                                            <p:cond delay="0"/>
+                                          </p:stCondLst>
+                                        </p:cTn>
+                                        <p:tgtEl>
+                                          <p:spTgt spid="2"/>
+                                        </p:tgtEl>
+                                        <p:attrNameLst>
+                                          <p:attrName>style.visibility</p:attrName>
+                                        </p:attrNameLst>
+                                      </p:cBhvr>
+                                      <p:to>
+                                        <p:strVal val="visible"/>
+                                      </p:to>
+                                    </p:set>
+                                    <p:animEffect transition="in" filter="barn(outVertical)">
+                                      <p:cBhvr>
+                                        <p:cTn id="7" dur="500"/>
+                                        <p:tgtEl>
+                                          <p:spTgt spid="2"/>
+                                        </p:tgtEl>
+                                      </p:cBhvr>
+                                    </p:animEffect>
+                                  </p:childTnLst>
+                                </p:cTn>
+                              </p:par>
+                            </p:childTnLst>
+                          </p:cTn>
+                        </p:par>
+                      </p:childTnLst>
+                    </p:cTn>
+                  </p:par>
+                  <p:par>
+                    <p:cTn id="8" fill="hold">
+                      <p:stCondLst>
+                        <p:cond delay="indefinite"/>
+                      </p:stCondLst>
+                      <p:childTnLst>
+                        <p:par>
+                          <p:cTn id="9" fill="hold">
+                            <p:stCondLst>
+                              <p:cond delay="0"/>
+                            </p:stCondLst>
+                            <p:childTnLst>
+                              <p:par>
+                                <p:cTn id="10" presetID="22" presetClass="entr" presetSubtype="8" fill="hold" nodeType="clickEffect">
+                                  <p:stCondLst>
+                                    <p:cond delay="0"/>
+                                  </p:stCondLst>
+                                  <p:childTnLst>
+                                    <p:set>
+                                      <p:cBhvr>
+                                        <p:cTn id="11" dur="1" fill="hold">
+                                          <p:stCondLst>
+                                            <p:cond delay="0"/>
+                                          </p:stCondLst>
+                                        </p:cTn>
+                                        <p:tgtEl>
+                                          <p:spTgt spid="3"/>
+                                        </p:tgtEl>
+                                        <p:attrNameLst>
+                                          <p:attrName>style.visibility</p:attrName>
+                                        </p:attrNameLst>
+                                      </p:cBhvr>
+                                      <p:to>
+                                        <p:strVal val="visible"/>
+                                      </p:to>
+                                    </p:set>
+                                    <p:animEffect transition="in" filter="wipe(left)">
+                                      <p:cBhvr>
+                                        <p:cTn id="12" dur="500"/>
+                                        <p:tgtEl>
+                                          <p:spTgt spid="3"/>
+                                        </p:tgtEl>
+                                      </p:cBhvr>
+                                    </p:animEffect>
+                                  </p:childTnLst>
+                                </p:cTn>
+                              </p:par>
+                            </p:childTnLst>
+                          </p:cTn>
+                        </p:par>
+                      </p:childTnLst>
+                    </p:cTn>
+                  </p:par>
+                </p:childTnLst>
+              </p:cTn>
+              <p:prevCondLst>
+                <p:cond evt="onPrev" delay="0">
+                  <p:tgtEl>
+                    <p:sldTgt/>
+                  </p:tgtEl>
+                </p:cond>
+              </p:prevCondLst>
+              <p:nextCondLst>
+                <p:cond evt="onNext" delay="0">
+                  <p:tgtEl>
+                    <p:sldTgt/>
+                  </p:tgtEl>
+                </p:cond>
+              </p:nextCondLst>
+            </p:seq>
+          </p:childTnLst>
+        </p:cTn>
+      </p:par>
+    </p:tnLst>
+    <p:bldLst>
+      <p:bldP spid="2" grpId="0" animBg="1"/>
+    </p:bldLst>
+  </p:timing>
+</p:sld>
+</file>
+
+<file path=ppt/slides/slide6.xml><?xml version="1.0" encoding="utf-8"?>
+<p:sld xmlns:a="http://schemas.openxmlformats.org/drawingml/2006/main" xmlns:r="http://schemas.openxmlformats.org/officeDocument/2006/relationships" xmlns:p="http://schemas.openxmlformats.org/presentationml/2006/main">
+  <p:cSld>
+    <p:spTree>
+      <p:nvGrpSpPr>
+        <p:cNvPr id="1" name=""/>
+        <p:cNvGrpSpPr/>
+        <p:nvPr/>
+      </p:nvGrpSpPr>
+      <p:grpSpPr>
+        <a:xfrm>
+          <a:off x="0" y="0"/>
+          <a:ext cx="0" cy="0"/>
+          <a:chOff x="0" y="0"/>
+          <a:chExt cx="0" cy="0"/>
+        </a:xfrm>
+      </p:grpSpPr>
+      <p:sp>
+        <p:nvSpPr>
+          <p:cNvPr id="2" name="矩形 1">
+            <a:extLst>
+              <a:ext uri="{FF2B5EF4-FFF2-40B4-BE49-F238E27FC236}">
+                <a16:creationId xmlns:a16="http://schemas.microsoft.com/office/drawing/2014/main" xmlns="" id="{6130B33B-FCB5-4AFA-8175-BA08126D80E1}"/>
               </a:ext>
             </a:extLst>
           </p:cNvPr>
@@ -5710,7 +7518,7 @@
           <p:cNvPr id="3" name="组合 2">
             <a:extLst>
               <a:ext uri="{FF2B5EF4-FFF2-40B4-BE49-F238E27FC236}">
-                <a16:creationId xmlns="" xmlns:a16="http://schemas.microsoft.com/office/drawing/2014/main" id="{CF3B8F59-C87E-48F7-911B-3FCC3B1922F9}"/>
+                <a16:creationId xmlns:a16="http://schemas.microsoft.com/office/drawing/2014/main" xmlns="" id="{CF3B8F59-C87E-48F7-911B-3FCC3B1922F9}"/>
               </a:ext>
             </a:extLst>
           </p:cNvPr>
@@ -5730,7 +7538,7 @@
             <p:cNvPr id="4" name="文本框 3">
               <a:extLst>
                 <a:ext uri="{FF2B5EF4-FFF2-40B4-BE49-F238E27FC236}">
-                  <a16:creationId xmlns="" xmlns:a16="http://schemas.microsoft.com/office/drawing/2014/main" id="{F069F7C5-7C6B-4416-BA43-7E9FF2B95F70}"/>
+                  <a16:creationId xmlns:a16="http://schemas.microsoft.com/office/drawing/2014/main" xmlns="" id="{F069F7C5-7C6B-4416-BA43-7E9FF2B95F70}"/>
                 </a:ext>
               </a:extLst>
             </p:cNvPr>
@@ -5773,7 +7581,7 @@
             <p:cNvPr id="5" name="文本框 4">
               <a:extLst>
                 <a:ext uri="{FF2B5EF4-FFF2-40B4-BE49-F238E27FC236}">
-                  <a16:creationId xmlns="" xmlns:a16="http://schemas.microsoft.com/office/drawing/2014/main" id="{E7404F6D-3A40-4203-8F0A-6169C74FB4CA}"/>
+                  <a16:creationId xmlns:a16="http://schemas.microsoft.com/office/drawing/2014/main" xmlns="" id="{E7404F6D-3A40-4203-8F0A-6169C74FB4CA}"/>
                 </a:ext>
               </a:extLst>
             </p:cNvPr>
@@ -5827,8 +7635,8 @@
         </p:nvSpPr>
         <p:spPr>
           <a:xfrm>
-            <a:off x="2751220" y="2470484"/>
-            <a:ext cx="6898105" cy="2677656"/>
+            <a:off x="2465470" y="3256624"/>
+            <a:ext cx="7792955" cy="523220"/>
           </a:xfrm>
           <a:prstGeom prst="rect">
             <a:avLst/>
@@ -5847,45 +7655,9 @@
             </a:pPr>
             <a:r>
               <a:rPr lang="zh-TW" altLang="en-US" sz="2800" dirty="0" smtClean="0"/>
-              <a:t>預計將設計好的表單呈現在網頁上</a:t>
+              <a:t>依照總監所要求的規劃將他做完並且持續討論</a:t>
             </a:r>
             <a:endParaRPr lang="en-US" altLang="zh-TW" sz="2800" dirty="0" smtClean="0"/>
-          </a:p>
-          <a:p>
-            <a:pPr marL="285750" indent="-285750">
-              <a:buFont typeface="Wingdings" panose="05000000000000000000" pitchFamily="2" charset="2"/>
-              <a:buChar char="l"/>
-            </a:pPr>
-            <a:endParaRPr lang="en-US" altLang="zh-TW" sz="2800" dirty="0" smtClean="0"/>
-          </a:p>
-          <a:p>
-            <a:pPr marL="285750" indent="-285750">
-              <a:buFont typeface="Wingdings" panose="05000000000000000000" pitchFamily="2" charset="2"/>
-              <a:buChar char="l"/>
-            </a:pPr>
-            <a:r>
-              <a:rPr lang="zh-TW" altLang="en-US" sz="2800" dirty="0" smtClean="0"/>
-              <a:t>設計好之後會陸續上架表單的各種功能</a:t>
-            </a:r>
-            <a:endParaRPr lang="en-US" altLang="zh-TW" sz="2800" dirty="0" smtClean="0"/>
-          </a:p>
-          <a:p>
-            <a:pPr marL="285750" indent="-285750">
-              <a:buFont typeface="Wingdings" panose="05000000000000000000" pitchFamily="2" charset="2"/>
-              <a:buChar char="l"/>
-            </a:pPr>
-            <a:endParaRPr lang="en-US" altLang="zh-TW" sz="2800" dirty="0"/>
-          </a:p>
-          <a:p>
-            <a:pPr marL="285750" indent="-285750">
-              <a:buFont typeface="Wingdings" panose="05000000000000000000" pitchFamily="2" charset="2"/>
-              <a:buChar char="l"/>
-            </a:pPr>
-            <a:r>
-              <a:rPr lang="zh-TW" altLang="en-US" sz="2800" dirty="0" smtClean="0"/>
-              <a:t>表單處理完之後會整理側邊欄的資料，方便使用者進行查詢</a:t>
-            </a:r>
-            <a:endParaRPr lang="en-US" altLang="zh-TW" sz="2800" dirty="0"/>
           </a:p>
         </p:txBody>
       </p:sp>
@@ -6053,7 +7825,7 @@
 </p:sld>
 </file>
 
-<file path=ppt/slides/slide11.xml><?xml version="1.0" encoding="utf-8"?>
+<file path=ppt/slides/slide7.xml><?xml version="1.0" encoding="utf-8"?>
 <p:sld xmlns:a="http://schemas.openxmlformats.org/drawingml/2006/main" xmlns:r="http://schemas.openxmlformats.org/officeDocument/2006/relationships" xmlns:p="http://schemas.openxmlformats.org/presentationml/2006/main">
   <p:cSld>
     <p:spTree>
@@ -6075,7 +7847,7 @@
           <p:cNvPr id="18" name="矩形: 圆角 17">
             <a:extLst>
               <a:ext uri="{FF2B5EF4-FFF2-40B4-BE49-F238E27FC236}">
-                <a16:creationId xmlns="" xmlns:a16="http://schemas.microsoft.com/office/drawing/2014/main" id="{822EAB1A-0613-4B84-B43A-020769A84C2F}"/>
+                <a16:creationId xmlns:a16="http://schemas.microsoft.com/office/drawing/2014/main" xmlns="" id="{822EAB1A-0613-4B84-B43A-020769A84C2F}"/>
               </a:ext>
             </a:extLst>
           </p:cNvPr>
@@ -6166,7 +7938,7 @@
           <p:cNvPr id="4" name="矩形: 圆角 3">
             <a:extLst>
               <a:ext uri="{FF2B5EF4-FFF2-40B4-BE49-F238E27FC236}">
-                <a16:creationId xmlns="" xmlns:a16="http://schemas.microsoft.com/office/drawing/2014/main" id="{CFAF4C25-9AB4-4329-B21C-0F7CB88F0784}"/>
+                <a16:creationId xmlns:a16="http://schemas.microsoft.com/office/drawing/2014/main" xmlns="" id="{CFAF4C25-9AB4-4329-B21C-0F7CB88F0784}"/>
               </a:ext>
             </a:extLst>
           </p:cNvPr>
@@ -6257,7 +8029,7 @@
           <p:cNvPr id="7" name="文本框 6">
             <a:extLst>
               <a:ext uri="{FF2B5EF4-FFF2-40B4-BE49-F238E27FC236}">
-                <a16:creationId xmlns="" xmlns:a16="http://schemas.microsoft.com/office/drawing/2014/main" id="{D2947702-0219-4F74-958A-0A5A704ECCC4}"/>
+                <a16:creationId xmlns:a16="http://schemas.microsoft.com/office/drawing/2014/main" xmlns="" id="{D2947702-0219-4F74-958A-0A5A704ECCC4}"/>
               </a:ext>
             </a:extLst>
           </p:cNvPr>
@@ -6334,7 +8106,7 @@
           <p:cNvPr id="8" name="椭圆 7">
             <a:extLst>
               <a:ext uri="{FF2B5EF4-FFF2-40B4-BE49-F238E27FC236}">
-                <a16:creationId xmlns="" xmlns:a16="http://schemas.microsoft.com/office/drawing/2014/main" id="{08B93554-9443-4291-83BC-91BEC5088783}"/>
+                <a16:creationId xmlns:a16="http://schemas.microsoft.com/office/drawing/2014/main" xmlns="" id="{08B93554-9443-4291-83BC-91BEC5088783}"/>
               </a:ext>
             </a:extLst>
           </p:cNvPr>
@@ -6421,7 +8193,7 @@
           <p:cNvPr id="9" name="椭圆 8">
             <a:extLst>
               <a:ext uri="{FF2B5EF4-FFF2-40B4-BE49-F238E27FC236}">
-                <a16:creationId xmlns="" xmlns:a16="http://schemas.microsoft.com/office/drawing/2014/main" id="{16338DEE-2916-4AC7-A537-1507B9F2A824}"/>
+                <a16:creationId xmlns:a16="http://schemas.microsoft.com/office/drawing/2014/main" xmlns="" id="{16338DEE-2916-4AC7-A537-1507B9F2A824}"/>
               </a:ext>
             </a:extLst>
           </p:cNvPr>
@@ -6522,7 +8294,7 @@
         <p:random/>
       </p:transition>
     </mc:Choice>
-    <mc:Fallback xmlns="" xmlns:a16="http://schemas.microsoft.com/office/drawing/2014/main">
+    <mc:Fallback xmlns:a16="http://schemas.microsoft.com/office/drawing/2014/main" xmlns="">
       <p:transition spd="slow" advTm="3880">
         <p:random/>
       </p:transition>
@@ -6663,4068 +8435,9 @@
 </p:sld>
 </file>
 
-<file path=ppt/slides/slide2.xml><?xml version="1.0" encoding="utf-8"?>
-<p:sld xmlns:a="http://schemas.openxmlformats.org/drawingml/2006/main" xmlns:r="http://schemas.openxmlformats.org/officeDocument/2006/relationships" xmlns:p="http://schemas.openxmlformats.org/presentationml/2006/main">
-  <p:cSld>
-    <p:spTree>
-      <p:nvGrpSpPr>
-        <p:cNvPr id="1" name=""/>
-        <p:cNvGrpSpPr/>
-        <p:nvPr/>
-      </p:nvGrpSpPr>
-      <p:grpSpPr>
-        <a:xfrm>
-          <a:off x="0" y="0"/>
-          <a:ext cx="0" cy="0"/>
-          <a:chOff x="0" y="0"/>
-          <a:chExt cx="0" cy="0"/>
-        </a:xfrm>
-      </p:grpSpPr>
-      <p:grpSp>
-        <p:nvGrpSpPr>
-          <p:cNvPr id="7" name="组合 6">
-            <a:extLst>
-              <a:ext uri="{FF2B5EF4-FFF2-40B4-BE49-F238E27FC236}">
-                <a16:creationId xmlns="" xmlns:a16="http://schemas.microsoft.com/office/drawing/2014/main" id="{5016DF47-4C78-4917-983C-FFC43C3A22DB}"/>
-              </a:ext>
-            </a:extLst>
-          </p:cNvPr>
-          <p:cNvGrpSpPr/>
-          <p:nvPr/>
-        </p:nvGrpSpPr>
-        <p:grpSpPr>
-          <a:xfrm>
-            <a:off x="397415" y="280172"/>
-            <a:ext cx="3378200" cy="784830"/>
-            <a:chOff x="736600" y="2095500"/>
-            <a:chExt cx="3378200" cy="784830"/>
-          </a:xfrm>
-        </p:grpSpPr>
-        <p:sp>
-          <p:nvSpPr>
-            <p:cNvPr id="4" name="文本框 3">
-              <a:extLst>
-                <a:ext uri="{FF2B5EF4-FFF2-40B4-BE49-F238E27FC236}">
-                  <a16:creationId xmlns="" xmlns:a16="http://schemas.microsoft.com/office/drawing/2014/main" id="{09FE6907-8676-429A-9B5A-DC3FAFE110A8}"/>
-                </a:ext>
-              </a:extLst>
-            </p:cNvPr>
-            <p:cNvSpPr txBox="1"/>
-            <p:nvPr/>
-          </p:nvSpPr>
-          <p:spPr>
-            <a:xfrm>
-              <a:off x="736600" y="2095500"/>
-              <a:ext cx="3378200" cy="523220"/>
-            </a:xfrm>
-            <a:prstGeom prst="rect">
-              <a:avLst/>
-            </a:prstGeom>
-            <a:noFill/>
-          </p:spPr>
-          <p:txBody>
-            <a:bodyPr wrap="square" rtlCol="0">
-              <a:spAutoFit/>
-            </a:bodyPr>
-            <a:lstStyle/>
-            <a:p>
-              <a:r>
-                <a:rPr lang="zh-TW" altLang="en-US" sz="2800" dirty="0" smtClean="0">
-                  <a:cs typeface="+mn-ea"/>
-                  <a:sym typeface="+mn-lt"/>
-                </a:rPr>
-                <a:t>本日工作事項</a:t>
-              </a:r>
-              <a:endParaRPr lang="zh-CN" altLang="en-US" sz="2800" dirty="0">
-                <a:cs typeface="+mn-ea"/>
-                <a:sym typeface="+mn-lt"/>
-              </a:endParaRPr>
-            </a:p>
-          </p:txBody>
-        </p:sp>
-        <p:sp>
-          <p:nvSpPr>
-            <p:cNvPr id="6" name="文本框 5">
-              <a:extLst>
-                <a:ext uri="{FF2B5EF4-FFF2-40B4-BE49-F238E27FC236}">
-                  <a16:creationId xmlns="" xmlns:a16="http://schemas.microsoft.com/office/drawing/2014/main" id="{6123FD62-F930-464F-86A1-4D1030B58358}"/>
-                </a:ext>
-              </a:extLst>
-            </p:cNvPr>
-            <p:cNvSpPr txBox="1"/>
-            <p:nvPr/>
-          </p:nvSpPr>
-          <p:spPr>
-            <a:xfrm>
-              <a:off x="736600" y="2618720"/>
-              <a:ext cx="3263900" cy="261610"/>
-            </a:xfrm>
-            <a:prstGeom prst="rect">
-              <a:avLst/>
-            </a:prstGeom>
-            <a:noFill/>
-          </p:spPr>
-          <p:txBody>
-            <a:bodyPr wrap="square">
-              <a:spAutoFit/>
-            </a:bodyPr>
-            <a:lstStyle/>
-            <a:p>
-              <a:r>
-                <a:rPr lang="en-US" altLang="zh-TW" sz="1100" smtClean="0">
-                  <a:cs typeface="+mn-ea"/>
-                  <a:sym typeface="+mn-lt"/>
-                </a:rPr>
-                <a:t>Day</a:t>
-              </a:r>
-              <a:r>
-                <a:rPr lang="en-US" altLang="zh-CN" sz="1100" smtClean="0">
-                  <a:cs typeface="+mn-ea"/>
-                  <a:sym typeface="+mn-lt"/>
-                </a:rPr>
-                <a:t> </a:t>
-              </a:r>
-              <a:r>
-                <a:rPr lang="en-US" altLang="zh-CN" sz="1100" dirty="0" smtClean="0">
-                  <a:cs typeface="+mn-ea"/>
-                  <a:sym typeface="+mn-lt"/>
-                </a:rPr>
-                <a:t>work</a:t>
-              </a:r>
-              <a:endParaRPr lang="zh-CN" altLang="en-US" sz="1100" dirty="0">
-                <a:cs typeface="+mn-ea"/>
-                <a:sym typeface="+mn-lt"/>
-              </a:endParaRPr>
-            </a:p>
-          </p:txBody>
-        </p:sp>
-      </p:grpSp>
-      <p:sp>
-        <p:nvSpPr>
-          <p:cNvPr id="8" name="文本框 7">
-            <a:extLst>
-              <a:ext uri="{FF2B5EF4-FFF2-40B4-BE49-F238E27FC236}">
-                <a16:creationId xmlns="" xmlns:a16="http://schemas.microsoft.com/office/drawing/2014/main" id="{61D68AC2-6217-4618-9FF2-2840E7AAD8C2}"/>
-              </a:ext>
-            </a:extLst>
-          </p:cNvPr>
-          <p:cNvSpPr txBox="1"/>
-          <p:nvPr/>
-        </p:nvSpPr>
-        <p:spPr>
-          <a:xfrm>
-            <a:off x="213983" y="2253015"/>
-            <a:ext cx="6480116" cy="2862322"/>
-          </a:xfrm>
-          <a:prstGeom prst="rect">
-            <a:avLst/>
-          </a:prstGeom>
-          <a:noFill/>
-        </p:spPr>
-        <p:txBody>
-          <a:bodyPr wrap="square" rtlCol="0">
-            <a:spAutoFit/>
-          </a:bodyPr>
-          <a:lstStyle/>
-          <a:p>
-            <a:pPr marL="285750" indent="-285750">
-              <a:buFont typeface="Wingdings" panose="05000000000000000000" pitchFamily="2" charset="2"/>
-              <a:buChar char="l"/>
-            </a:pPr>
-            <a:r>
-              <a:rPr lang="zh-TW" altLang="en-US" sz="2000" spc="400" dirty="0" smtClean="0">
-                <a:cs typeface="+mn-ea"/>
-                <a:sym typeface="+mn-lt"/>
-              </a:rPr>
-              <a:t>更新溫室設計的介面</a:t>
-            </a:r>
-            <a:endParaRPr lang="en-US" altLang="zh-TW" sz="2000" spc="400" dirty="0" smtClean="0">
-              <a:cs typeface="+mn-ea"/>
-              <a:sym typeface="+mn-lt"/>
-            </a:endParaRPr>
-          </a:p>
-          <a:p>
-            <a:pPr marL="285750" indent="-285750">
-              <a:buFont typeface="Wingdings" panose="05000000000000000000" pitchFamily="2" charset="2"/>
-              <a:buChar char="l"/>
-            </a:pPr>
-            <a:endParaRPr lang="en-US" altLang="zh-TW" sz="2000" spc="400" dirty="0" smtClean="0">
-              <a:cs typeface="+mn-ea"/>
-              <a:sym typeface="+mn-lt"/>
-            </a:endParaRPr>
-          </a:p>
-          <a:p>
-            <a:pPr marL="285750" indent="-285750">
-              <a:buFont typeface="Wingdings" panose="05000000000000000000" pitchFamily="2" charset="2"/>
-              <a:buChar char="l"/>
-            </a:pPr>
-            <a:r>
-              <a:rPr lang="zh-TW" altLang="en-US" sz="2000" spc="400" dirty="0" smtClean="0">
-                <a:cs typeface="+mn-ea"/>
-                <a:sym typeface="+mn-lt"/>
-              </a:rPr>
-              <a:t>更新溫室材料成本分析的介面</a:t>
-            </a:r>
-            <a:endParaRPr lang="en-US" altLang="zh-TW" sz="2000" spc="400" dirty="0" smtClean="0">
-              <a:cs typeface="+mn-ea"/>
-              <a:sym typeface="+mn-lt"/>
-            </a:endParaRPr>
-          </a:p>
-          <a:p>
-            <a:pPr marL="285750" indent="-285750">
-              <a:buFont typeface="Wingdings" panose="05000000000000000000" pitchFamily="2" charset="2"/>
-              <a:buChar char="l"/>
-            </a:pPr>
-            <a:endParaRPr lang="en-US" altLang="zh-TW" sz="2000" spc="400" dirty="0">
-              <a:cs typeface="+mn-ea"/>
-              <a:sym typeface="+mn-lt"/>
-            </a:endParaRPr>
-          </a:p>
-          <a:p>
-            <a:pPr marL="285750" indent="-285750">
-              <a:buFont typeface="Wingdings" panose="05000000000000000000" pitchFamily="2" charset="2"/>
-              <a:buChar char="l"/>
-            </a:pPr>
-            <a:r>
-              <a:rPr lang="zh-TW" altLang="en-US" sz="2000" spc="400" dirty="0" smtClean="0">
-                <a:cs typeface="+mn-ea"/>
-                <a:sym typeface="+mn-lt"/>
-              </a:rPr>
-              <a:t>更新光環境界面</a:t>
-            </a:r>
-            <a:endParaRPr lang="en-US" altLang="zh-TW" sz="2000" spc="400" dirty="0" smtClean="0">
-              <a:cs typeface="+mn-ea"/>
-              <a:sym typeface="+mn-lt"/>
-            </a:endParaRPr>
-          </a:p>
-          <a:p>
-            <a:pPr marL="285750" indent="-285750">
-              <a:buFont typeface="Wingdings" panose="05000000000000000000" pitchFamily="2" charset="2"/>
-              <a:buChar char="l"/>
-            </a:pPr>
-            <a:endParaRPr lang="en-US" altLang="zh-TW" sz="2000" spc="400" dirty="0">
-              <a:cs typeface="+mn-ea"/>
-              <a:sym typeface="+mn-lt"/>
-            </a:endParaRPr>
-          </a:p>
-          <a:p>
-            <a:pPr marL="285750" indent="-285750">
-              <a:buFont typeface="Wingdings" panose="05000000000000000000" pitchFamily="2" charset="2"/>
-              <a:buChar char="l"/>
-            </a:pPr>
-            <a:r>
-              <a:rPr lang="zh-TW" altLang="en-US" sz="2000" spc="400" dirty="0" smtClean="0">
-                <a:cs typeface="+mn-ea"/>
-                <a:sym typeface="+mn-lt"/>
-              </a:rPr>
-              <a:t>更新溫環境</a:t>
-            </a:r>
-            <a:r>
-              <a:rPr lang="zh-TW" altLang="en-US" sz="2000" spc="400" dirty="0">
-                <a:cs typeface="+mn-ea"/>
-                <a:sym typeface="+mn-lt"/>
-              </a:rPr>
-              <a:t>界</a:t>
-            </a:r>
-            <a:r>
-              <a:rPr lang="zh-TW" altLang="en-US" sz="2000" spc="400" dirty="0" smtClean="0">
-                <a:cs typeface="+mn-ea"/>
-                <a:sym typeface="+mn-lt"/>
-              </a:rPr>
-              <a:t>面</a:t>
-            </a:r>
-            <a:endParaRPr lang="en-US" altLang="zh-TW" sz="2000" spc="400" dirty="0" smtClean="0">
-              <a:cs typeface="+mn-ea"/>
-              <a:sym typeface="+mn-lt"/>
-            </a:endParaRPr>
-          </a:p>
-          <a:p>
-            <a:pPr marL="285750" indent="-285750">
-              <a:buFont typeface="Wingdings" panose="05000000000000000000" pitchFamily="2" charset="2"/>
-              <a:buChar char="l"/>
-            </a:pPr>
-            <a:endParaRPr lang="en-US" altLang="zh-TW" sz="2000" spc="400" dirty="0">
-              <a:cs typeface="+mn-ea"/>
-              <a:sym typeface="+mn-lt"/>
-            </a:endParaRPr>
-          </a:p>
-          <a:p>
-            <a:pPr marL="285750" indent="-285750">
-              <a:buFont typeface="Wingdings" panose="05000000000000000000" pitchFamily="2" charset="2"/>
-              <a:buChar char="l"/>
-            </a:pPr>
-            <a:r>
-              <a:rPr lang="zh-TW" altLang="en-US" sz="2000" spc="400" dirty="0">
-                <a:cs typeface="+mn-ea"/>
-                <a:sym typeface="+mn-lt"/>
-              </a:rPr>
-              <a:t>重新設計頁尾</a:t>
-            </a:r>
-            <a:endParaRPr lang="en-US" altLang="zh-TW" sz="2000" spc="400" dirty="0">
-              <a:cs typeface="+mn-ea"/>
-              <a:sym typeface="+mn-lt"/>
-            </a:endParaRPr>
-          </a:p>
-        </p:txBody>
-      </p:sp>
-      <p:pic>
-        <p:nvPicPr>
-          <p:cNvPr id="10" name="圖片 9"/>
-          <p:cNvPicPr>
-            <a:picLocks noChangeAspect="1"/>
-          </p:cNvPicPr>
-          <p:nvPr/>
-        </p:nvPicPr>
-        <p:blipFill>
-          <a:blip r:embed="rId3">
-            <a:extLst>
-              <a:ext uri="{28A0092B-C50C-407E-A947-70E740481C1C}">
-                <a14:useLocalDpi xmlns:a14="http://schemas.microsoft.com/office/drawing/2010/main" val="0"/>
-              </a:ext>
-            </a:extLst>
-          </a:blip>
-          <a:stretch>
-            <a:fillRect/>
-          </a:stretch>
-        </p:blipFill>
-        <p:spPr>
-          <a:xfrm>
-            <a:off x="7225466" y="2044468"/>
-            <a:ext cx="4966534" cy="3303917"/>
-          </a:xfrm>
-          <a:prstGeom prst="rect">
-            <a:avLst/>
-          </a:prstGeom>
-        </p:spPr>
-      </p:pic>
-    </p:spTree>
-    <p:custDataLst>
-      <p:tags r:id="rId1"/>
-    </p:custDataLst>
-    <p:extLst>
-      <p:ext uri="{BB962C8B-B14F-4D97-AF65-F5344CB8AC3E}">
-        <p14:creationId xmlns:p14="http://schemas.microsoft.com/office/powerpoint/2010/main" val="2129964095"/>
-      </p:ext>
-    </p:extLst>
-  </p:cSld>
-  <p:clrMapOvr>
-    <a:masterClrMapping/>
-  </p:clrMapOvr>
-  <mc:AlternateContent xmlns:mc="http://schemas.openxmlformats.org/markup-compatibility/2006" xmlns:p14="http://schemas.microsoft.com/office/powerpoint/2010/main">
-    <mc:Choice Requires="p14">
-      <p:transition spd="slow" p14:dur="1500" advTm="4024">
-        <p:random/>
-      </p:transition>
-    </mc:Choice>
-    <mc:Fallback xmlns="" xmlns:a16="http://schemas.microsoft.com/office/drawing/2014/main" xmlns:a14="http://schemas.microsoft.com/office/drawing/2010/main">
-      <p:transition spd="slow" advTm="4024">
-        <p:random/>
-      </p:transition>
-    </mc:Fallback>
-  </mc:AlternateContent>
-  <p:timing>
-    <p:tnLst>
-      <p:par>
-        <p:cTn id="1" dur="indefinite" restart="never" nodeType="tmRoot">
-          <p:childTnLst>
-            <p:seq concurrent="1" nextAc="seek">
-              <p:cTn id="2" dur="indefinite" nodeType="mainSeq">
-                <p:childTnLst>
-                  <p:par>
-                    <p:cTn id="3" fill="hold">
-                      <p:stCondLst>
-                        <p:cond delay="indefinite"/>
-                      </p:stCondLst>
-                      <p:childTnLst>
-                        <p:par>
-                          <p:cTn id="4" fill="hold">
-                            <p:stCondLst>
-                              <p:cond delay="0"/>
-                            </p:stCondLst>
-                            <p:childTnLst>
-                              <p:par>
-                                <p:cTn id="5" presetID="22" presetClass="entr" presetSubtype="8" fill="hold" nodeType="clickEffect">
-                                  <p:stCondLst>
-                                    <p:cond delay="0"/>
-                                  </p:stCondLst>
-                                  <p:childTnLst>
-                                    <p:set>
-                                      <p:cBhvr>
-                                        <p:cTn id="6" dur="1" fill="hold">
-                                          <p:stCondLst>
-                                            <p:cond delay="0"/>
-                                          </p:stCondLst>
-                                        </p:cTn>
-                                        <p:tgtEl>
-                                          <p:spTgt spid="7"/>
-                                        </p:tgtEl>
-                                        <p:attrNameLst>
-                                          <p:attrName>style.visibility</p:attrName>
-                                        </p:attrNameLst>
-                                      </p:cBhvr>
-                                      <p:to>
-                                        <p:strVal val="visible"/>
-                                      </p:to>
-                                    </p:set>
-                                    <p:animEffect transition="in" filter="wipe(left)">
-                                      <p:cBhvr>
-                                        <p:cTn id="7" dur="500"/>
-                                        <p:tgtEl>
-                                          <p:spTgt spid="7"/>
-                                        </p:tgtEl>
-                                      </p:cBhvr>
-                                    </p:animEffect>
-                                  </p:childTnLst>
-                                </p:cTn>
-                              </p:par>
-                            </p:childTnLst>
-                          </p:cTn>
-                        </p:par>
-                      </p:childTnLst>
-                    </p:cTn>
-                  </p:par>
-                  <p:par>
-                    <p:cTn id="8" fill="hold">
-                      <p:stCondLst>
-                        <p:cond delay="indefinite"/>
-                      </p:stCondLst>
-                      <p:childTnLst>
-                        <p:par>
-                          <p:cTn id="9" fill="hold">
-                            <p:stCondLst>
-                              <p:cond delay="0"/>
-                            </p:stCondLst>
-                            <p:childTnLst>
-                              <p:par>
-                                <p:cTn id="10" presetID="14" presetClass="entr" presetSubtype="10" fill="hold" grpId="0" nodeType="clickEffect">
-                                  <p:stCondLst>
-                                    <p:cond delay="0"/>
-                                  </p:stCondLst>
-                                  <p:childTnLst>
-                                    <p:set>
-                                      <p:cBhvr>
-                                        <p:cTn id="11" dur="1" fill="hold">
-                                          <p:stCondLst>
-                                            <p:cond delay="0"/>
-                                          </p:stCondLst>
-                                        </p:cTn>
-                                        <p:tgtEl>
-                                          <p:spTgt spid="8"/>
-                                        </p:tgtEl>
-                                        <p:attrNameLst>
-                                          <p:attrName>style.visibility</p:attrName>
-                                        </p:attrNameLst>
-                                      </p:cBhvr>
-                                      <p:to>
-                                        <p:strVal val="visible"/>
-                                      </p:to>
-                                    </p:set>
-                                    <p:animEffect transition="in" filter="randombar(horizontal)">
-                                      <p:cBhvr>
-                                        <p:cTn id="12" dur="500"/>
-                                        <p:tgtEl>
-                                          <p:spTgt spid="8"/>
-                                        </p:tgtEl>
-                                      </p:cBhvr>
-                                    </p:animEffect>
-                                  </p:childTnLst>
-                                </p:cTn>
-                              </p:par>
-                            </p:childTnLst>
-                          </p:cTn>
-                        </p:par>
-                      </p:childTnLst>
-                    </p:cTn>
-                  </p:par>
-                </p:childTnLst>
-              </p:cTn>
-              <p:prevCondLst>
-                <p:cond evt="onPrev" delay="0">
-                  <p:tgtEl>
-                    <p:sldTgt/>
-                  </p:tgtEl>
-                </p:cond>
-              </p:prevCondLst>
-              <p:nextCondLst>
-                <p:cond evt="onNext" delay="0">
-                  <p:tgtEl>
-                    <p:sldTgt/>
-                  </p:tgtEl>
-                </p:cond>
-              </p:nextCondLst>
-            </p:seq>
-          </p:childTnLst>
-        </p:cTn>
-      </p:par>
-    </p:tnLst>
-    <p:bldLst>
-      <p:bldP spid="8" grpId="0"/>
-    </p:bldLst>
-  </p:timing>
-</p:sld>
-</file>
-
-<file path=ppt/slides/slide3.xml><?xml version="1.0" encoding="utf-8"?>
-<p:sld xmlns:a="http://schemas.openxmlformats.org/drawingml/2006/main" xmlns:r="http://schemas.openxmlformats.org/officeDocument/2006/relationships" xmlns:p="http://schemas.openxmlformats.org/presentationml/2006/main">
-  <p:cSld>
-    <p:spTree>
-      <p:nvGrpSpPr>
-        <p:cNvPr id="1" name=""/>
-        <p:cNvGrpSpPr/>
-        <p:nvPr/>
-      </p:nvGrpSpPr>
-      <p:grpSpPr>
-        <a:xfrm>
-          <a:off x="0" y="0"/>
-          <a:ext cx="0" cy="0"/>
-          <a:chOff x="0" y="0"/>
-          <a:chExt cx="0" cy="0"/>
-        </a:xfrm>
-      </p:grpSpPr>
-      <p:sp>
-        <p:nvSpPr>
-          <p:cNvPr id="2" name="矩形 1">
-            <a:extLst>
-              <a:ext uri="{FF2B5EF4-FFF2-40B4-BE49-F238E27FC236}">
-                <a16:creationId xmlns="" xmlns:a16="http://schemas.microsoft.com/office/drawing/2014/main" id="{6130B33B-FCB5-4AFA-8175-BA08126D80E1}"/>
-              </a:ext>
-            </a:extLst>
-          </p:cNvPr>
-          <p:cNvSpPr/>
-          <p:nvPr/>
-        </p:nvSpPr>
-        <p:spPr>
-          <a:xfrm>
-            <a:off x="5029198" y="493630"/>
-            <a:ext cx="2133600" cy="228600"/>
-          </a:xfrm>
-          <a:prstGeom prst="rect">
-            <a:avLst/>
-          </a:prstGeom>
-          <a:solidFill>
-            <a:schemeClr val="tx1">
-              <a:lumMod val="75000"/>
-              <a:lumOff val="25000"/>
-            </a:schemeClr>
-          </a:solidFill>
-          <a:ln>
-            <a:noFill/>
-          </a:ln>
-        </p:spPr>
-        <p:style>
-          <a:lnRef idx="2">
-            <a:schemeClr val="accent1">
-              <a:shade val="50000"/>
-            </a:schemeClr>
-          </a:lnRef>
-          <a:fillRef idx="1">
-            <a:schemeClr val="accent1"/>
-          </a:fillRef>
-          <a:effectRef idx="0">
-            <a:schemeClr val="accent1"/>
-          </a:effectRef>
-          <a:fontRef idx="minor">
-            <a:schemeClr val="lt1"/>
-          </a:fontRef>
-        </p:style>
-        <p:txBody>
-          <a:bodyPr rtlCol="0" anchor="ctr"/>
-          <a:lstStyle/>
-          <a:p>
-            <a:pPr algn="ctr"/>
-            <a:endParaRPr lang="zh-CN" altLang="en-US">
-              <a:cs typeface="+mn-ea"/>
-              <a:sym typeface="+mn-lt"/>
-            </a:endParaRPr>
-          </a:p>
-        </p:txBody>
-      </p:sp>
-      <p:grpSp>
-        <p:nvGrpSpPr>
-          <p:cNvPr id="3" name="组合 2">
-            <a:extLst>
-              <a:ext uri="{FF2B5EF4-FFF2-40B4-BE49-F238E27FC236}">
-                <a16:creationId xmlns="" xmlns:a16="http://schemas.microsoft.com/office/drawing/2014/main" id="{CF3B8F59-C87E-48F7-911B-3FCC3B1922F9}"/>
-              </a:ext>
-            </a:extLst>
-          </p:cNvPr>
-          <p:cNvGrpSpPr/>
-          <p:nvPr/>
-        </p:nvGrpSpPr>
-        <p:grpSpPr>
-          <a:xfrm>
-            <a:off x="2754561" y="787600"/>
-            <a:ext cx="6875378" cy="976561"/>
-            <a:chOff x="661187" y="1991896"/>
-            <a:chExt cx="3591185" cy="1083521"/>
-          </a:xfrm>
-        </p:grpSpPr>
-        <p:sp>
-          <p:nvSpPr>
-            <p:cNvPr id="4" name="文本框 3">
-              <a:extLst>
-                <a:ext uri="{FF2B5EF4-FFF2-40B4-BE49-F238E27FC236}">
-                  <a16:creationId xmlns="" xmlns:a16="http://schemas.microsoft.com/office/drawing/2014/main" id="{F069F7C5-7C6B-4416-BA43-7E9FF2B95F70}"/>
-                </a:ext>
-              </a:extLst>
-            </p:cNvPr>
-            <p:cNvSpPr txBox="1"/>
-            <p:nvPr/>
-          </p:nvSpPr>
-          <p:spPr>
-            <a:xfrm>
-              <a:off x="661187" y="1991896"/>
-              <a:ext cx="3515773" cy="785419"/>
-            </a:xfrm>
-            <a:prstGeom prst="rect">
-              <a:avLst/>
-            </a:prstGeom>
-            <a:noFill/>
-          </p:spPr>
-          <p:txBody>
-            <a:bodyPr wrap="square" rtlCol="0">
-              <a:spAutoFit/>
-            </a:bodyPr>
-            <a:lstStyle/>
-            <a:p>
-              <a:pPr algn="ctr"/>
-              <a:r>
-                <a:rPr lang="zh-TW" altLang="en-US" sz="4000" dirty="0">
-                  <a:cs typeface="+mn-ea"/>
-                  <a:sym typeface="+mn-lt"/>
-                </a:rPr>
-                <a:t>介面</a:t>
-              </a:r>
-              <a:r>
-                <a:rPr lang="zh-TW" altLang="en-US" sz="4000" dirty="0" smtClean="0">
-                  <a:cs typeface="+mn-ea"/>
-                  <a:sym typeface="+mn-lt"/>
-                </a:rPr>
-                <a:t>更改</a:t>
-              </a:r>
-              <a:r>
-                <a:rPr lang="en-US" altLang="zh-TW" sz="4000" dirty="0" smtClean="0">
-                  <a:cs typeface="+mn-ea"/>
-                  <a:sym typeface="+mn-lt"/>
-                </a:rPr>
-                <a:t>-</a:t>
-              </a:r>
-              <a:r>
-                <a:rPr lang="zh-TW" altLang="en-US" sz="4000" dirty="0" smtClean="0">
-                  <a:cs typeface="+mn-ea"/>
-                  <a:sym typeface="+mn-lt"/>
-                </a:rPr>
-                <a:t>溫室設計</a:t>
-              </a:r>
-              <a:endParaRPr lang="zh-CN" altLang="en-US" sz="4000" dirty="0">
-                <a:cs typeface="+mn-ea"/>
-                <a:sym typeface="+mn-lt"/>
-              </a:endParaRPr>
-            </a:p>
-          </p:txBody>
-        </p:sp>
-        <p:sp>
-          <p:nvSpPr>
-            <p:cNvPr id="5" name="文本框 4">
-              <a:extLst>
-                <a:ext uri="{FF2B5EF4-FFF2-40B4-BE49-F238E27FC236}">
-                  <a16:creationId xmlns="" xmlns:a16="http://schemas.microsoft.com/office/drawing/2014/main" id="{E7404F6D-3A40-4203-8F0A-6169C74FB4CA}"/>
-                </a:ext>
-              </a:extLst>
-            </p:cNvPr>
-            <p:cNvSpPr txBox="1"/>
-            <p:nvPr/>
-          </p:nvSpPr>
-          <p:spPr>
-            <a:xfrm>
-              <a:off x="793749" y="2699782"/>
-              <a:ext cx="3458623" cy="375635"/>
-            </a:xfrm>
-            <a:prstGeom prst="rect">
-              <a:avLst/>
-            </a:prstGeom>
-            <a:noFill/>
-          </p:spPr>
-          <p:txBody>
-            <a:bodyPr wrap="square">
-              <a:spAutoFit/>
-            </a:bodyPr>
-            <a:lstStyle/>
-            <a:p>
-              <a:pPr algn="ctr"/>
-              <a:r>
-                <a:rPr lang="en-US" altLang="zh-TW" sz="1600" dirty="0">
-                  <a:cs typeface="+mn-ea"/>
-                  <a:sym typeface="+mn-lt"/>
-                </a:rPr>
-                <a:t>Project </a:t>
-              </a:r>
-              <a:r>
-                <a:rPr lang="en-US" altLang="zh-TW" sz="1600" dirty="0" smtClean="0">
-                  <a:cs typeface="+mn-ea"/>
-                  <a:sym typeface="+mn-lt"/>
-                </a:rPr>
-                <a:t>designing</a:t>
-              </a:r>
-              <a:endParaRPr lang="zh-CN" altLang="en-US" sz="1600" dirty="0">
-                <a:cs typeface="+mn-ea"/>
-                <a:sym typeface="+mn-lt"/>
-              </a:endParaRPr>
-            </a:p>
-          </p:txBody>
-        </p:sp>
-      </p:grpSp>
-      <p:pic>
-        <p:nvPicPr>
-          <p:cNvPr id="6" name="Picture 2"/>
-          <p:cNvPicPr>
-            <a:picLocks noChangeAspect="1" noChangeArrowheads="1"/>
-          </p:cNvPicPr>
-          <p:nvPr/>
-        </p:nvPicPr>
-        <p:blipFill>
-          <a:blip r:embed="rId3" cstate="print">
-            <a:extLst>
-              <a:ext uri="{28A0092B-C50C-407E-A947-70E740481C1C}">
-                <a14:useLocalDpi xmlns:a14="http://schemas.microsoft.com/office/drawing/2010/main" val="0"/>
-              </a:ext>
-            </a:extLst>
-          </a:blip>
-          <a:srcRect/>
-          <a:stretch>
-            <a:fillRect/>
-          </a:stretch>
-        </p:blipFill>
-        <p:spPr bwMode="auto">
-          <a:xfrm>
-            <a:off x="4463398" y="1954291"/>
-            <a:ext cx="7728602" cy="3908580"/>
-          </a:xfrm>
-          <a:prstGeom prst="rect">
-            <a:avLst/>
-          </a:prstGeom>
-          <a:noFill/>
-          <a:ln>
-            <a:noFill/>
-          </a:ln>
-          <a:extLst>
-            <a:ext uri="{909E8E84-426E-40DD-AFC4-6F175D3DCCD1}">
-              <a14:hiddenFill xmlns:a14="http://schemas.microsoft.com/office/drawing/2010/main">
-                <a:solidFill>
-                  <a:schemeClr val="accent1"/>
-                </a:solidFill>
-              </a14:hiddenFill>
-            </a:ext>
-            <a:ext uri="{91240B29-F687-4F45-9708-019B960494DF}">
-              <a14:hiddenLine xmlns:a14="http://schemas.microsoft.com/office/drawing/2010/main" w="9525">
-                <a:solidFill>
-                  <a:schemeClr val="tx1"/>
-                </a:solidFill>
-                <a:miter lim="800000"/>
-                <a:headEnd/>
-                <a:tailEnd/>
-              </a14:hiddenLine>
-            </a:ext>
-          </a:extLst>
-        </p:spPr>
-      </p:pic>
-      <p:sp>
-        <p:nvSpPr>
-          <p:cNvPr id="7" name="文字方塊 6"/>
-          <p:cNvSpPr txBox="1"/>
-          <p:nvPr/>
-        </p:nvSpPr>
-        <p:spPr>
-          <a:xfrm>
-            <a:off x="537410" y="3080084"/>
-            <a:ext cx="3529264" cy="923330"/>
-          </a:xfrm>
-          <a:prstGeom prst="rect">
-            <a:avLst/>
-          </a:prstGeom>
-          <a:noFill/>
-        </p:spPr>
-        <p:txBody>
-          <a:bodyPr wrap="square" rtlCol="0">
-            <a:spAutoFit/>
-          </a:bodyPr>
-          <a:lstStyle/>
-          <a:p>
-            <a:pPr marL="285750" indent="-285750">
-              <a:buFont typeface="Wingdings" panose="05000000000000000000" pitchFamily="2" charset="2"/>
-              <a:buChar char="l"/>
-            </a:pPr>
-            <a:r>
-              <a:rPr lang="zh-TW" altLang="en-US" dirty="0" smtClean="0"/>
-              <a:t>將選擇溫室材料的功能拿掉</a:t>
-            </a:r>
-            <a:endParaRPr lang="en-US" altLang="zh-TW" dirty="0" smtClean="0"/>
-          </a:p>
-          <a:p>
-            <a:pPr marL="285750" indent="-285750">
-              <a:buFont typeface="Wingdings" panose="05000000000000000000" pitchFamily="2" charset="2"/>
-              <a:buChar char="l"/>
-            </a:pPr>
-            <a:endParaRPr lang="en-US" altLang="zh-TW" dirty="0"/>
-          </a:p>
-          <a:p>
-            <a:pPr marL="285750" indent="-285750">
-              <a:buFont typeface="Wingdings" panose="05000000000000000000" pitchFamily="2" charset="2"/>
-              <a:buChar char="l"/>
-            </a:pPr>
-            <a:r>
-              <a:rPr lang="zh-TW" altLang="en-US" dirty="0" smtClean="0"/>
-              <a:t>將上方的排版做調整</a:t>
-            </a:r>
-            <a:endParaRPr lang="zh-TW" altLang="en-US" dirty="0"/>
-          </a:p>
-        </p:txBody>
-      </p:sp>
-    </p:spTree>
-    <p:custDataLst>
-      <p:tags r:id="rId1"/>
-    </p:custDataLst>
-    <p:extLst>
-      <p:ext uri="{BB962C8B-B14F-4D97-AF65-F5344CB8AC3E}">
-        <p14:creationId xmlns:p14="http://schemas.microsoft.com/office/powerpoint/2010/main" val="1417835446"/>
-      </p:ext>
-    </p:extLst>
-  </p:cSld>
-  <p:clrMapOvr>
-    <a:masterClrMapping/>
-  </p:clrMapOvr>
-  <mc:AlternateContent xmlns:mc="http://schemas.openxmlformats.org/markup-compatibility/2006" xmlns:p14="http://schemas.microsoft.com/office/powerpoint/2010/main">
-    <mc:Choice Requires="p14">
-      <p:transition spd="slow" p14:dur="1500" advTm="3414">
-        <p:random/>
-      </p:transition>
-    </mc:Choice>
-    <mc:Fallback xmlns="" xmlns:a16="http://schemas.microsoft.com/office/drawing/2014/main" xmlns:a14="http://schemas.microsoft.com/office/drawing/2010/main">
-      <p:transition spd="slow" advTm="3414">
-        <p:random/>
-      </p:transition>
-    </mc:Fallback>
-  </mc:AlternateContent>
-  <p:timing>
-    <p:tnLst>
-      <p:par>
-        <p:cTn id="1" dur="indefinite" restart="never" nodeType="tmRoot">
-          <p:childTnLst>
-            <p:seq concurrent="1" nextAc="seek">
-              <p:cTn id="2" dur="indefinite" nodeType="mainSeq">
-                <p:childTnLst>
-                  <p:par>
-                    <p:cTn id="3" fill="hold">
-                      <p:stCondLst>
-                        <p:cond delay="indefinite"/>
-                      </p:stCondLst>
-                      <p:childTnLst>
-                        <p:par>
-                          <p:cTn id="4" fill="hold">
-                            <p:stCondLst>
-                              <p:cond delay="0"/>
-                            </p:stCondLst>
-                            <p:childTnLst>
-                              <p:par>
-                                <p:cTn id="5" presetID="16" presetClass="entr" presetSubtype="37" fill="hold" grpId="0" nodeType="clickEffect">
-                                  <p:stCondLst>
-                                    <p:cond delay="0"/>
-                                  </p:stCondLst>
-                                  <p:childTnLst>
-                                    <p:set>
-                                      <p:cBhvr>
-                                        <p:cTn id="6" dur="1" fill="hold">
-                                          <p:stCondLst>
-                                            <p:cond delay="0"/>
-                                          </p:stCondLst>
-                                        </p:cTn>
-                                        <p:tgtEl>
-                                          <p:spTgt spid="2"/>
-                                        </p:tgtEl>
-                                        <p:attrNameLst>
-                                          <p:attrName>style.visibility</p:attrName>
-                                        </p:attrNameLst>
-                                      </p:cBhvr>
-                                      <p:to>
-                                        <p:strVal val="visible"/>
-                                      </p:to>
-                                    </p:set>
-                                    <p:animEffect transition="in" filter="barn(outVertical)">
-                                      <p:cBhvr>
-                                        <p:cTn id="7" dur="500"/>
-                                        <p:tgtEl>
-                                          <p:spTgt spid="2"/>
-                                        </p:tgtEl>
-                                      </p:cBhvr>
-                                    </p:animEffect>
-                                  </p:childTnLst>
-                                </p:cTn>
-                              </p:par>
-                            </p:childTnLst>
-                          </p:cTn>
-                        </p:par>
-                      </p:childTnLst>
-                    </p:cTn>
-                  </p:par>
-                  <p:par>
-                    <p:cTn id="8" fill="hold">
-                      <p:stCondLst>
-                        <p:cond delay="indefinite"/>
-                      </p:stCondLst>
-                      <p:childTnLst>
-                        <p:par>
-                          <p:cTn id="9" fill="hold">
-                            <p:stCondLst>
-                              <p:cond delay="0"/>
-                            </p:stCondLst>
-                            <p:childTnLst>
-                              <p:par>
-                                <p:cTn id="10" presetID="22" presetClass="entr" presetSubtype="8" fill="hold" nodeType="clickEffect">
-                                  <p:stCondLst>
-                                    <p:cond delay="0"/>
-                                  </p:stCondLst>
-                                  <p:childTnLst>
-                                    <p:set>
-                                      <p:cBhvr>
-                                        <p:cTn id="11" dur="1" fill="hold">
-                                          <p:stCondLst>
-                                            <p:cond delay="0"/>
-                                          </p:stCondLst>
-                                        </p:cTn>
-                                        <p:tgtEl>
-                                          <p:spTgt spid="3"/>
-                                        </p:tgtEl>
-                                        <p:attrNameLst>
-                                          <p:attrName>style.visibility</p:attrName>
-                                        </p:attrNameLst>
-                                      </p:cBhvr>
-                                      <p:to>
-                                        <p:strVal val="visible"/>
-                                      </p:to>
-                                    </p:set>
-                                    <p:animEffect transition="in" filter="wipe(left)">
-                                      <p:cBhvr>
-                                        <p:cTn id="12" dur="500"/>
-                                        <p:tgtEl>
-                                          <p:spTgt spid="3"/>
-                                        </p:tgtEl>
-                                      </p:cBhvr>
-                                    </p:animEffect>
-                                  </p:childTnLst>
-                                </p:cTn>
-                              </p:par>
-                            </p:childTnLst>
-                          </p:cTn>
-                        </p:par>
-                      </p:childTnLst>
-                    </p:cTn>
-                  </p:par>
-                </p:childTnLst>
-              </p:cTn>
-              <p:prevCondLst>
-                <p:cond evt="onPrev" delay="0">
-                  <p:tgtEl>
-                    <p:sldTgt/>
-                  </p:tgtEl>
-                </p:cond>
-              </p:prevCondLst>
-              <p:nextCondLst>
-                <p:cond evt="onNext" delay="0">
-                  <p:tgtEl>
-                    <p:sldTgt/>
-                  </p:tgtEl>
-                </p:cond>
-              </p:nextCondLst>
-            </p:seq>
-          </p:childTnLst>
-        </p:cTn>
-      </p:par>
-    </p:tnLst>
-    <p:bldLst>
-      <p:bldP spid="2" grpId="0" animBg="1"/>
-    </p:bldLst>
-  </p:timing>
-</p:sld>
-</file>
-
-<file path=ppt/slides/slide4.xml><?xml version="1.0" encoding="utf-8"?>
-<p:sld xmlns:a="http://schemas.openxmlformats.org/drawingml/2006/main" xmlns:r="http://schemas.openxmlformats.org/officeDocument/2006/relationships" xmlns:p="http://schemas.openxmlformats.org/presentationml/2006/main">
-  <p:cSld>
-    <p:spTree>
-      <p:nvGrpSpPr>
-        <p:cNvPr id="1" name=""/>
-        <p:cNvGrpSpPr/>
-        <p:nvPr/>
-      </p:nvGrpSpPr>
-      <p:grpSpPr>
-        <a:xfrm>
-          <a:off x="0" y="0"/>
-          <a:ext cx="0" cy="0"/>
-          <a:chOff x="0" y="0"/>
-          <a:chExt cx="0" cy="0"/>
-        </a:xfrm>
-      </p:grpSpPr>
-      <p:sp>
-        <p:nvSpPr>
-          <p:cNvPr id="2" name="矩形 1">
-            <a:extLst>
-              <a:ext uri="{FF2B5EF4-FFF2-40B4-BE49-F238E27FC236}">
-                <a16:creationId xmlns="" xmlns:a16="http://schemas.microsoft.com/office/drawing/2014/main" id="{6130B33B-FCB5-4AFA-8175-BA08126D80E1}"/>
-              </a:ext>
-            </a:extLst>
-          </p:cNvPr>
-          <p:cNvSpPr/>
-          <p:nvPr/>
-        </p:nvSpPr>
-        <p:spPr>
-          <a:xfrm>
-            <a:off x="5029198" y="493630"/>
-            <a:ext cx="2133600" cy="228600"/>
-          </a:xfrm>
-          <a:prstGeom prst="rect">
-            <a:avLst/>
-          </a:prstGeom>
-          <a:solidFill>
-            <a:schemeClr val="tx1">
-              <a:lumMod val="75000"/>
-              <a:lumOff val="25000"/>
-            </a:schemeClr>
-          </a:solidFill>
-          <a:ln>
-            <a:noFill/>
-          </a:ln>
-        </p:spPr>
-        <p:style>
-          <a:lnRef idx="2">
-            <a:schemeClr val="accent1">
-              <a:shade val="50000"/>
-            </a:schemeClr>
-          </a:lnRef>
-          <a:fillRef idx="1">
-            <a:schemeClr val="accent1"/>
-          </a:fillRef>
-          <a:effectRef idx="0">
-            <a:schemeClr val="accent1"/>
-          </a:effectRef>
-          <a:fontRef idx="minor">
-            <a:schemeClr val="lt1"/>
-          </a:fontRef>
-        </p:style>
-        <p:txBody>
-          <a:bodyPr rtlCol="0" anchor="ctr"/>
-          <a:lstStyle/>
-          <a:p>
-            <a:pPr algn="ctr"/>
-            <a:endParaRPr lang="zh-CN" altLang="en-US">
-              <a:cs typeface="+mn-ea"/>
-              <a:sym typeface="+mn-lt"/>
-            </a:endParaRPr>
-          </a:p>
-        </p:txBody>
-      </p:sp>
-      <p:grpSp>
-        <p:nvGrpSpPr>
-          <p:cNvPr id="3" name="组合 2">
-            <a:extLst>
-              <a:ext uri="{FF2B5EF4-FFF2-40B4-BE49-F238E27FC236}">
-                <a16:creationId xmlns="" xmlns:a16="http://schemas.microsoft.com/office/drawing/2014/main" id="{CF3B8F59-C87E-48F7-911B-3FCC3B1922F9}"/>
-              </a:ext>
-            </a:extLst>
-          </p:cNvPr>
-          <p:cNvGrpSpPr/>
-          <p:nvPr/>
-        </p:nvGrpSpPr>
-        <p:grpSpPr>
-          <a:xfrm>
-            <a:off x="2754561" y="787600"/>
-            <a:ext cx="6875378" cy="976561"/>
-            <a:chOff x="661187" y="1991896"/>
-            <a:chExt cx="3591185" cy="1083521"/>
-          </a:xfrm>
-        </p:grpSpPr>
-        <p:sp>
-          <p:nvSpPr>
-            <p:cNvPr id="4" name="文本框 3">
-              <a:extLst>
-                <a:ext uri="{FF2B5EF4-FFF2-40B4-BE49-F238E27FC236}">
-                  <a16:creationId xmlns="" xmlns:a16="http://schemas.microsoft.com/office/drawing/2014/main" id="{F069F7C5-7C6B-4416-BA43-7E9FF2B95F70}"/>
-                </a:ext>
-              </a:extLst>
-            </p:cNvPr>
-            <p:cNvSpPr txBox="1"/>
-            <p:nvPr/>
-          </p:nvSpPr>
-          <p:spPr>
-            <a:xfrm>
-              <a:off x="661187" y="1991896"/>
-              <a:ext cx="3515773" cy="785419"/>
-            </a:xfrm>
-            <a:prstGeom prst="rect">
-              <a:avLst/>
-            </a:prstGeom>
-            <a:noFill/>
-          </p:spPr>
-          <p:txBody>
-            <a:bodyPr wrap="square" rtlCol="0">
-              <a:spAutoFit/>
-            </a:bodyPr>
-            <a:lstStyle/>
-            <a:p>
-              <a:pPr algn="ctr"/>
-              <a:r>
-                <a:rPr lang="zh-TW" altLang="en-US" sz="4000" dirty="0">
-                  <a:cs typeface="+mn-ea"/>
-                  <a:sym typeface="+mn-lt"/>
-                </a:rPr>
-                <a:t>介面</a:t>
-              </a:r>
-              <a:r>
-                <a:rPr lang="zh-TW" altLang="en-US" sz="4000" dirty="0" smtClean="0">
-                  <a:cs typeface="+mn-ea"/>
-                  <a:sym typeface="+mn-lt"/>
-                </a:rPr>
-                <a:t>更改</a:t>
-              </a:r>
-              <a:r>
-                <a:rPr lang="en-US" altLang="zh-TW" sz="4000" dirty="0" smtClean="0">
-                  <a:cs typeface="+mn-ea"/>
-                  <a:sym typeface="+mn-lt"/>
-                </a:rPr>
-                <a:t>-</a:t>
-              </a:r>
-              <a:r>
-                <a:rPr lang="zh-TW" altLang="en-US" sz="4000" dirty="0" smtClean="0">
-                  <a:cs typeface="+mn-ea"/>
-                  <a:sym typeface="+mn-lt"/>
-                </a:rPr>
-                <a:t>溫室材料成本分析</a:t>
-              </a:r>
-              <a:endParaRPr lang="zh-CN" altLang="en-US" sz="4000" dirty="0">
-                <a:cs typeface="+mn-ea"/>
-                <a:sym typeface="+mn-lt"/>
-              </a:endParaRPr>
-            </a:p>
-          </p:txBody>
-        </p:sp>
-        <p:sp>
-          <p:nvSpPr>
-            <p:cNvPr id="5" name="文本框 4">
-              <a:extLst>
-                <a:ext uri="{FF2B5EF4-FFF2-40B4-BE49-F238E27FC236}">
-                  <a16:creationId xmlns="" xmlns:a16="http://schemas.microsoft.com/office/drawing/2014/main" id="{E7404F6D-3A40-4203-8F0A-6169C74FB4CA}"/>
-                </a:ext>
-              </a:extLst>
-            </p:cNvPr>
-            <p:cNvSpPr txBox="1"/>
-            <p:nvPr/>
-          </p:nvSpPr>
-          <p:spPr>
-            <a:xfrm>
-              <a:off x="793749" y="2699782"/>
-              <a:ext cx="3458623" cy="375635"/>
-            </a:xfrm>
-            <a:prstGeom prst="rect">
-              <a:avLst/>
-            </a:prstGeom>
-            <a:noFill/>
-          </p:spPr>
-          <p:txBody>
-            <a:bodyPr wrap="square">
-              <a:spAutoFit/>
-            </a:bodyPr>
-            <a:lstStyle/>
-            <a:p>
-              <a:pPr algn="ctr"/>
-              <a:r>
-                <a:rPr lang="en-US" altLang="zh-TW" sz="1600" dirty="0">
-                  <a:cs typeface="+mn-ea"/>
-                  <a:sym typeface="+mn-lt"/>
-                </a:rPr>
-                <a:t>Project </a:t>
-              </a:r>
-              <a:r>
-                <a:rPr lang="en-US" altLang="zh-TW" sz="1600" dirty="0" smtClean="0">
-                  <a:cs typeface="+mn-ea"/>
-                  <a:sym typeface="+mn-lt"/>
-                </a:rPr>
-                <a:t>designing</a:t>
-              </a:r>
-              <a:endParaRPr lang="zh-CN" altLang="en-US" sz="1600" dirty="0">
-                <a:cs typeface="+mn-ea"/>
-                <a:sym typeface="+mn-lt"/>
-              </a:endParaRPr>
-            </a:p>
-          </p:txBody>
-        </p:sp>
-      </p:grpSp>
-      <p:sp>
-        <p:nvSpPr>
-          <p:cNvPr id="7" name="文字方塊 6"/>
-          <p:cNvSpPr txBox="1"/>
-          <p:nvPr/>
-        </p:nvSpPr>
-        <p:spPr>
-          <a:xfrm>
-            <a:off x="537410" y="3080084"/>
-            <a:ext cx="3529264" cy="1477328"/>
-          </a:xfrm>
-          <a:prstGeom prst="rect">
-            <a:avLst/>
-          </a:prstGeom>
-          <a:noFill/>
-        </p:spPr>
-        <p:txBody>
-          <a:bodyPr wrap="square" rtlCol="0">
-            <a:spAutoFit/>
-          </a:bodyPr>
-          <a:lstStyle/>
-          <a:p>
-            <a:pPr marL="285750" indent="-285750">
-              <a:buFont typeface="Wingdings" panose="05000000000000000000" pitchFamily="2" charset="2"/>
-              <a:buChar char="l"/>
-            </a:pPr>
-            <a:r>
-              <a:rPr lang="zh-TW" altLang="en-US" dirty="0" smtClean="0"/>
-              <a:t>將一些備註拿掉</a:t>
-            </a:r>
-            <a:r>
-              <a:rPr lang="en-US" altLang="zh-TW" dirty="0" smtClean="0"/>
-              <a:t>(</a:t>
-            </a:r>
-            <a:r>
-              <a:rPr lang="zh-TW" altLang="en-US" dirty="0" smtClean="0"/>
-              <a:t>影響美觀並且認為有點多餘</a:t>
-            </a:r>
-            <a:r>
-              <a:rPr lang="en-US" altLang="zh-TW" dirty="0" smtClean="0"/>
-              <a:t>)</a:t>
-            </a:r>
-          </a:p>
-          <a:p>
-            <a:pPr marL="285750" indent="-285750">
-              <a:buFont typeface="Wingdings" panose="05000000000000000000" pitchFamily="2" charset="2"/>
-              <a:buChar char="l"/>
-            </a:pPr>
-            <a:endParaRPr lang="en-US" altLang="zh-TW" dirty="0"/>
-          </a:p>
-          <a:p>
-            <a:pPr marL="285750" indent="-285750">
-              <a:buFont typeface="Wingdings" panose="05000000000000000000" pitchFamily="2" charset="2"/>
-              <a:buChar char="l"/>
-            </a:pPr>
-            <a:r>
-              <a:rPr lang="zh-TW" altLang="en-US" dirty="0" smtClean="0"/>
-              <a:t>右方的鋼鐵價格表設置為，往下滑之後不會消失。</a:t>
-            </a:r>
-            <a:endParaRPr lang="zh-TW" altLang="en-US" dirty="0"/>
-          </a:p>
-        </p:txBody>
-      </p:sp>
-      <p:pic>
-        <p:nvPicPr>
-          <p:cNvPr id="2050" name="Picture 2"/>
-          <p:cNvPicPr>
-            <a:picLocks noChangeAspect="1" noChangeArrowheads="1"/>
-          </p:cNvPicPr>
-          <p:nvPr/>
-        </p:nvPicPr>
-        <p:blipFill>
-          <a:blip r:embed="rId3" cstate="print">
-            <a:extLst>
-              <a:ext uri="{28A0092B-C50C-407E-A947-70E740481C1C}">
-                <a14:useLocalDpi xmlns:a14="http://schemas.microsoft.com/office/drawing/2010/main" val="0"/>
-              </a:ext>
-            </a:extLst>
-          </a:blip>
-          <a:srcRect/>
-          <a:stretch>
-            <a:fillRect/>
-          </a:stretch>
-        </p:blipFill>
-        <p:spPr bwMode="auto">
-          <a:xfrm>
-            <a:off x="4315326" y="1920215"/>
-            <a:ext cx="7876672" cy="3975258"/>
-          </a:xfrm>
-          <a:prstGeom prst="rect">
-            <a:avLst/>
-          </a:prstGeom>
-          <a:noFill/>
-          <a:ln>
-            <a:noFill/>
-          </a:ln>
-          <a:extLst>
-            <a:ext uri="{909E8E84-426E-40DD-AFC4-6F175D3DCCD1}">
-              <a14:hiddenFill xmlns:a14="http://schemas.microsoft.com/office/drawing/2010/main">
-                <a:solidFill>
-                  <a:schemeClr val="accent1"/>
-                </a:solidFill>
-              </a14:hiddenFill>
-            </a:ext>
-            <a:ext uri="{91240B29-F687-4F45-9708-019B960494DF}">
-              <a14:hiddenLine xmlns:a14="http://schemas.microsoft.com/office/drawing/2010/main" w="9525">
-                <a:solidFill>
-                  <a:schemeClr val="tx1"/>
-                </a:solidFill>
-                <a:miter lim="800000"/>
-                <a:headEnd/>
-                <a:tailEnd/>
-              </a14:hiddenLine>
-            </a:ext>
-          </a:extLst>
-        </p:spPr>
-      </p:pic>
-    </p:spTree>
-    <p:custDataLst>
-      <p:tags r:id="rId1"/>
-    </p:custDataLst>
-    <p:extLst>
-      <p:ext uri="{BB962C8B-B14F-4D97-AF65-F5344CB8AC3E}">
-        <p14:creationId xmlns:p14="http://schemas.microsoft.com/office/powerpoint/2010/main" val="3033255981"/>
-      </p:ext>
-    </p:extLst>
-  </p:cSld>
-  <p:clrMapOvr>
-    <a:masterClrMapping/>
-  </p:clrMapOvr>
-  <mc:AlternateContent xmlns:mc="http://schemas.openxmlformats.org/markup-compatibility/2006" xmlns:p14="http://schemas.microsoft.com/office/powerpoint/2010/main">
-    <mc:Choice Requires="p14">
-      <p:transition spd="slow" p14:dur="1500" advTm="3414">
-        <p:random/>
-      </p:transition>
-    </mc:Choice>
-    <mc:Fallback xmlns="" xmlns:a16="http://schemas.microsoft.com/office/drawing/2014/main" xmlns:a14="http://schemas.microsoft.com/office/drawing/2010/main">
-      <p:transition spd="slow" advTm="3414">
-        <p:random/>
-      </p:transition>
-    </mc:Fallback>
-  </mc:AlternateContent>
-  <p:timing>
-    <p:tnLst>
-      <p:par>
-        <p:cTn id="1" dur="indefinite" restart="never" nodeType="tmRoot">
-          <p:childTnLst>
-            <p:seq concurrent="1" nextAc="seek">
-              <p:cTn id="2" dur="indefinite" nodeType="mainSeq">
-                <p:childTnLst>
-                  <p:par>
-                    <p:cTn id="3" fill="hold">
-                      <p:stCondLst>
-                        <p:cond delay="indefinite"/>
-                      </p:stCondLst>
-                      <p:childTnLst>
-                        <p:par>
-                          <p:cTn id="4" fill="hold">
-                            <p:stCondLst>
-                              <p:cond delay="0"/>
-                            </p:stCondLst>
-                            <p:childTnLst>
-                              <p:par>
-                                <p:cTn id="5" presetID="16" presetClass="entr" presetSubtype="37" fill="hold" grpId="0" nodeType="clickEffect">
-                                  <p:stCondLst>
-                                    <p:cond delay="0"/>
-                                  </p:stCondLst>
-                                  <p:childTnLst>
-                                    <p:set>
-                                      <p:cBhvr>
-                                        <p:cTn id="6" dur="1" fill="hold">
-                                          <p:stCondLst>
-                                            <p:cond delay="0"/>
-                                          </p:stCondLst>
-                                        </p:cTn>
-                                        <p:tgtEl>
-                                          <p:spTgt spid="2"/>
-                                        </p:tgtEl>
-                                        <p:attrNameLst>
-                                          <p:attrName>style.visibility</p:attrName>
-                                        </p:attrNameLst>
-                                      </p:cBhvr>
-                                      <p:to>
-                                        <p:strVal val="visible"/>
-                                      </p:to>
-                                    </p:set>
-                                    <p:animEffect transition="in" filter="barn(outVertical)">
-                                      <p:cBhvr>
-                                        <p:cTn id="7" dur="500"/>
-                                        <p:tgtEl>
-                                          <p:spTgt spid="2"/>
-                                        </p:tgtEl>
-                                      </p:cBhvr>
-                                    </p:animEffect>
-                                  </p:childTnLst>
-                                </p:cTn>
-                              </p:par>
-                            </p:childTnLst>
-                          </p:cTn>
-                        </p:par>
-                      </p:childTnLst>
-                    </p:cTn>
-                  </p:par>
-                  <p:par>
-                    <p:cTn id="8" fill="hold">
-                      <p:stCondLst>
-                        <p:cond delay="indefinite"/>
-                      </p:stCondLst>
-                      <p:childTnLst>
-                        <p:par>
-                          <p:cTn id="9" fill="hold">
-                            <p:stCondLst>
-                              <p:cond delay="0"/>
-                            </p:stCondLst>
-                            <p:childTnLst>
-                              <p:par>
-                                <p:cTn id="10" presetID="22" presetClass="entr" presetSubtype="8" fill="hold" nodeType="clickEffect">
-                                  <p:stCondLst>
-                                    <p:cond delay="0"/>
-                                  </p:stCondLst>
-                                  <p:childTnLst>
-                                    <p:set>
-                                      <p:cBhvr>
-                                        <p:cTn id="11" dur="1" fill="hold">
-                                          <p:stCondLst>
-                                            <p:cond delay="0"/>
-                                          </p:stCondLst>
-                                        </p:cTn>
-                                        <p:tgtEl>
-                                          <p:spTgt spid="3"/>
-                                        </p:tgtEl>
-                                        <p:attrNameLst>
-                                          <p:attrName>style.visibility</p:attrName>
-                                        </p:attrNameLst>
-                                      </p:cBhvr>
-                                      <p:to>
-                                        <p:strVal val="visible"/>
-                                      </p:to>
-                                    </p:set>
-                                    <p:animEffect transition="in" filter="wipe(left)">
-                                      <p:cBhvr>
-                                        <p:cTn id="12" dur="500"/>
-                                        <p:tgtEl>
-                                          <p:spTgt spid="3"/>
-                                        </p:tgtEl>
-                                      </p:cBhvr>
-                                    </p:animEffect>
-                                  </p:childTnLst>
-                                </p:cTn>
-                              </p:par>
-                            </p:childTnLst>
-                          </p:cTn>
-                        </p:par>
-                      </p:childTnLst>
-                    </p:cTn>
-                  </p:par>
-                </p:childTnLst>
-              </p:cTn>
-              <p:prevCondLst>
-                <p:cond evt="onPrev" delay="0">
-                  <p:tgtEl>
-                    <p:sldTgt/>
-                  </p:tgtEl>
-                </p:cond>
-              </p:prevCondLst>
-              <p:nextCondLst>
-                <p:cond evt="onNext" delay="0">
-                  <p:tgtEl>
-                    <p:sldTgt/>
-                  </p:tgtEl>
-                </p:cond>
-              </p:nextCondLst>
-            </p:seq>
-          </p:childTnLst>
-        </p:cTn>
-      </p:par>
-    </p:tnLst>
-    <p:bldLst>
-      <p:bldP spid="2" grpId="0" animBg="1"/>
-    </p:bldLst>
-  </p:timing>
-</p:sld>
-</file>
-
-<file path=ppt/slides/slide5.xml><?xml version="1.0" encoding="utf-8"?>
-<p:sld xmlns:a="http://schemas.openxmlformats.org/drawingml/2006/main" xmlns:r="http://schemas.openxmlformats.org/officeDocument/2006/relationships" xmlns:p="http://schemas.openxmlformats.org/presentationml/2006/main">
-  <p:cSld>
-    <p:spTree>
-      <p:nvGrpSpPr>
-        <p:cNvPr id="1" name=""/>
-        <p:cNvGrpSpPr/>
-        <p:nvPr/>
-      </p:nvGrpSpPr>
-      <p:grpSpPr>
-        <a:xfrm>
-          <a:off x="0" y="0"/>
-          <a:ext cx="0" cy="0"/>
-          <a:chOff x="0" y="0"/>
-          <a:chExt cx="0" cy="0"/>
-        </a:xfrm>
-      </p:grpSpPr>
-      <p:sp>
-        <p:nvSpPr>
-          <p:cNvPr id="2" name="矩形 1">
-            <a:extLst>
-              <a:ext uri="{FF2B5EF4-FFF2-40B4-BE49-F238E27FC236}">
-                <a16:creationId xmlns="" xmlns:a16="http://schemas.microsoft.com/office/drawing/2014/main" id="{6130B33B-FCB5-4AFA-8175-BA08126D80E1}"/>
-              </a:ext>
-            </a:extLst>
-          </p:cNvPr>
-          <p:cNvSpPr/>
-          <p:nvPr/>
-        </p:nvSpPr>
-        <p:spPr>
-          <a:xfrm>
-            <a:off x="5029198" y="493630"/>
-            <a:ext cx="2133600" cy="228600"/>
-          </a:xfrm>
-          <a:prstGeom prst="rect">
-            <a:avLst/>
-          </a:prstGeom>
-          <a:solidFill>
-            <a:schemeClr val="tx1">
-              <a:lumMod val="75000"/>
-              <a:lumOff val="25000"/>
-            </a:schemeClr>
-          </a:solidFill>
-          <a:ln>
-            <a:noFill/>
-          </a:ln>
-        </p:spPr>
-        <p:style>
-          <a:lnRef idx="2">
-            <a:schemeClr val="accent1">
-              <a:shade val="50000"/>
-            </a:schemeClr>
-          </a:lnRef>
-          <a:fillRef idx="1">
-            <a:schemeClr val="accent1"/>
-          </a:fillRef>
-          <a:effectRef idx="0">
-            <a:schemeClr val="accent1"/>
-          </a:effectRef>
-          <a:fontRef idx="minor">
-            <a:schemeClr val="lt1"/>
-          </a:fontRef>
-        </p:style>
-        <p:txBody>
-          <a:bodyPr rtlCol="0" anchor="ctr"/>
-          <a:lstStyle/>
-          <a:p>
-            <a:pPr algn="ctr"/>
-            <a:endParaRPr lang="zh-CN" altLang="en-US">
-              <a:cs typeface="+mn-ea"/>
-              <a:sym typeface="+mn-lt"/>
-            </a:endParaRPr>
-          </a:p>
-        </p:txBody>
-      </p:sp>
-      <p:grpSp>
-        <p:nvGrpSpPr>
-          <p:cNvPr id="3" name="组合 2">
-            <a:extLst>
-              <a:ext uri="{FF2B5EF4-FFF2-40B4-BE49-F238E27FC236}">
-                <a16:creationId xmlns="" xmlns:a16="http://schemas.microsoft.com/office/drawing/2014/main" id="{CF3B8F59-C87E-48F7-911B-3FCC3B1922F9}"/>
-              </a:ext>
-            </a:extLst>
-          </p:cNvPr>
-          <p:cNvGrpSpPr/>
-          <p:nvPr/>
-        </p:nvGrpSpPr>
-        <p:grpSpPr>
-          <a:xfrm>
-            <a:off x="2754561" y="787600"/>
-            <a:ext cx="6875378" cy="976561"/>
-            <a:chOff x="661187" y="1991896"/>
-            <a:chExt cx="3591185" cy="1083521"/>
-          </a:xfrm>
-        </p:grpSpPr>
-        <p:sp>
-          <p:nvSpPr>
-            <p:cNvPr id="4" name="文本框 3">
-              <a:extLst>
-                <a:ext uri="{FF2B5EF4-FFF2-40B4-BE49-F238E27FC236}">
-                  <a16:creationId xmlns="" xmlns:a16="http://schemas.microsoft.com/office/drawing/2014/main" id="{F069F7C5-7C6B-4416-BA43-7E9FF2B95F70}"/>
-                </a:ext>
-              </a:extLst>
-            </p:cNvPr>
-            <p:cNvSpPr txBox="1"/>
-            <p:nvPr/>
-          </p:nvSpPr>
-          <p:spPr>
-            <a:xfrm>
-              <a:off x="661187" y="1991896"/>
-              <a:ext cx="3515773" cy="785419"/>
-            </a:xfrm>
-            <a:prstGeom prst="rect">
-              <a:avLst/>
-            </a:prstGeom>
-            <a:noFill/>
-          </p:spPr>
-          <p:txBody>
-            <a:bodyPr wrap="square" rtlCol="0">
-              <a:spAutoFit/>
-            </a:bodyPr>
-            <a:lstStyle/>
-            <a:p>
-              <a:pPr algn="ctr"/>
-              <a:r>
-                <a:rPr lang="zh-TW" altLang="en-US" sz="4000" dirty="0">
-                  <a:cs typeface="+mn-ea"/>
-                  <a:sym typeface="+mn-lt"/>
-                </a:rPr>
-                <a:t>介面</a:t>
-              </a:r>
-              <a:r>
-                <a:rPr lang="zh-TW" altLang="en-US" sz="4000" dirty="0" smtClean="0">
-                  <a:cs typeface="+mn-ea"/>
-                  <a:sym typeface="+mn-lt"/>
-                </a:rPr>
-                <a:t>更改</a:t>
-              </a:r>
-              <a:r>
-                <a:rPr lang="en-US" altLang="zh-TW" sz="4000" dirty="0" smtClean="0">
-                  <a:cs typeface="+mn-ea"/>
-                  <a:sym typeface="+mn-lt"/>
-                </a:rPr>
-                <a:t>-</a:t>
-              </a:r>
-              <a:r>
-                <a:rPr lang="zh-TW" altLang="en-US" sz="4000" dirty="0" smtClean="0">
-                  <a:cs typeface="+mn-ea"/>
-                  <a:sym typeface="+mn-lt"/>
-                </a:rPr>
-                <a:t>環控設計</a:t>
-              </a:r>
-              <a:r>
-                <a:rPr lang="en-US" altLang="zh-TW" sz="4000" dirty="0" smtClean="0">
-                  <a:cs typeface="+mn-ea"/>
-                  <a:sym typeface="+mn-lt"/>
-                </a:rPr>
-                <a:t>(</a:t>
-              </a:r>
-              <a:r>
-                <a:rPr lang="zh-TW" altLang="en-US" sz="4000" dirty="0" smtClean="0">
-                  <a:cs typeface="+mn-ea"/>
-                  <a:sym typeface="+mn-lt"/>
-                </a:rPr>
-                <a:t>光環境</a:t>
-              </a:r>
-              <a:r>
-                <a:rPr lang="en-US" altLang="zh-TW" sz="4000" dirty="0" smtClean="0">
-                  <a:cs typeface="+mn-ea"/>
-                  <a:sym typeface="+mn-lt"/>
-                </a:rPr>
-                <a:t>)</a:t>
-              </a:r>
-              <a:endParaRPr lang="zh-CN" altLang="en-US" sz="4000" dirty="0">
-                <a:cs typeface="+mn-ea"/>
-                <a:sym typeface="+mn-lt"/>
-              </a:endParaRPr>
-            </a:p>
-          </p:txBody>
-        </p:sp>
-        <p:sp>
-          <p:nvSpPr>
-            <p:cNvPr id="5" name="文本框 4">
-              <a:extLst>
-                <a:ext uri="{FF2B5EF4-FFF2-40B4-BE49-F238E27FC236}">
-                  <a16:creationId xmlns="" xmlns:a16="http://schemas.microsoft.com/office/drawing/2014/main" id="{E7404F6D-3A40-4203-8F0A-6169C74FB4CA}"/>
-                </a:ext>
-              </a:extLst>
-            </p:cNvPr>
-            <p:cNvSpPr txBox="1"/>
-            <p:nvPr/>
-          </p:nvSpPr>
-          <p:spPr>
-            <a:xfrm>
-              <a:off x="793749" y="2699782"/>
-              <a:ext cx="3458623" cy="375635"/>
-            </a:xfrm>
-            <a:prstGeom prst="rect">
-              <a:avLst/>
-            </a:prstGeom>
-            <a:noFill/>
-          </p:spPr>
-          <p:txBody>
-            <a:bodyPr wrap="square">
-              <a:spAutoFit/>
-            </a:bodyPr>
-            <a:lstStyle/>
-            <a:p>
-              <a:pPr algn="ctr"/>
-              <a:r>
-                <a:rPr lang="en-US" altLang="zh-TW" sz="1600" dirty="0">
-                  <a:cs typeface="+mn-ea"/>
-                  <a:sym typeface="+mn-lt"/>
-                </a:rPr>
-                <a:t>Project </a:t>
-              </a:r>
-              <a:r>
-                <a:rPr lang="en-US" altLang="zh-TW" sz="1600" dirty="0" smtClean="0">
-                  <a:cs typeface="+mn-ea"/>
-                  <a:sym typeface="+mn-lt"/>
-                </a:rPr>
-                <a:t>designing</a:t>
-              </a:r>
-              <a:endParaRPr lang="zh-CN" altLang="en-US" sz="1600" dirty="0">
-                <a:cs typeface="+mn-ea"/>
-                <a:sym typeface="+mn-lt"/>
-              </a:endParaRPr>
-            </a:p>
-          </p:txBody>
-        </p:sp>
-      </p:grpSp>
-      <p:sp>
-        <p:nvSpPr>
-          <p:cNvPr id="7" name="文字方塊 6"/>
-          <p:cNvSpPr txBox="1"/>
-          <p:nvPr/>
-        </p:nvSpPr>
-        <p:spPr>
-          <a:xfrm>
-            <a:off x="64167" y="3080084"/>
-            <a:ext cx="4620127" cy="1754326"/>
-          </a:xfrm>
-          <a:prstGeom prst="rect">
-            <a:avLst/>
-          </a:prstGeom>
-          <a:noFill/>
-        </p:spPr>
-        <p:txBody>
-          <a:bodyPr wrap="square" rtlCol="0">
-            <a:spAutoFit/>
-          </a:bodyPr>
-          <a:lstStyle/>
-          <a:p>
-            <a:pPr marL="285750" indent="-285750">
-              <a:buFont typeface="Wingdings" panose="05000000000000000000" pitchFamily="2" charset="2"/>
-              <a:buChar char="l"/>
-            </a:pPr>
-            <a:r>
-              <a:rPr lang="zh-TW" altLang="en-US" dirty="0"/>
-              <a:t>將</a:t>
-            </a:r>
-            <a:r>
-              <a:rPr lang="zh-TW" altLang="en-US" dirty="0" smtClean="0"/>
-              <a:t>生長光環境裡的風力資訊拿掉</a:t>
-            </a:r>
-            <a:endParaRPr lang="en-US" altLang="zh-TW" dirty="0" smtClean="0"/>
-          </a:p>
-          <a:p>
-            <a:pPr marL="285750" indent="-285750">
-              <a:buFont typeface="Wingdings" panose="05000000000000000000" pitchFamily="2" charset="2"/>
-              <a:buChar char="l"/>
-            </a:pPr>
-            <a:endParaRPr lang="en-US" altLang="zh-TW" dirty="0"/>
-          </a:p>
-          <a:p>
-            <a:pPr marL="285750" indent="-285750">
-              <a:buFont typeface="Wingdings" panose="05000000000000000000" pitchFamily="2" charset="2"/>
-              <a:buChar char="l"/>
-            </a:pPr>
-            <a:r>
-              <a:rPr lang="zh-TW" altLang="en-US" dirty="0" smtClean="0"/>
-              <a:t>更改排版</a:t>
-            </a:r>
-            <a:endParaRPr lang="en-US" altLang="zh-TW" dirty="0" smtClean="0"/>
-          </a:p>
-          <a:p>
-            <a:pPr marL="285750" indent="-285750">
-              <a:buFont typeface="Wingdings" panose="05000000000000000000" pitchFamily="2" charset="2"/>
-              <a:buChar char="l"/>
-            </a:pPr>
-            <a:endParaRPr lang="en-US" altLang="zh-TW" dirty="0" smtClean="0"/>
-          </a:p>
-          <a:p>
-            <a:pPr marL="285750" indent="-285750">
-              <a:buFont typeface="Wingdings" panose="05000000000000000000" pitchFamily="2" charset="2"/>
-              <a:buChar char="l"/>
-            </a:pPr>
-            <a:r>
-              <a:rPr lang="zh-TW" altLang="en-US" dirty="0"/>
-              <a:t>在光設計</a:t>
-            </a:r>
-            <a:r>
-              <a:rPr lang="zh-TW" altLang="en-US" dirty="0" smtClean="0"/>
-              <a:t>、光控制、光感測介紹的部分多了說明框</a:t>
-            </a:r>
-            <a:endParaRPr lang="en-US" altLang="zh-TW" dirty="0" smtClean="0"/>
-          </a:p>
-        </p:txBody>
-      </p:sp>
-      <p:pic>
-        <p:nvPicPr>
-          <p:cNvPr id="3074" name="Picture 2"/>
-          <p:cNvPicPr>
-            <a:picLocks noChangeAspect="1" noChangeArrowheads="1"/>
-          </p:cNvPicPr>
-          <p:nvPr/>
-        </p:nvPicPr>
-        <p:blipFill>
-          <a:blip r:embed="rId3" cstate="print">
-            <a:extLst>
-              <a:ext uri="{28A0092B-C50C-407E-A947-70E740481C1C}">
-                <a14:useLocalDpi xmlns:a14="http://schemas.microsoft.com/office/drawing/2010/main" val="0"/>
-              </a:ext>
-            </a:extLst>
-          </a:blip>
-          <a:srcRect/>
-          <a:stretch>
-            <a:fillRect/>
-          </a:stretch>
-        </p:blipFill>
-        <p:spPr bwMode="auto">
-          <a:xfrm>
-            <a:off x="4563161" y="2221832"/>
-            <a:ext cx="7628838" cy="3858126"/>
-          </a:xfrm>
-          <a:prstGeom prst="rect">
-            <a:avLst/>
-          </a:prstGeom>
-          <a:noFill/>
-          <a:ln>
-            <a:noFill/>
-          </a:ln>
-          <a:extLst>
-            <a:ext uri="{909E8E84-426E-40DD-AFC4-6F175D3DCCD1}">
-              <a14:hiddenFill xmlns:a14="http://schemas.microsoft.com/office/drawing/2010/main">
-                <a:solidFill>
-                  <a:schemeClr val="accent1"/>
-                </a:solidFill>
-              </a14:hiddenFill>
-            </a:ext>
-            <a:ext uri="{91240B29-F687-4F45-9708-019B960494DF}">
-              <a14:hiddenLine xmlns:a14="http://schemas.microsoft.com/office/drawing/2010/main" w="9525">
-                <a:solidFill>
-                  <a:schemeClr val="tx1"/>
-                </a:solidFill>
-                <a:miter lim="800000"/>
-                <a:headEnd/>
-                <a:tailEnd/>
-              </a14:hiddenLine>
-            </a:ext>
-          </a:extLst>
-        </p:spPr>
-      </p:pic>
-    </p:spTree>
-    <p:custDataLst>
-      <p:tags r:id="rId1"/>
-    </p:custDataLst>
-    <p:extLst>
-      <p:ext uri="{BB962C8B-B14F-4D97-AF65-F5344CB8AC3E}">
-        <p14:creationId xmlns:p14="http://schemas.microsoft.com/office/powerpoint/2010/main" val="692371296"/>
-      </p:ext>
-    </p:extLst>
-  </p:cSld>
-  <p:clrMapOvr>
-    <a:masterClrMapping/>
-  </p:clrMapOvr>
-  <mc:AlternateContent xmlns:mc="http://schemas.openxmlformats.org/markup-compatibility/2006" xmlns:p14="http://schemas.microsoft.com/office/powerpoint/2010/main">
-    <mc:Choice Requires="p14">
-      <p:transition spd="slow" p14:dur="1500" advTm="3414">
-        <p:random/>
-      </p:transition>
-    </mc:Choice>
-    <mc:Fallback xmlns="" xmlns:a16="http://schemas.microsoft.com/office/drawing/2014/main" xmlns:a14="http://schemas.microsoft.com/office/drawing/2010/main">
-      <p:transition spd="slow" advTm="3414">
-        <p:random/>
-      </p:transition>
-    </mc:Fallback>
-  </mc:AlternateContent>
-  <p:timing>
-    <p:tnLst>
-      <p:par>
-        <p:cTn id="1" dur="indefinite" restart="never" nodeType="tmRoot">
-          <p:childTnLst>
-            <p:seq concurrent="1" nextAc="seek">
-              <p:cTn id="2" dur="indefinite" nodeType="mainSeq">
-                <p:childTnLst>
-                  <p:par>
-                    <p:cTn id="3" fill="hold">
-                      <p:stCondLst>
-                        <p:cond delay="indefinite"/>
-                      </p:stCondLst>
-                      <p:childTnLst>
-                        <p:par>
-                          <p:cTn id="4" fill="hold">
-                            <p:stCondLst>
-                              <p:cond delay="0"/>
-                            </p:stCondLst>
-                            <p:childTnLst>
-                              <p:par>
-                                <p:cTn id="5" presetID="16" presetClass="entr" presetSubtype="37" fill="hold" grpId="0" nodeType="clickEffect">
-                                  <p:stCondLst>
-                                    <p:cond delay="0"/>
-                                  </p:stCondLst>
-                                  <p:childTnLst>
-                                    <p:set>
-                                      <p:cBhvr>
-                                        <p:cTn id="6" dur="1" fill="hold">
-                                          <p:stCondLst>
-                                            <p:cond delay="0"/>
-                                          </p:stCondLst>
-                                        </p:cTn>
-                                        <p:tgtEl>
-                                          <p:spTgt spid="2"/>
-                                        </p:tgtEl>
-                                        <p:attrNameLst>
-                                          <p:attrName>style.visibility</p:attrName>
-                                        </p:attrNameLst>
-                                      </p:cBhvr>
-                                      <p:to>
-                                        <p:strVal val="visible"/>
-                                      </p:to>
-                                    </p:set>
-                                    <p:animEffect transition="in" filter="barn(outVertical)">
-                                      <p:cBhvr>
-                                        <p:cTn id="7" dur="500"/>
-                                        <p:tgtEl>
-                                          <p:spTgt spid="2"/>
-                                        </p:tgtEl>
-                                      </p:cBhvr>
-                                    </p:animEffect>
-                                  </p:childTnLst>
-                                </p:cTn>
-                              </p:par>
-                            </p:childTnLst>
-                          </p:cTn>
-                        </p:par>
-                      </p:childTnLst>
-                    </p:cTn>
-                  </p:par>
-                  <p:par>
-                    <p:cTn id="8" fill="hold">
-                      <p:stCondLst>
-                        <p:cond delay="indefinite"/>
-                      </p:stCondLst>
-                      <p:childTnLst>
-                        <p:par>
-                          <p:cTn id="9" fill="hold">
-                            <p:stCondLst>
-                              <p:cond delay="0"/>
-                            </p:stCondLst>
-                            <p:childTnLst>
-                              <p:par>
-                                <p:cTn id="10" presetID="22" presetClass="entr" presetSubtype="8" fill="hold" nodeType="clickEffect">
-                                  <p:stCondLst>
-                                    <p:cond delay="0"/>
-                                  </p:stCondLst>
-                                  <p:childTnLst>
-                                    <p:set>
-                                      <p:cBhvr>
-                                        <p:cTn id="11" dur="1" fill="hold">
-                                          <p:stCondLst>
-                                            <p:cond delay="0"/>
-                                          </p:stCondLst>
-                                        </p:cTn>
-                                        <p:tgtEl>
-                                          <p:spTgt spid="3"/>
-                                        </p:tgtEl>
-                                        <p:attrNameLst>
-                                          <p:attrName>style.visibility</p:attrName>
-                                        </p:attrNameLst>
-                                      </p:cBhvr>
-                                      <p:to>
-                                        <p:strVal val="visible"/>
-                                      </p:to>
-                                    </p:set>
-                                    <p:animEffect transition="in" filter="wipe(left)">
-                                      <p:cBhvr>
-                                        <p:cTn id="12" dur="500"/>
-                                        <p:tgtEl>
-                                          <p:spTgt spid="3"/>
-                                        </p:tgtEl>
-                                      </p:cBhvr>
-                                    </p:animEffect>
-                                  </p:childTnLst>
-                                </p:cTn>
-                              </p:par>
-                            </p:childTnLst>
-                          </p:cTn>
-                        </p:par>
-                      </p:childTnLst>
-                    </p:cTn>
-                  </p:par>
-                </p:childTnLst>
-              </p:cTn>
-              <p:prevCondLst>
-                <p:cond evt="onPrev" delay="0">
-                  <p:tgtEl>
-                    <p:sldTgt/>
-                  </p:tgtEl>
-                </p:cond>
-              </p:prevCondLst>
-              <p:nextCondLst>
-                <p:cond evt="onNext" delay="0">
-                  <p:tgtEl>
-                    <p:sldTgt/>
-                  </p:tgtEl>
-                </p:cond>
-              </p:nextCondLst>
-            </p:seq>
-          </p:childTnLst>
-        </p:cTn>
-      </p:par>
-    </p:tnLst>
-    <p:bldLst>
-      <p:bldP spid="2" grpId="0" animBg="1"/>
-    </p:bldLst>
-  </p:timing>
-</p:sld>
-</file>
-
-<file path=ppt/slides/slide6.xml><?xml version="1.0" encoding="utf-8"?>
-<p:sld xmlns:a="http://schemas.openxmlformats.org/drawingml/2006/main" xmlns:r="http://schemas.openxmlformats.org/officeDocument/2006/relationships" xmlns:p="http://schemas.openxmlformats.org/presentationml/2006/main">
-  <p:cSld>
-    <p:spTree>
-      <p:nvGrpSpPr>
-        <p:cNvPr id="1" name=""/>
-        <p:cNvGrpSpPr/>
-        <p:nvPr/>
-      </p:nvGrpSpPr>
-      <p:grpSpPr>
-        <a:xfrm>
-          <a:off x="0" y="0"/>
-          <a:ext cx="0" cy="0"/>
-          <a:chOff x="0" y="0"/>
-          <a:chExt cx="0" cy="0"/>
-        </a:xfrm>
-      </p:grpSpPr>
-      <p:sp>
-        <p:nvSpPr>
-          <p:cNvPr id="2" name="矩形 1">
-            <a:extLst>
-              <a:ext uri="{FF2B5EF4-FFF2-40B4-BE49-F238E27FC236}">
-                <a16:creationId xmlns="" xmlns:a16="http://schemas.microsoft.com/office/drawing/2014/main" id="{6130B33B-FCB5-4AFA-8175-BA08126D80E1}"/>
-              </a:ext>
-            </a:extLst>
-          </p:cNvPr>
-          <p:cNvSpPr/>
-          <p:nvPr/>
-        </p:nvSpPr>
-        <p:spPr>
-          <a:xfrm>
-            <a:off x="5029198" y="493630"/>
-            <a:ext cx="2133600" cy="228600"/>
-          </a:xfrm>
-          <a:prstGeom prst="rect">
-            <a:avLst/>
-          </a:prstGeom>
-          <a:solidFill>
-            <a:schemeClr val="tx1">
-              <a:lumMod val="75000"/>
-              <a:lumOff val="25000"/>
-            </a:schemeClr>
-          </a:solidFill>
-          <a:ln>
-            <a:noFill/>
-          </a:ln>
-        </p:spPr>
-        <p:style>
-          <a:lnRef idx="2">
-            <a:schemeClr val="accent1">
-              <a:shade val="50000"/>
-            </a:schemeClr>
-          </a:lnRef>
-          <a:fillRef idx="1">
-            <a:schemeClr val="accent1"/>
-          </a:fillRef>
-          <a:effectRef idx="0">
-            <a:schemeClr val="accent1"/>
-          </a:effectRef>
-          <a:fontRef idx="minor">
-            <a:schemeClr val="lt1"/>
-          </a:fontRef>
-        </p:style>
-        <p:txBody>
-          <a:bodyPr rtlCol="0" anchor="ctr"/>
-          <a:lstStyle/>
-          <a:p>
-            <a:pPr algn="ctr"/>
-            <a:endParaRPr lang="zh-CN" altLang="en-US">
-              <a:cs typeface="+mn-ea"/>
-              <a:sym typeface="+mn-lt"/>
-            </a:endParaRPr>
-          </a:p>
-        </p:txBody>
-      </p:sp>
-      <p:grpSp>
-        <p:nvGrpSpPr>
-          <p:cNvPr id="3" name="组合 2">
-            <a:extLst>
-              <a:ext uri="{FF2B5EF4-FFF2-40B4-BE49-F238E27FC236}">
-                <a16:creationId xmlns="" xmlns:a16="http://schemas.microsoft.com/office/drawing/2014/main" id="{CF3B8F59-C87E-48F7-911B-3FCC3B1922F9}"/>
-              </a:ext>
-            </a:extLst>
-          </p:cNvPr>
-          <p:cNvGrpSpPr/>
-          <p:nvPr/>
-        </p:nvGrpSpPr>
-        <p:grpSpPr>
-          <a:xfrm>
-            <a:off x="2754561" y="787600"/>
-            <a:ext cx="6875378" cy="976561"/>
-            <a:chOff x="661187" y="1991896"/>
-            <a:chExt cx="3591185" cy="1083521"/>
-          </a:xfrm>
-        </p:grpSpPr>
-        <p:sp>
-          <p:nvSpPr>
-            <p:cNvPr id="4" name="文本框 3">
-              <a:extLst>
-                <a:ext uri="{FF2B5EF4-FFF2-40B4-BE49-F238E27FC236}">
-                  <a16:creationId xmlns="" xmlns:a16="http://schemas.microsoft.com/office/drawing/2014/main" id="{F069F7C5-7C6B-4416-BA43-7E9FF2B95F70}"/>
-                </a:ext>
-              </a:extLst>
-            </p:cNvPr>
-            <p:cNvSpPr txBox="1"/>
-            <p:nvPr/>
-          </p:nvSpPr>
-          <p:spPr>
-            <a:xfrm>
-              <a:off x="661187" y="1991896"/>
-              <a:ext cx="3515773" cy="785419"/>
-            </a:xfrm>
-            <a:prstGeom prst="rect">
-              <a:avLst/>
-            </a:prstGeom>
-            <a:noFill/>
-          </p:spPr>
-          <p:txBody>
-            <a:bodyPr wrap="square" rtlCol="0">
-              <a:spAutoFit/>
-            </a:bodyPr>
-            <a:lstStyle/>
-            <a:p>
-              <a:pPr algn="ctr"/>
-              <a:r>
-                <a:rPr lang="zh-TW" altLang="en-US" sz="4000" dirty="0">
-                  <a:cs typeface="+mn-ea"/>
-                  <a:sym typeface="+mn-lt"/>
-                </a:rPr>
-                <a:t>介面</a:t>
-              </a:r>
-              <a:r>
-                <a:rPr lang="zh-TW" altLang="en-US" sz="4000" dirty="0" smtClean="0">
-                  <a:cs typeface="+mn-ea"/>
-                  <a:sym typeface="+mn-lt"/>
-                </a:rPr>
-                <a:t>更改</a:t>
-              </a:r>
-              <a:r>
-                <a:rPr lang="en-US" altLang="zh-TW" sz="4000" dirty="0" smtClean="0">
-                  <a:cs typeface="+mn-ea"/>
-                  <a:sym typeface="+mn-lt"/>
-                </a:rPr>
-                <a:t>-</a:t>
-              </a:r>
-              <a:r>
-                <a:rPr lang="zh-TW" altLang="en-US" sz="4000" dirty="0" smtClean="0">
-                  <a:cs typeface="+mn-ea"/>
-                  <a:sym typeface="+mn-lt"/>
-                </a:rPr>
-                <a:t>環控設計</a:t>
-              </a:r>
-              <a:r>
-                <a:rPr lang="en-US" altLang="zh-TW" sz="4000" dirty="0" smtClean="0">
-                  <a:cs typeface="+mn-ea"/>
-                  <a:sym typeface="+mn-lt"/>
-                </a:rPr>
-                <a:t>(</a:t>
-              </a:r>
-              <a:r>
-                <a:rPr lang="zh-TW" altLang="en-US" sz="4000" dirty="0">
-                  <a:cs typeface="+mn-ea"/>
-                  <a:sym typeface="+mn-lt"/>
-                </a:rPr>
-                <a:t>溫</a:t>
-              </a:r>
-              <a:r>
-                <a:rPr lang="zh-TW" altLang="en-US" sz="4000" dirty="0" smtClean="0">
-                  <a:cs typeface="+mn-ea"/>
-                  <a:sym typeface="+mn-lt"/>
-                </a:rPr>
-                <a:t>環境</a:t>
-              </a:r>
-              <a:r>
-                <a:rPr lang="en-US" altLang="zh-TW" sz="4000" dirty="0" smtClean="0">
-                  <a:cs typeface="+mn-ea"/>
-                  <a:sym typeface="+mn-lt"/>
-                </a:rPr>
-                <a:t>)</a:t>
-              </a:r>
-              <a:endParaRPr lang="zh-CN" altLang="en-US" sz="4000" dirty="0">
-                <a:cs typeface="+mn-ea"/>
-                <a:sym typeface="+mn-lt"/>
-              </a:endParaRPr>
-            </a:p>
-          </p:txBody>
-        </p:sp>
-        <p:sp>
-          <p:nvSpPr>
-            <p:cNvPr id="5" name="文本框 4">
-              <a:extLst>
-                <a:ext uri="{FF2B5EF4-FFF2-40B4-BE49-F238E27FC236}">
-                  <a16:creationId xmlns="" xmlns:a16="http://schemas.microsoft.com/office/drawing/2014/main" id="{E7404F6D-3A40-4203-8F0A-6169C74FB4CA}"/>
-                </a:ext>
-              </a:extLst>
-            </p:cNvPr>
-            <p:cNvSpPr txBox="1"/>
-            <p:nvPr/>
-          </p:nvSpPr>
-          <p:spPr>
-            <a:xfrm>
-              <a:off x="793749" y="2699782"/>
-              <a:ext cx="3458623" cy="375635"/>
-            </a:xfrm>
-            <a:prstGeom prst="rect">
-              <a:avLst/>
-            </a:prstGeom>
-            <a:noFill/>
-          </p:spPr>
-          <p:txBody>
-            <a:bodyPr wrap="square">
-              <a:spAutoFit/>
-            </a:bodyPr>
-            <a:lstStyle/>
-            <a:p>
-              <a:pPr algn="ctr"/>
-              <a:r>
-                <a:rPr lang="en-US" altLang="zh-TW" sz="1600" dirty="0">
-                  <a:cs typeface="+mn-ea"/>
-                  <a:sym typeface="+mn-lt"/>
-                </a:rPr>
-                <a:t>Project </a:t>
-              </a:r>
-              <a:r>
-                <a:rPr lang="en-US" altLang="zh-TW" sz="1600" dirty="0" smtClean="0">
-                  <a:cs typeface="+mn-ea"/>
-                  <a:sym typeface="+mn-lt"/>
-                </a:rPr>
-                <a:t>designing</a:t>
-              </a:r>
-              <a:endParaRPr lang="zh-CN" altLang="en-US" sz="1600" dirty="0">
-                <a:cs typeface="+mn-ea"/>
-                <a:sym typeface="+mn-lt"/>
-              </a:endParaRPr>
-            </a:p>
-          </p:txBody>
-        </p:sp>
-      </p:grpSp>
-      <p:sp>
-        <p:nvSpPr>
-          <p:cNvPr id="7" name="文字方塊 6"/>
-          <p:cNvSpPr txBox="1"/>
-          <p:nvPr/>
-        </p:nvSpPr>
-        <p:spPr>
-          <a:xfrm>
-            <a:off x="64167" y="3080084"/>
-            <a:ext cx="4620127" cy="2308324"/>
-          </a:xfrm>
-          <a:prstGeom prst="rect">
-            <a:avLst/>
-          </a:prstGeom>
-          <a:noFill/>
-        </p:spPr>
-        <p:txBody>
-          <a:bodyPr wrap="square" rtlCol="0">
-            <a:spAutoFit/>
-          </a:bodyPr>
-          <a:lstStyle/>
-          <a:p>
-            <a:pPr marL="285750" indent="-285750">
-              <a:buFont typeface="Wingdings" panose="05000000000000000000" pitchFamily="2" charset="2"/>
-              <a:buChar char="l"/>
-            </a:pPr>
-            <a:r>
-              <a:rPr lang="zh-TW" altLang="en-US" dirty="0"/>
-              <a:t>將</a:t>
-            </a:r>
-            <a:r>
-              <a:rPr lang="zh-TW" altLang="en-US" dirty="0" smtClean="0"/>
-              <a:t>溫環境需求裡的風力的資訊拿掉</a:t>
-            </a:r>
-            <a:endParaRPr lang="en-US" altLang="zh-TW" dirty="0" smtClean="0"/>
-          </a:p>
-          <a:p>
-            <a:pPr marL="285750" indent="-285750">
-              <a:buFont typeface="Wingdings" panose="05000000000000000000" pitchFamily="2" charset="2"/>
-              <a:buChar char="l"/>
-            </a:pPr>
-            <a:endParaRPr lang="en-US" altLang="zh-TW" dirty="0"/>
-          </a:p>
-          <a:p>
-            <a:pPr marL="285750" indent="-285750">
-              <a:buFont typeface="Wingdings" panose="05000000000000000000" pitchFamily="2" charset="2"/>
-              <a:buChar char="l"/>
-            </a:pPr>
-            <a:r>
-              <a:rPr lang="zh-TW" altLang="en-US" dirty="0" smtClean="0"/>
-              <a:t>更改排版</a:t>
-            </a:r>
-            <a:endParaRPr lang="en-US" altLang="zh-TW" dirty="0" smtClean="0"/>
-          </a:p>
-          <a:p>
-            <a:pPr marL="285750" indent="-285750">
-              <a:buFont typeface="Wingdings" panose="05000000000000000000" pitchFamily="2" charset="2"/>
-              <a:buChar char="l"/>
-            </a:pPr>
-            <a:endParaRPr lang="en-US" altLang="zh-TW" dirty="0" smtClean="0"/>
-          </a:p>
-          <a:p>
-            <a:pPr marL="285750" indent="-285750">
-              <a:buFont typeface="Wingdings" panose="05000000000000000000" pitchFamily="2" charset="2"/>
-              <a:buChar char="l"/>
-            </a:pPr>
-            <a:r>
-              <a:rPr lang="zh-TW" altLang="en-US" dirty="0" smtClean="0"/>
-              <a:t>若沒有溫度設計的說明，之後的排版可能會將</a:t>
-            </a:r>
-            <a:r>
-              <a:rPr lang="en-US" altLang="zh-TW" dirty="0" smtClean="0"/>
-              <a:t>”</a:t>
-            </a:r>
-            <a:r>
-              <a:rPr lang="zh-TW" altLang="en-US" dirty="0" smtClean="0"/>
-              <a:t>溫環境需求</a:t>
-            </a:r>
-            <a:r>
-              <a:rPr lang="en-US" altLang="zh-TW" dirty="0" smtClean="0"/>
-              <a:t>”</a:t>
-            </a:r>
-            <a:r>
-              <a:rPr lang="zh-TW" altLang="en-US" dirty="0" smtClean="0"/>
-              <a:t>裡的資訊搬到</a:t>
-            </a:r>
-            <a:r>
-              <a:rPr lang="en-US" altLang="zh-TW" dirty="0" smtClean="0"/>
-              <a:t>”</a:t>
-            </a:r>
-            <a:r>
-              <a:rPr lang="zh-TW" altLang="en-US" dirty="0"/>
-              <a:t>各</a:t>
-            </a:r>
-            <a:r>
-              <a:rPr lang="zh-TW" altLang="en-US" dirty="0" smtClean="0"/>
-              <a:t>月作物與地區適合種植高低溫差值</a:t>
-            </a:r>
-            <a:r>
-              <a:rPr lang="en-US" altLang="zh-TW" dirty="0" smtClean="0"/>
-              <a:t>”</a:t>
-            </a:r>
-            <a:r>
-              <a:rPr lang="zh-TW" altLang="en-US" dirty="0" smtClean="0"/>
-              <a:t>表格的旁邊。</a:t>
-            </a:r>
-            <a:endParaRPr lang="en-US" altLang="zh-TW" dirty="0" smtClean="0"/>
-          </a:p>
-        </p:txBody>
-      </p:sp>
-      <p:pic>
-        <p:nvPicPr>
-          <p:cNvPr id="4098" name="Picture 2"/>
-          <p:cNvPicPr>
-            <a:picLocks noChangeAspect="1" noChangeArrowheads="1"/>
-          </p:cNvPicPr>
-          <p:nvPr/>
-        </p:nvPicPr>
-        <p:blipFill>
-          <a:blip r:embed="rId3" cstate="print">
-            <a:extLst>
-              <a:ext uri="{28A0092B-C50C-407E-A947-70E740481C1C}">
-                <a14:useLocalDpi xmlns:a14="http://schemas.microsoft.com/office/drawing/2010/main" val="0"/>
-              </a:ext>
-            </a:extLst>
-          </a:blip>
-          <a:srcRect/>
-          <a:stretch>
-            <a:fillRect/>
-          </a:stretch>
-        </p:blipFill>
-        <p:spPr bwMode="auto">
-          <a:xfrm>
-            <a:off x="4748463" y="1963852"/>
-            <a:ext cx="7443535" cy="3764413"/>
-          </a:xfrm>
-          <a:prstGeom prst="rect">
-            <a:avLst/>
-          </a:prstGeom>
-          <a:noFill/>
-          <a:ln>
-            <a:noFill/>
-          </a:ln>
-          <a:extLst>
-            <a:ext uri="{909E8E84-426E-40DD-AFC4-6F175D3DCCD1}">
-              <a14:hiddenFill xmlns:a14="http://schemas.microsoft.com/office/drawing/2010/main">
-                <a:solidFill>
-                  <a:schemeClr val="accent1"/>
-                </a:solidFill>
-              </a14:hiddenFill>
-            </a:ext>
-            <a:ext uri="{91240B29-F687-4F45-9708-019B960494DF}">
-              <a14:hiddenLine xmlns:a14="http://schemas.microsoft.com/office/drawing/2010/main" w="9525">
-                <a:solidFill>
-                  <a:schemeClr val="tx1"/>
-                </a:solidFill>
-                <a:miter lim="800000"/>
-                <a:headEnd/>
-                <a:tailEnd/>
-              </a14:hiddenLine>
-            </a:ext>
-          </a:extLst>
-        </p:spPr>
-      </p:pic>
-      <p:sp>
-        <p:nvSpPr>
-          <p:cNvPr id="6" name="矩形 5"/>
-          <p:cNvSpPr/>
-          <p:nvPr/>
-        </p:nvSpPr>
-        <p:spPr>
-          <a:xfrm>
-            <a:off x="5534526" y="2502568"/>
-            <a:ext cx="3192379" cy="1002632"/>
-          </a:xfrm>
-          <a:prstGeom prst="rect">
-            <a:avLst/>
-          </a:prstGeom>
-          <a:noFill/>
-          <a:ln>
-            <a:solidFill>
-              <a:srgbClr val="FF0000"/>
-            </a:solidFill>
-          </a:ln>
-        </p:spPr>
-        <p:style>
-          <a:lnRef idx="2">
-            <a:schemeClr val="accent1">
-              <a:shade val="50000"/>
-            </a:schemeClr>
-          </a:lnRef>
-          <a:fillRef idx="1">
-            <a:schemeClr val="accent1"/>
-          </a:fillRef>
-          <a:effectRef idx="0">
-            <a:schemeClr val="accent1"/>
-          </a:effectRef>
-          <a:fontRef idx="minor">
-            <a:schemeClr val="lt1"/>
-          </a:fontRef>
-        </p:style>
-        <p:txBody>
-          <a:bodyPr rtlCol="0" anchor="ctr"/>
-          <a:lstStyle/>
-          <a:p>
-            <a:pPr algn="ctr"/>
-            <a:endParaRPr lang="zh-TW" altLang="en-US">
-              <a:solidFill>
-                <a:srgbClr val="FF0000"/>
-              </a:solidFill>
-            </a:endParaRPr>
-          </a:p>
-        </p:txBody>
-      </p:sp>
-      <p:cxnSp>
-        <p:nvCxnSpPr>
-          <p:cNvPr id="9" name="直線單箭頭接點 8"/>
-          <p:cNvCxnSpPr/>
-          <p:nvPr/>
-        </p:nvCxnSpPr>
-        <p:spPr>
-          <a:xfrm>
-            <a:off x="7379368" y="3505200"/>
-            <a:ext cx="1347537" cy="1620253"/>
-          </a:xfrm>
-          <a:prstGeom prst="straightConnector1">
-            <a:avLst/>
-          </a:prstGeom>
-          <a:ln>
-            <a:tailEnd type="arrow"/>
-          </a:ln>
-        </p:spPr>
-        <p:style>
-          <a:lnRef idx="1">
-            <a:schemeClr val="accent1"/>
-          </a:lnRef>
-          <a:fillRef idx="0">
-            <a:schemeClr val="accent1"/>
-          </a:fillRef>
-          <a:effectRef idx="0">
-            <a:schemeClr val="accent1"/>
-          </a:effectRef>
-          <a:fontRef idx="minor">
-            <a:schemeClr val="tx1"/>
-          </a:fontRef>
-        </p:style>
-      </p:cxnSp>
-      <p:sp>
-        <p:nvSpPr>
-          <p:cNvPr id="12" name="矩形 11"/>
-          <p:cNvSpPr/>
-          <p:nvPr/>
-        </p:nvSpPr>
-        <p:spPr>
-          <a:xfrm>
-            <a:off x="7708232" y="5125453"/>
-            <a:ext cx="4251157" cy="501316"/>
-          </a:xfrm>
-          <a:prstGeom prst="rect">
-            <a:avLst/>
-          </a:prstGeom>
-          <a:noFill/>
-          <a:ln>
-            <a:solidFill>
-              <a:srgbClr val="FF0000"/>
-            </a:solidFill>
-          </a:ln>
-        </p:spPr>
-        <p:style>
-          <a:lnRef idx="2">
-            <a:schemeClr val="accent1">
-              <a:shade val="50000"/>
-            </a:schemeClr>
-          </a:lnRef>
-          <a:fillRef idx="1">
-            <a:schemeClr val="accent1"/>
-          </a:fillRef>
-          <a:effectRef idx="0">
-            <a:schemeClr val="accent1"/>
-          </a:effectRef>
-          <a:fontRef idx="minor">
-            <a:schemeClr val="lt1"/>
-          </a:fontRef>
-        </p:style>
-        <p:txBody>
-          <a:bodyPr rtlCol="0" anchor="ctr"/>
-          <a:lstStyle/>
-          <a:p>
-            <a:pPr algn="ctr"/>
-            <a:endParaRPr lang="zh-TW" altLang="en-US">
-              <a:solidFill>
-                <a:srgbClr val="FF0000"/>
-              </a:solidFill>
-            </a:endParaRPr>
-          </a:p>
-        </p:txBody>
-      </p:sp>
-      <p:sp>
-        <p:nvSpPr>
-          <p:cNvPr id="10" name="文字方塊 9"/>
-          <p:cNvSpPr txBox="1"/>
-          <p:nvPr/>
-        </p:nvSpPr>
-        <p:spPr>
-          <a:xfrm>
-            <a:off x="8943473" y="2680718"/>
-            <a:ext cx="3088105" cy="646331"/>
-          </a:xfrm>
-          <a:prstGeom prst="rect">
-            <a:avLst/>
-          </a:prstGeom>
-          <a:noFill/>
-        </p:spPr>
-        <p:txBody>
-          <a:bodyPr wrap="square" rtlCol="0">
-            <a:spAutoFit/>
-          </a:bodyPr>
-          <a:lstStyle/>
-          <a:p>
-            <a:r>
-              <a:rPr lang="zh-TW" altLang="en-US" dirty="0" smtClean="0">
-                <a:solidFill>
-                  <a:srgbClr val="FF0000"/>
-                </a:solidFill>
-              </a:rPr>
-              <a:t>若有溫度設計的介紹，之後會放在這並沿用目前的排版</a:t>
-            </a:r>
-            <a:endParaRPr lang="zh-TW" altLang="en-US" dirty="0">
-              <a:solidFill>
-                <a:srgbClr val="FF0000"/>
-              </a:solidFill>
-            </a:endParaRPr>
-          </a:p>
-        </p:txBody>
-      </p:sp>
-    </p:spTree>
-    <p:custDataLst>
-      <p:tags r:id="rId1"/>
-    </p:custDataLst>
-    <p:extLst>
-      <p:ext uri="{BB962C8B-B14F-4D97-AF65-F5344CB8AC3E}">
-        <p14:creationId xmlns:p14="http://schemas.microsoft.com/office/powerpoint/2010/main" val="2322611090"/>
-      </p:ext>
-    </p:extLst>
-  </p:cSld>
-  <p:clrMapOvr>
-    <a:masterClrMapping/>
-  </p:clrMapOvr>
-  <mc:AlternateContent xmlns:mc="http://schemas.openxmlformats.org/markup-compatibility/2006" xmlns:p14="http://schemas.microsoft.com/office/powerpoint/2010/main">
-    <mc:Choice Requires="p14">
-      <p:transition spd="slow" p14:dur="1500" advTm="3414">
-        <p:random/>
-      </p:transition>
-    </mc:Choice>
-    <mc:Fallback xmlns="" xmlns:a16="http://schemas.microsoft.com/office/drawing/2014/main" xmlns:a14="http://schemas.microsoft.com/office/drawing/2010/main">
-      <p:transition spd="slow" advTm="3414">
-        <p:random/>
-      </p:transition>
-    </mc:Fallback>
-  </mc:AlternateContent>
-  <p:timing>
-    <p:tnLst>
-      <p:par>
-        <p:cTn id="1" dur="indefinite" restart="never" nodeType="tmRoot">
-          <p:childTnLst>
-            <p:seq concurrent="1" nextAc="seek">
-              <p:cTn id="2" dur="indefinite" nodeType="mainSeq">
-                <p:childTnLst>
-                  <p:par>
-                    <p:cTn id="3" fill="hold">
-                      <p:stCondLst>
-                        <p:cond delay="indefinite"/>
-                      </p:stCondLst>
-                      <p:childTnLst>
-                        <p:par>
-                          <p:cTn id="4" fill="hold">
-                            <p:stCondLst>
-                              <p:cond delay="0"/>
-                            </p:stCondLst>
-                            <p:childTnLst>
-                              <p:par>
-                                <p:cTn id="5" presetID="16" presetClass="entr" presetSubtype="37" fill="hold" grpId="0" nodeType="clickEffect">
-                                  <p:stCondLst>
-                                    <p:cond delay="0"/>
-                                  </p:stCondLst>
-                                  <p:childTnLst>
-                                    <p:set>
-                                      <p:cBhvr>
-                                        <p:cTn id="6" dur="1" fill="hold">
-                                          <p:stCondLst>
-                                            <p:cond delay="0"/>
-                                          </p:stCondLst>
-                                        </p:cTn>
-                                        <p:tgtEl>
-                                          <p:spTgt spid="2"/>
-                                        </p:tgtEl>
-                                        <p:attrNameLst>
-                                          <p:attrName>style.visibility</p:attrName>
-                                        </p:attrNameLst>
-                                      </p:cBhvr>
-                                      <p:to>
-                                        <p:strVal val="visible"/>
-                                      </p:to>
-                                    </p:set>
-                                    <p:animEffect transition="in" filter="barn(outVertical)">
-                                      <p:cBhvr>
-                                        <p:cTn id="7" dur="500"/>
-                                        <p:tgtEl>
-                                          <p:spTgt spid="2"/>
-                                        </p:tgtEl>
-                                      </p:cBhvr>
-                                    </p:animEffect>
-                                  </p:childTnLst>
-                                </p:cTn>
-                              </p:par>
-                            </p:childTnLst>
-                          </p:cTn>
-                        </p:par>
-                      </p:childTnLst>
-                    </p:cTn>
-                  </p:par>
-                  <p:par>
-                    <p:cTn id="8" fill="hold">
-                      <p:stCondLst>
-                        <p:cond delay="indefinite"/>
-                      </p:stCondLst>
-                      <p:childTnLst>
-                        <p:par>
-                          <p:cTn id="9" fill="hold">
-                            <p:stCondLst>
-                              <p:cond delay="0"/>
-                            </p:stCondLst>
-                            <p:childTnLst>
-                              <p:par>
-                                <p:cTn id="10" presetID="22" presetClass="entr" presetSubtype="8" fill="hold" nodeType="clickEffect">
-                                  <p:stCondLst>
-                                    <p:cond delay="0"/>
-                                  </p:stCondLst>
-                                  <p:childTnLst>
-                                    <p:set>
-                                      <p:cBhvr>
-                                        <p:cTn id="11" dur="1" fill="hold">
-                                          <p:stCondLst>
-                                            <p:cond delay="0"/>
-                                          </p:stCondLst>
-                                        </p:cTn>
-                                        <p:tgtEl>
-                                          <p:spTgt spid="3"/>
-                                        </p:tgtEl>
-                                        <p:attrNameLst>
-                                          <p:attrName>style.visibility</p:attrName>
-                                        </p:attrNameLst>
-                                      </p:cBhvr>
-                                      <p:to>
-                                        <p:strVal val="visible"/>
-                                      </p:to>
-                                    </p:set>
-                                    <p:animEffect transition="in" filter="wipe(left)">
-                                      <p:cBhvr>
-                                        <p:cTn id="12" dur="500"/>
-                                        <p:tgtEl>
-                                          <p:spTgt spid="3"/>
-                                        </p:tgtEl>
-                                      </p:cBhvr>
-                                    </p:animEffect>
-                                  </p:childTnLst>
-                                </p:cTn>
-                              </p:par>
-                            </p:childTnLst>
-                          </p:cTn>
-                        </p:par>
-                      </p:childTnLst>
-                    </p:cTn>
-                  </p:par>
-                </p:childTnLst>
-              </p:cTn>
-              <p:prevCondLst>
-                <p:cond evt="onPrev" delay="0">
-                  <p:tgtEl>
-                    <p:sldTgt/>
-                  </p:tgtEl>
-                </p:cond>
-              </p:prevCondLst>
-              <p:nextCondLst>
-                <p:cond evt="onNext" delay="0">
-                  <p:tgtEl>
-                    <p:sldTgt/>
-                  </p:tgtEl>
-                </p:cond>
-              </p:nextCondLst>
-            </p:seq>
-          </p:childTnLst>
-        </p:cTn>
-      </p:par>
-    </p:tnLst>
-    <p:bldLst>
-      <p:bldP spid="2" grpId="0" animBg="1"/>
-    </p:bldLst>
-  </p:timing>
-</p:sld>
-</file>
-
-<file path=ppt/slides/slide7.xml><?xml version="1.0" encoding="utf-8"?>
-<p:sld xmlns:a="http://schemas.openxmlformats.org/drawingml/2006/main" xmlns:r="http://schemas.openxmlformats.org/officeDocument/2006/relationships" xmlns:p="http://schemas.openxmlformats.org/presentationml/2006/main">
-  <p:cSld>
-    <p:spTree>
-      <p:nvGrpSpPr>
-        <p:cNvPr id="1" name=""/>
-        <p:cNvGrpSpPr/>
-        <p:nvPr/>
-      </p:nvGrpSpPr>
-      <p:grpSpPr>
-        <a:xfrm>
-          <a:off x="0" y="0"/>
-          <a:ext cx="0" cy="0"/>
-          <a:chOff x="0" y="0"/>
-          <a:chExt cx="0" cy="0"/>
-        </a:xfrm>
-      </p:grpSpPr>
-      <p:sp>
-        <p:nvSpPr>
-          <p:cNvPr id="2" name="矩形 1">
-            <a:extLst>
-              <a:ext uri="{FF2B5EF4-FFF2-40B4-BE49-F238E27FC236}">
-                <a16:creationId xmlns="" xmlns:a16="http://schemas.microsoft.com/office/drawing/2014/main" id="{6130B33B-FCB5-4AFA-8175-BA08126D80E1}"/>
-              </a:ext>
-            </a:extLst>
-          </p:cNvPr>
-          <p:cNvSpPr/>
-          <p:nvPr/>
-        </p:nvSpPr>
-        <p:spPr>
-          <a:xfrm>
-            <a:off x="5029198" y="493630"/>
-            <a:ext cx="2133600" cy="228600"/>
-          </a:xfrm>
-          <a:prstGeom prst="rect">
-            <a:avLst/>
-          </a:prstGeom>
-          <a:solidFill>
-            <a:schemeClr val="tx1">
-              <a:lumMod val="75000"/>
-              <a:lumOff val="25000"/>
-            </a:schemeClr>
-          </a:solidFill>
-          <a:ln>
-            <a:noFill/>
-          </a:ln>
-        </p:spPr>
-        <p:style>
-          <a:lnRef idx="2">
-            <a:schemeClr val="accent1">
-              <a:shade val="50000"/>
-            </a:schemeClr>
-          </a:lnRef>
-          <a:fillRef idx="1">
-            <a:schemeClr val="accent1"/>
-          </a:fillRef>
-          <a:effectRef idx="0">
-            <a:schemeClr val="accent1"/>
-          </a:effectRef>
-          <a:fontRef idx="minor">
-            <a:schemeClr val="lt1"/>
-          </a:fontRef>
-        </p:style>
-        <p:txBody>
-          <a:bodyPr rtlCol="0" anchor="ctr"/>
-          <a:lstStyle/>
-          <a:p>
-            <a:pPr algn="ctr"/>
-            <a:endParaRPr lang="zh-CN" altLang="en-US">
-              <a:cs typeface="+mn-ea"/>
-              <a:sym typeface="+mn-lt"/>
-            </a:endParaRPr>
-          </a:p>
-        </p:txBody>
-      </p:sp>
-      <p:grpSp>
-        <p:nvGrpSpPr>
-          <p:cNvPr id="3" name="组合 2">
-            <a:extLst>
-              <a:ext uri="{FF2B5EF4-FFF2-40B4-BE49-F238E27FC236}">
-                <a16:creationId xmlns="" xmlns:a16="http://schemas.microsoft.com/office/drawing/2014/main" id="{CF3B8F59-C87E-48F7-911B-3FCC3B1922F9}"/>
-              </a:ext>
-            </a:extLst>
-          </p:cNvPr>
-          <p:cNvGrpSpPr/>
-          <p:nvPr/>
-        </p:nvGrpSpPr>
-        <p:grpSpPr>
-          <a:xfrm>
-            <a:off x="2754561" y="787600"/>
-            <a:ext cx="6875378" cy="976561"/>
-            <a:chOff x="661187" y="1991896"/>
-            <a:chExt cx="3591185" cy="1083521"/>
-          </a:xfrm>
-        </p:grpSpPr>
-        <p:sp>
-          <p:nvSpPr>
-            <p:cNvPr id="4" name="文本框 3">
-              <a:extLst>
-                <a:ext uri="{FF2B5EF4-FFF2-40B4-BE49-F238E27FC236}">
-                  <a16:creationId xmlns="" xmlns:a16="http://schemas.microsoft.com/office/drawing/2014/main" id="{F069F7C5-7C6B-4416-BA43-7E9FF2B95F70}"/>
-                </a:ext>
-              </a:extLst>
-            </p:cNvPr>
-            <p:cNvSpPr txBox="1"/>
-            <p:nvPr/>
-          </p:nvSpPr>
-          <p:spPr>
-            <a:xfrm>
-              <a:off x="661187" y="1991896"/>
-              <a:ext cx="3515773" cy="785419"/>
-            </a:xfrm>
-            <a:prstGeom prst="rect">
-              <a:avLst/>
-            </a:prstGeom>
-            <a:noFill/>
-          </p:spPr>
-          <p:txBody>
-            <a:bodyPr wrap="square" rtlCol="0">
-              <a:spAutoFit/>
-            </a:bodyPr>
-            <a:lstStyle/>
-            <a:p>
-              <a:pPr algn="ctr"/>
-              <a:r>
-                <a:rPr lang="zh-TW" altLang="en-US" sz="4000" dirty="0" smtClean="0">
-                  <a:cs typeface="+mn-ea"/>
-                  <a:sym typeface="+mn-lt"/>
-                </a:rPr>
-                <a:t>環控設計的問題</a:t>
-              </a:r>
-              <a:endParaRPr lang="zh-CN" altLang="en-US" sz="4000" dirty="0">
-                <a:cs typeface="+mn-ea"/>
-                <a:sym typeface="+mn-lt"/>
-              </a:endParaRPr>
-            </a:p>
-          </p:txBody>
-        </p:sp>
-        <p:sp>
-          <p:nvSpPr>
-            <p:cNvPr id="5" name="文本框 4">
-              <a:extLst>
-                <a:ext uri="{FF2B5EF4-FFF2-40B4-BE49-F238E27FC236}">
-                  <a16:creationId xmlns="" xmlns:a16="http://schemas.microsoft.com/office/drawing/2014/main" id="{E7404F6D-3A40-4203-8F0A-6169C74FB4CA}"/>
-                </a:ext>
-              </a:extLst>
-            </p:cNvPr>
-            <p:cNvSpPr txBox="1"/>
-            <p:nvPr/>
-          </p:nvSpPr>
-          <p:spPr>
-            <a:xfrm>
-              <a:off x="793749" y="2699782"/>
-              <a:ext cx="3458623" cy="375635"/>
-            </a:xfrm>
-            <a:prstGeom prst="rect">
-              <a:avLst/>
-            </a:prstGeom>
-            <a:noFill/>
-          </p:spPr>
-          <p:txBody>
-            <a:bodyPr wrap="square">
-              <a:spAutoFit/>
-            </a:bodyPr>
-            <a:lstStyle/>
-            <a:p>
-              <a:pPr algn="ctr"/>
-              <a:r>
-                <a:rPr lang="en-US" altLang="zh-TW" sz="1600" dirty="0" smtClean="0">
-                  <a:cs typeface="+mn-ea"/>
-                  <a:sym typeface="+mn-lt"/>
-                </a:rPr>
-                <a:t>Project</a:t>
-              </a:r>
-              <a:r>
-                <a:rPr lang="zh-TW" altLang="en-US" sz="1600" dirty="0" smtClean="0">
-                  <a:cs typeface="+mn-ea"/>
-                  <a:sym typeface="+mn-lt"/>
-                </a:rPr>
-                <a:t> </a:t>
-              </a:r>
-              <a:r>
-                <a:rPr lang="en-US" altLang="zh-TW" sz="1600" dirty="0" smtClean="0">
-                  <a:cs typeface="+mn-ea"/>
-                  <a:sym typeface="+mn-lt"/>
-                </a:rPr>
-                <a:t>problem</a:t>
-              </a:r>
-              <a:endParaRPr lang="zh-CN" altLang="en-US" sz="1600" dirty="0">
-                <a:cs typeface="+mn-ea"/>
-                <a:sym typeface="+mn-lt"/>
-              </a:endParaRPr>
-            </a:p>
-          </p:txBody>
-        </p:sp>
-      </p:grpSp>
-      <p:pic>
-        <p:nvPicPr>
-          <p:cNvPr id="5122" name="Picture 2" descr="C:\Users\uc_pub\Downloads\S__40615938.jpg"/>
-          <p:cNvPicPr>
-            <a:picLocks noChangeAspect="1" noChangeArrowheads="1"/>
-          </p:cNvPicPr>
-          <p:nvPr/>
-        </p:nvPicPr>
-        <p:blipFill>
-          <a:blip r:embed="rId3">
-            <a:extLst>
-              <a:ext uri="{28A0092B-C50C-407E-A947-70E740481C1C}">
-                <a14:useLocalDpi xmlns:a14="http://schemas.microsoft.com/office/drawing/2010/main" val="0"/>
-              </a:ext>
-            </a:extLst>
-          </a:blip>
-          <a:srcRect/>
-          <a:stretch>
-            <a:fillRect/>
-          </a:stretch>
-        </p:blipFill>
-        <p:spPr bwMode="auto">
-          <a:xfrm>
-            <a:off x="3267076" y="1764161"/>
-            <a:ext cx="6743700" cy="5093839"/>
-          </a:xfrm>
-          <a:prstGeom prst="rect">
-            <a:avLst/>
-          </a:prstGeom>
-          <a:noFill/>
-          <a:extLst>
-            <a:ext uri="{909E8E84-426E-40DD-AFC4-6F175D3DCCD1}">
-              <a14:hiddenFill xmlns:a14="http://schemas.microsoft.com/office/drawing/2010/main">
-                <a:solidFill>
-                  <a:srgbClr val="FFFFFF"/>
-                </a:solidFill>
-              </a14:hiddenFill>
-            </a:ext>
-          </a:extLst>
-        </p:spPr>
-      </p:pic>
-    </p:spTree>
-    <p:custDataLst>
-      <p:tags r:id="rId1"/>
-    </p:custDataLst>
-    <p:extLst>
-      <p:ext uri="{BB962C8B-B14F-4D97-AF65-F5344CB8AC3E}">
-        <p14:creationId xmlns:p14="http://schemas.microsoft.com/office/powerpoint/2010/main" val="3616440388"/>
-      </p:ext>
-    </p:extLst>
-  </p:cSld>
-  <p:clrMapOvr>
-    <a:masterClrMapping/>
-  </p:clrMapOvr>
-  <mc:AlternateContent xmlns:mc="http://schemas.openxmlformats.org/markup-compatibility/2006" xmlns:p14="http://schemas.microsoft.com/office/powerpoint/2010/main">
-    <mc:Choice Requires="p14">
-      <p:transition spd="slow" p14:dur="1500" advTm="3414">
-        <p:random/>
-      </p:transition>
-    </mc:Choice>
-    <mc:Fallback xmlns="" xmlns:a16="http://schemas.microsoft.com/office/drawing/2014/main" xmlns:a14="http://schemas.microsoft.com/office/drawing/2010/main">
-      <p:transition spd="slow" advTm="3414">
-        <p:random/>
-      </p:transition>
-    </mc:Fallback>
-  </mc:AlternateContent>
-  <p:timing>
-    <p:tnLst>
-      <p:par>
-        <p:cTn id="1" dur="indefinite" restart="never" nodeType="tmRoot">
-          <p:childTnLst>
-            <p:seq concurrent="1" nextAc="seek">
-              <p:cTn id="2" dur="indefinite" nodeType="mainSeq">
-                <p:childTnLst>
-                  <p:par>
-                    <p:cTn id="3" fill="hold">
-                      <p:stCondLst>
-                        <p:cond delay="indefinite"/>
-                      </p:stCondLst>
-                      <p:childTnLst>
-                        <p:par>
-                          <p:cTn id="4" fill="hold">
-                            <p:stCondLst>
-                              <p:cond delay="0"/>
-                            </p:stCondLst>
-                            <p:childTnLst>
-                              <p:par>
-                                <p:cTn id="5" presetID="16" presetClass="entr" presetSubtype="37" fill="hold" grpId="0" nodeType="clickEffect">
-                                  <p:stCondLst>
-                                    <p:cond delay="0"/>
-                                  </p:stCondLst>
-                                  <p:childTnLst>
-                                    <p:set>
-                                      <p:cBhvr>
-                                        <p:cTn id="6" dur="1" fill="hold">
-                                          <p:stCondLst>
-                                            <p:cond delay="0"/>
-                                          </p:stCondLst>
-                                        </p:cTn>
-                                        <p:tgtEl>
-                                          <p:spTgt spid="2"/>
-                                        </p:tgtEl>
-                                        <p:attrNameLst>
-                                          <p:attrName>style.visibility</p:attrName>
-                                        </p:attrNameLst>
-                                      </p:cBhvr>
-                                      <p:to>
-                                        <p:strVal val="visible"/>
-                                      </p:to>
-                                    </p:set>
-                                    <p:animEffect transition="in" filter="barn(outVertical)">
-                                      <p:cBhvr>
-                                        <p:cTn id="7" dur="500"/>
-                                        <p:tgtEl>
-                                          <p:spTgt spid="2"/>
-                                        </p:tgtEl>
-                                      </p:cBhvr>
-                                    </p:animEffect>
-                                  </p:childTnLst>
-                                </p:cTn>
-                              </p:par>
-                            </p:childTnLst>
-                          </p:cTn>
-                        </p:par>
-                      </p:childTnLst>
-                    </p:cTn>
-                  </p:par>
-                  <p:par>
-                    <p:cTn id="8" fill="hold">
-                      <p:stCondLst>
-                        <p:cond delay="indefinite"/>
-                      </p:stCondLst>
-                      <p:childTnLst>
-                        <p:par>
-                          <p:cTn id="9" fill="hold">
-                            <p:stCondLst>
-                              <p:cond delay="0"/>
-                            </p:stCondLst>
-                            <p:childTnLst>
-                              <p:par>
-                                <p:cTn id="10" presetID="22" presetClass="entr" presetSubtype="8" fill="hold" nodeType="clickEffect">
-                                  <p:stCondLst>
-                                    <p:cond delay="0"/>
-                                  </p:stCondLst>
-                                  <p:childTnLst>
-                                    <p:set>
-                                      <p:cBhvr>
-                                        <p:cTn id="11" dur="1" fill="hold">
-                                          <p:stCondLst>
-                                            <p:cond delay="0"/>
-                                          </p:stCondLst>
-                                        </p:cTn>
-                                        <p:tgtEl>
-                                          <p:spTgt spid="3"/>
-                                        </p:tgtEl>
-                                        <p:attrNameLst>
-                                          <p:attrName>style.visibility</p:attrName>
-                                        </p:attrNameLst>
-                                      </p:cBhvr>
-                                      <p:to>
-                                        <p:strVal val="visible"/>
-                                      </p:to>
-                                    </p:set>
-                                    <p:animEffect transition="in" filter="wipe(left)">
-                                      <p:cBhvr>
-                                        <p:cTn id="12" dur="500"/>
-                                        <p:tgtEl>
-                                          <p:spTgt spid="3"/>
-                                        </p:tgtEl>
-                                      </p:cBhvr>
-                                    </p:animEffect>
-                                  </p:childTnLst>
-                                </p:cTn>
-                              </p:par>
-                            </p:childTnLst>
-                          </p:cTn>
-                        </p:par>
-                      </p:childTnLst>
-                    </p:cTn>
-                  </p:par>
-                </p:childTnLst>
-              </p:cTn>
-              <p:prevCondLst>
-                <p:cond evt="onPrev" delay="0">
-                  <p:tgtEl>
-                    <p:sldTgt/>
-                  </p:tgtEl>
-                </p:cond>
-              </p:prevCondLst>
-              <p:nextCondLst>
-                <p:cond evt="onNext" delay="0">
-                  <p:tgtEl>
-                    <p:sldTgt/>
-                  </p:tgtEl>
-                </p:cond>
-              </p:nextCondLst>
-            </p:seq>
-          </p:childTnLst>
-        </p:cTn>
-      </p:par>
-    </p:tnLst>
-    <p:bldLst>
-      <p:bldP spid="2" grpId="0" animBg="1"/>
-    </p:bldLst>
-  </p:timing>
-</p:sld>
-</file>
-
-<file path=ppt/slides/slide8.xml><?xml version="1.0" encoding="utf-8"?>
-<p:sld xmlns:a="http://schemas.openxmlformats.org/drawingml/2006/main" xmlns:r="http://schemas.openxmlformats.org/officeDocument/2006/relationships" xmlns:p="http://schemas.openxmlformats.org/presentationml/2006/main">
-  <p:cSld>
-    <p:spTree>
-      <p:nvGrpSpPr>
-        <p:cNvPr id="1" name=""/>
-        <p:cNvGrpSpPr/>
-        <p:nvPr/>
-      </p:nvGrpSpPr>
-      <p:grpSpPr>
-        <a:xfrm>
-          <a:off x="0" y="0"/>
-          <a:ext cx="0" cy="0"/>
-          <a:chOff x="0" y="0"/>
-          <a:chExt cx="0" cy="0"/>
-        </a:xfrm>
-      </p:grpSpPr>
-      <p:sp>
-        <p:nvSpPr>
-          <p:cNvPr id="2" name="矩形 1">
-            <a:extLst>
-              <a:ext uri="{FF2B5EF4-FFF2-40B4-BE49-F238E27FC236}">
-                <a16:creationId xmlns="" xmlns:a16="http://schemas.microsoft.com/office/drawing/2014/main" id="{6130B33B-FCB5-4AFA-8175-BA08126D80E1}"/>
-              </a:ext>
-            </a:extLst>
-          </p:cNvPr>
-          <p:cNvSpPr/>
-          <p:nvPr/>
-        </p:nvSpPr>
-        <p:spPr>
-          <a:xfrm>
-            <a:off x="5029198" y="493630"/>
-            <a:ext cx="2133600" cy="228600"/>
-          </a:xfrm>
-          <a:prstGeom prst="rect">
-            <a:avLst/>
-          </a:prstGeom>
-          <a:solidFill>
-            <a:schemeClr val="tx1">
-              <a:lumMod val="75000"/>
-              <a:lumOff val="25000"/>
-            </a:schemeClr>
-          </a:solidFill>
-          <a:ln>
-            <a:noFill/>
-          </a:ln>
-        </p:spPr>
-        <p:style>
-          <a:lnRef idx="2">
-            <a:schemeClr val="accent1">
-              <a:shade val="50000"/>
-            </a:schemeClr>
-          </a:lnRef>
-          <a:fillRef idx="1">
-            <a:schemeClr val="accent1"/>
-          </a:fillRef>
-          <a:effectRef idx="0">
-            <a:schemeClr val="accent1"/>
-          </a:effectRef>
-          <a:fontRef idx="minor">
-            <a:schemeClr val="lt1"/>
-          </a:fontRef>
-        </p:style>
-        <p:txBody>
-          <a:bodyPr rtlCol="0" anchor="ctr"/>
-          <a:lstStyle/>
-          <a:p>
-            <a:pPr algn="ctr"/>
-            <a:endParaRPr lang="zh-CN" altLang="en-US">
-              <a:cs typeface="+mn-ea"/>
-              <a:sym typeface="+mn-lt"/>
-            </a:endParaRPr>
-          </a:p>
-        </p:txBody>
-      </p:sp>
-      <p:grpSp>
-        <p:nvGrpSpPr>
-          <p:cNvPr id="3" name="组合 2">
-            <a:extLst>
-              <a:ext uri="{FF2B5EF4-FFF2-40B4-BE49-F238E27FC236}">
-                <a16:creationId xmlns="" xmlns:a16="http://schemas.microsoft.com/office/drawing/2014/main" id="{CF3B8F59-C87E-48F7-911B-3FCC3B1922F9}"/>
-              </a:ext>
-            </a:extLst>
-          </p:cNvPr>
-          <p:cNvGrpSpPr/>
-          <p:nvPr/>
-        </p:nvGrpSpPr>
-        <p:grpSpPr>
-          <a:xfrm>
-            <a:off x="2754561" y="787600"/>
-            <a:ext cx="6731001" cy="976561"/>
-            <a:chOff x="661187" y="1991896"/>
-            <a:chExt cx="3515773" cy="1083521"/>
-          </a:xfrm>
-        </p:grpSpPr>
-        <p:sp>
-          <p:nvSpPr>
-            <p:cNvPr id="4" name="文本框 3">
-              <a:extLst>
-                <a:ext uri="{FF2B5EF4-FFF2-40B4-BE49-F238E27FC236}">
-                  <a16:creationId xmlns="" xmlns:a16="http://schemas.microsoft.com/office/drawing/2014/main" id="{F069F7C5-7C6B-4416-BA43-7E9FF2B95F70}"/>
-                </a:ext>
-              </a:extLst>
-            </p:cNvPr>
-            <p:cNvSpPr txBox="1"/>
-            <p:nvPr/>
-          </p:nvSpPr>
-          <p:spPr>
-            <a:xfrm>
-              <a:off x="661187" y="1991896"/>
-              <a:ext cx="3515773" cy="785419"/>
-            </a:xfrm>
-            <a:prstGeom prst="rect">
-              <a:avLst/>
-            </a:prstGeom>
-            <a:noFill/>
-          </p:spPr>
-          <p:txBody>
-            <a:bodyPr wrap="square" rtlCol="0">
-              <a:spAutoFit/>
-            </a:bodyPr>
-            <a:lstStyle/>
-            <a:p>
-              <a:pPr algn="ctr"/>
-              <a:r>
-                <a:rPr lang="zh-TW" altLang="en-US" sz="4000" dirty="0" smtClean="0">
-                  <a:cs typeface="+mn-ea"/>
-                  <a:sym typeface="+mn-lt"/>
-                </a:rPr>
-                <a:t>系統頁尾</a:t>
-              </a:r>
-              <a:endParaRPr lang="zh-CN" altLang="en-US" sz="4000" dirty="0">
-                <a:cs typeface="+mn-ea"/>
-                <a:sym typeface="+mn-lt"/>
-              </a:endParaRPr>
-            </a:p>
-          </p:txBody>
-        </p:sp>
-        <p:sp>
-          <p:nvSpPr>
-            <p:cNvPr id="5" name="文本框 4">
-              <a:extLst>
-                <a:ext uri="{FF2B5EF4-FFF2-40B4-BE49-F238E27FC236}">
-                  <a16:creationId xmlns="" xmlns:a16="http://schemas.microsoft.com/office/drawing/2014/main" id="{E7404F6D-3A40-4203-8F0A-6169C74FB4CA}"/>
-                </a:ext>
-              </a:extLst>
-            </p:cNvPr>
-            <p:cNvSpPr txBox="1"/>
-            <p:nvPr/>
-          </p:nvSpPr>
-          <p:spPr>
-            <a:xfrm>
-              <a:off x="689761" y="2699782"/>
-              <a:ext cx="3458623" cy="375635"/>
-            </a:xfrm>
-            <a:prstGeom prst="rect">
-              <a:avLst/>
-            </a:prstGeom>
-            <a:noFill/>
-          </p:spPr>
-          <p:txBody>
-            <a:bodyPr wrap="square">
-              <a:spAutoFit/>
-            </a:bodyPr>
-            <a:lstStyle/>
-            <a:p>
-              <a:pPr algn="ctr"/>
-              <a:r>
-                <a:rPr lang="en-US" altLang="zh-TW" sz="1600" dirty="0" smtClean="0">
-                  <a:cs typeface="+mn-ea"/>
-                  <a:sym typeface="+mn-lt"/>
-                </a:rPr>
-                <a:t>Project</a:t>
-              </a:r>
-              <a:r>
-                <a:rPr lang="zh-TW" altLang="en-US" sz="1600" dirty="0" smtClean="0">
-                  <a:cs typeface="+mn-ea"/>
-                  <a:sym typeface="+mn-lt"/>
-                </a:rPr>
-                <a:t> </a:t>
-              </a:r>
-              <a:r>
-                <a:rPr lang="en-US" altLang="zh-TW" sz="1600" dirty="0" smtClean="0">
-                  <a:cs typeface="+mn-ea"/>
-                  <a:sym typeface="+mn-lt"/>
-                </a:rPr>
-                <a:t>changing</a:t>
-              </a:r>
-              <a:endParaRPr lang="zh-CN" altLang="en-US" sz="1600" dirty="0">
-                <a:cs typeface="+mn-ea"/>
-                <a:sym typeface="+mn-lt"/>
-              </a:endParaRPr>
-            </a:p>
-          </p:txBody>
-        </p:sp>
-      </p:grpSp>
-      <p:pic>
-        <p:nvPicPr>
-          <p:cNvPr id="6146" name="Picture 2"/>
-          <p:cNvPicPr>
-            <a:picLocks noChangeAspect="1" noChangeArrowheads="1"/>
-          </p:cNvPicPr>
-          <p:nvPr/>
-        </p:nvPicPr>
-        <p:blipFill>
-          <a:blip r:embed="rId3">
-            <a:extLst>
-              <a:ext uri="{28A0092B-C50C-407E-A947-70E740481C1C}">
-                <a14:useLocalDpi xmlns:a14="http://schemas.microsoft.com/office/drawing/2010/main" val="0"/>
-              </a:ext>
-            </a:extLst>
-          </a:blip>
-          <a:srcRect/>
-          <a:stretch>
-            <a:fillRect/>
-          </a:stretch>
-        </p:blipFill>
-        <p:spPr bwMode="auto">
-          <a:xfrm>
-            <a:off x="1551305" y="2065255"/>
-            <a:ext cx="9137511" cy="4354595"/>
-          </a:xfrm>
-          <a:prstGeom prst="rect">
-            <a:avLst/>
-          </a:prstGeom>
-          <a:noFill/>
-          <a:ln>
-            <a:noFill/>
-          </a:ln>
-          <a:extLst>
-            <a:ext uri="{909E8E84-426E-40DD-AFC4-6F175D3DCCD1}">
-              <a14:hiddenFill xmlns:a14="http://schemas.microsoft.com/office/drawing/2010/main">
-                <a:solidFill>
-                  <a:schemeClr val="accent1"/>
-                </a:solidFill>
-              </a14:hiddenFill>
-            </a:ext>
-            <a:ext uri="{91240B29-F687-4F45-9708-019B960494DF}">
-              <a14:hiddenLine xmlns:a14="http://schemas.microsoft.com/office/drawing/2010/main" w="9525">
-                <a:solidFill>
-                  <a:schemeClr val="tx1"/>
-                </a:solidFill>
-                <a:miter lim="800000"/>
-                <a:headEnd/>
-                <a:tailEnd/>
-              </a14:hiddenLine>
-            </a:ext>
-          </a:extLst>
-        </p:spPr>
-      </p:pic>
-    </p:spTree>
-    <p:custDataLst>
-      <p:tags r:id="rId1"/>
-    </p:custDataLst>
-    <p:extLst>
-      <p:ext uri="{BB962C8B-B14F-4D97-AF65-F5344CB8AC3E}">
-        <p14:creationId xmlns:p14="http://schemas.microsoft.com/office/powerpoint/2010/main" val="236517384"/>
-      </p:ext>
-    </p:extLst>
-  </p:cSld>
-  <p:clrMapOvr>
-    <a:masterClrMapping/>
-  </p:clrMapOvr>
-  <mc:AlternateContent xmlns:mc="http://schemas.openxmlformats.org/markup-compatibility/2006" xmlns:p14="http://schemas.microsoft.com/office/powerpoint/2010/main">
-    <mc:Choice Requires="p14">
-      <p:transition spd="slow" p14:dur="1500" advTm="3414">
-        <p:random/>
-      </p:transition>
-    </mc:Choice>
-    <mc:Fallback xmlns="" xmlns:a16="http://schemas.microsoft.com/office/drawing/2014/main" xmlns:a14="http://schemas.microsoft.com/office/drawing/2010/main">
-      <p:transition spd="slow" advTm="3414">
-        <p:random/>
-      </p:transition>
-    </mc:Fallback>
-  </mc:AlternateContent>
-  <p:timing>
-    <p:tnLst>
-      <p:par>
-        <p:cTn id="1" dur="indefinite" restart="never" nodeType="tmRoot">
-          <p:childTnLst>
-            <p:seq concurrent="1" nextAc="seek">
-              <p:cTn id="2" dur="indefinite" nodeType="mainSeq">
-                <p:childTnLst>
-                  <p:par>
-                    <p:cTn id="3" fill="hold">
-                      <p:stCondLst>
-                        <p:cond delay="indefinite"/>
-                      </p:stCondLst>
-                      <p:childTnLst>
-                        <p:par>
-                          <p:cTn id="4" fill="hold">
-                            <p:stCondLst>
-                              <p:cond delay="0"/>
-                            </p:stCondLst>
-                            <p:childTnLst>
-                              <p:par>
-                                <p:cTn id="5" presetID="16" presetClass="entr" presetSubtype="37" fill="hold" grpId="0" nodeType="clickEffect">
-                                  <p:stCondLst>
-                                    <p:cond delay="0"/>
-                                  </p:stCondLst>
-                                  <p:childTnLst>
-                                    <p:set>
-                                      <p:cBhvr>
-                                        <p:cTn id="6" dur="1" fill="hold">
-                                          <p:stCondLst>
-                                            <p:cond delay="0"/>
-                                          </p:stCondLst>
-                                        </p:cTn>
-                                        <p:tgtEl>
-                                          <p:spTgt spid="2"/>
-                                        </p:tgtEl>
-                                        <p:attrNameLst>
-                                          <p:attrName>style.visibility</p:attrName>
-                                        </p:attrNameLst>
-                                      </p:cBhvr>
-                                      <p:to>
-                                        <p:strVal val="visible"/>
-                                      </p:to>
-                                    </p:set>
-                                    <p:animEffect transition="in" filter="barn(outVertical)">
-                                      <p:cBhvr>
-                                        <p:cTn id="7" dur="500"/>
-                                        <p:tgtEl>
-                                          <p:spTgt spid="2"/>
-                                        </p:tgtEl>
-                                      </p:cBhvr>
-                                    </p:animEffect>
-                                  </p:childTnLst>
-                                </p:cTn>
-                              </p:par>
-                            </p:childTnLst>
-                          </p:cTn>
-                        </p:par>
-                      </p:childTnLst>
-                    </p:cTn>
-                  </p:par>
-                  <p:par>
-                    <p:cTn id="8" fill="hold">
-                      <p:stCondLst>
-                        <p:cond delay="indefinite"/>
-                      </p:stCondLst>
-                      <p:childTnLst>
-                        <p:par>
-                          <p:cTn id="9" fill="hold">
-                            <p:stCondLst>
-                              <p:cond delay="0"/>
-                            </p:stCondLst>
-                            <p:childTnLst>
-                              <p:par>
-                                <p:cTn id="10" presetID="22" presetClass="entr" presetSubtype="8" fill="hold" nodeType="clickEffect">
-                                  <p:stCondLst>
-                                    <p:cond delay="0"/>
-                                  </p:stCondLst>
-                                  <p:childTnLst>
-                                    <p:set>
-                                      <p:cBhvr>
-                                        <p:cTn id="11" dur="1" fill="hold">
-                                          <p:stCondLst>
-                                            <p:cond delay="0"/>
-                                          </p:stCondLst>
-                                        </p:cTn>
-                                        <p:tgtEl>
-                                          <p:spTgt spid="3"/>
-                                        </p:tgtEl>
-                                        <p:attrNameLst>
-                                          <p:attrName>style.visibility</p:attrName>
-                                        </p:attrNameLst>
-                                      </p:cBhvr>
-                                      <p:to>
-                                        <p:strVal val="visible"/>
-                                      </p:to>
-                                    </p:set>
-                                    <p:animEffect transition="in" filter="wipe(left)">
-                                      <p:cBhvr>
-                                        <p:cTn id="12" dur="500"/>
-                                        <p:tgtEl>
-                                          <p:spTgt spid="3"/>
-                                        </p:tgtEl>
-                                      </p:cBhvr>
-                                    </p:animEffect>
-                                  </p:childTnLst>
-                                </p:cTn>
-                              </p:par>
-                            </p:childTnLst>
-                          </p:cTn>
-                        </p:par>
-                      </p:childTnLst>
-                    </p:cTn>
-                  </p:par>
-                </p:childTnLst>
-              </p:cTn>
-              <p:prevCondLst>
-                <p:cond evt="onPrev" delay="0">
-                  <p:tgtEl>
-                    <p:sldTgt/>
-                  </p:tgtEl>
-                </p:cond>
-              </p:prevCondLst>
-              <p:nextCondLst>
-                <p:cond evt="onNext" delay="0">
-                  <p:tgtEl>
-                    <p:sldTgt/>
-                  </p:tgtEl>
-                </p:cond>
-              </p:nextCondLst>
-            </p:seq>
-          </p:childTnLst>
-        </p:cTn>
-      </p:par>
-    </p:tnLst>
-    <p:bldLst>
-      <p:bldP spid="2" grpId="0" animBg="1"/>
-    </p:bldLst>
-  </p:timing>
-</p:sld>
-</file>
-
-<file path=ppt/slides/slide9.xml><?xml version="1.0" encoding="utf-8"?>
-<p:sld xmlns:a="http://schemas.openxmlformats.org/drawingml/2006/main" xmlns:r="http://schemas.openxmlformats.org/officeDocument/2006/relationships" xmlns:p="http://schemas.openxmlformats.org/presentationml/2006/main">
-  <p:cSld>
-    <p:spTree>
-      <p:nvGrpSpPr>
-        <p:cNvPr id="1" name=""/>
-        <p:cNvGrpSpPr/>
-        <p:nvPr/>
-      </p:nvGrpSpPr>
-      <p:grpSpPr>
-        <a:xfrm>
-          <a:off x="0" y="0"/>
-          <a:ext cx="0" cy="0"/>
-          <a:chOff x="0" y="0"/>
-          <a:chExt cx="0" cy="0"/>
-        </a:xfrm>
-      </p:grpSpPr>
-      <p:sp>
-        <p:nvSpPr>
-          <p:cNvPr id="2" name="矩形 1">
-            <a:extLst>
-              <a:ext uri="{FF2B5EF4-FFF2-40B4-BE49-F238E27FC236}">
-                <a16:creationId xmlns="" xmlns:a16="http://schemas.microsoft.com/office/drawing/2014/main" id="{6130B33B-FCB5-4AFA-8175-BA08126D80E1}"/>
-              </a:ext>
-            </a:extLst>
-          </p:cNvPr>
-          <p:cNvSpPr/>
-          <p:nvPr/>
-        </p:nvSpPr>
-        <p:spPr>
-          <a:xfrm>
-            <a:off x="5029198" y="493630"/>
-            <a:ext cx="2133600" cy="228600"/>
-          </a:xfrm>
-          <a:prstGeom prst="rect">
-            <a:avLst/>
-          </a:prstGeom>
-          <a:solidFill>
-            <a:schemeClr val="tx1">
-              <a:lumMod val="75000"/>
-              <a:lumOff val="25000"/>
-            </a:schemeClr>
-          </a:solidFill>
-          <a:ln>
-            <a:noFill/>
-          </a:ln>
-        </p:spPr>
-        <p:style>
-          <a:lnRef idx="2">
-            <a:schemeClr val="accent1">
-              <a:shade val="50000"/>
-            </a:schemeClr>
-          </a:lnRef>
-          <a:fillRef idx="1">
-            <a:schemeClr val="accent1"/>
-          </a:fillRef>
-          <a:effectRef idx="0">
-            <a:schemeClr val="accent1"/>
-          </a:effectRef>
-          <a:fontRef idx="minor">
-            <a:schemeClr val="lt1"/>
-          </a:fontRef>
-        </p:style>
-        <p:txBody>
-          <a:bodyPr rtlCol="0" anchor="ctr"/>
-          <a:lstStyle/>
-          <a:p>
-            <a:pPr algn="ctr"/>
-            <a:endParaRPr lang="zh-CN" altLang="en-US">
-              <a:cs typeface="+mn-ea"/>
-              <a:sym typeface="+mn-lt"/>
-            </a:endParaRPr>
-          </a:p>
-        </p:txBody>
-      </p:sp>
-      <p:grpSp>
-        <p:nvGrpSpPr>
-          <p:cNvPr id="3" name="组合 2">
-            <a:extLst>
-              <a:ext uri="{FF2B5EF4-FFF2-40B4-BE49-F238E27FC236}">
-                <a16:creationId xmlns="" xmlns:a16="http://schemas.microsoft.com/office/drawing/2014/main" id="{CF3B8F59-C87E-48F7-911B-3FCC3B1922F9}"/>
-              </a:ext>
-            </a:extLst>
-          </p:cNvPr>
-          <p:cNvGrpSpPr/>
-          <p:nvPr/>
-        </p:nvGrpSpPr>
-        <p:grpSpPr>
-          <a:xfrm>
-            <a:off x="2754561" y="787600"/>
-            <a:ext cx="6731001" cy="976561"/>
-            <a:chOff x="661187" y="1991896"/>
-            <a:chExt cx="3515773" cy="1083521"/>
-          </a:xfrm>
-        </p:grpSpPr>
-        <p:sp>
-          <p:nvSpPr>
-            <p:cNvPr id="4" name="文本框 3">
-              <a:extLst>
-                <a:ext uri="{FF2B5EF4-FFF2-40B4-BE49-F238E27FC236}">
-                  <a16:creationId xmlns="" xmlns:a16="http://schemas.microsoft.com/office/drawing/2014/main" id="{F069F7C5-7C6B-4416-BA43-7E9FF2B95F70}"/>
-                </a:ext>
-              </a:extLst>
-            </p:cNvPr>
-            <p:cNvSpPr txBox="1"/>
-            <p:nvPr/>
-          </p:nvSpPr>
-          <p:spPr>
-            <a:xfrm>
-              <a:off x="661187" y="1991896"/>
-              <a:ext cx="3515773" cy="785419"/>
-            </a:xfrm>
-            <a:prstGeom prst="rect">
-              <a:avLst/>
-            </a:prstGeom>
-            <a:noFill/>
-          </p:spPr>
-          <p:txBody>
-            <a:bodyPr wrap="square" rtlCol="0">
-              <a:spAutoFit/>
-            </a:bodyPr>
-            <a:lstStyle/>
-            <a:p>
-              <a:pPr algn="ctr"/>
-              <a:r>
-                <a:rPr lang="zh-TW" altLang="en-US" sz="4000" dirty="0" smtClean="0">
-                  <a:cs typeface="+mn-ea"/>
-                  <a:sym typeface="+mn-lt"/>
-                </a:rPr>
-                <a:t>總體規劃</a:t>
-              </a:r>
-              <a:endParaRPr lang="zh-CN" altLang="en-US" sz="4000" dirty="0">
-                <a:cs typeface="+mn-ea"/>
-                <a:sym typeface="+mn-lt"/>
-              </a:endParaRPr>
-            </a:p>
-          </p:txBody>
-        </p:sp>
-        <p:sp>
-          <p:nvSpPr>
-            <p:cNvPr id="5" name="文本框 4">
-              <a:extLst>
-                <a:ext uri="{FF2B5EF4-FFF2-40B4-BE49-F238E27FC236}">
-                  <a16:creationId xmlns="" xmlns:a16="http://schemas.microsoft.com/office/drawing/2014/main" id="{E7404F6D-3A40-4203-8F0A-6169C74FB4CA}"/>
-                </a:ext>
-              </a:extLst>
-            </p:cNvPr>
-            <p:cNvSpPr txBox="1"/>
-            <p:nvPr/>
-          </p:nvSpPr>
-          <p:spPr>
-            <a:xfrm>
-              <a:off x="689761" y="2699782"/>
-              <a:ext cx="3458623" cy="375635"/>
-            </a:xfrm>
-            <a:prstGeom prst="rect">
-              <a:avLst/>
-            </a:prstGeom>
-            <a:noFill/>
-          </p:spPr>
-          <p:txBody>
-            <a:bodyPr wrap="square">
-              <a:spAutoFit/>
-            </a:bodyPr>
-            <a:lstStyle/>
-            <a:p>
-              <a:pPr algn="ctr"/>
-              <a:r>
-                <a:rPr lang="en-US" altLang="zh-TW" sz="1600" dirty="0" smtClean="0">
-                  <a:cs typeface="+mn-ea"/>
-                  <a:sym typeface="+mn-lt"/>
-                </a:rPr>
-                <a:t>Project</a:t>
-              </a:r>
-              <a:r>
-                <a:rPr lang="zh-TW" altLang="en-US" sz="1600" dirty="0" smtClean="0">
-                  <a:cs typeface="+mn-ea"/>
-                  <a:sym typeface="+mn-lt"/>
-                </a:rPr>
-                <a:t> </a:t>
-              </a:r>
-              <a:r>
-                <a:rPr lang="en-US" altLang="zh-TW" sz="1600" dirty="0" smtClean="0">
-                  <a:cs typeface="+mn-ea"/>
-                  <a:sym typeface="+mn-lt"/>
-                </a:rPr>
-                <a:t>changing</a:t>
-              </a:r>
-              <a:endParaRPr lang="zh-CN" altLang="en-US" sz="1600" dirty="0">
-                <a:cs typeface="+mn-ea"/>
-                <a:sym typeface="+mn-lt"/>
-              </a:endParaRPr>
-            </a:p>
-          </p:txBody>
-        </p:sp>
-      </p:grpSp>
-      <p:pic>
-        <p:nvPicPr>
-          <p:cNvPr id="7170" name="Picture 2" descr="C:\Users\uc_pub\Downloads\S__40624131.jpg"/>
-          <p:cNvPicPr>
-            <a:picLocks noChangeAspect="1" noChangeArrowheads="1"/>
-          </p:cNvPicPr>
-          <p:nvPr/>
-        </p:nvPicPr>
-        <p:blipFill>
-          <a:blip r:embed="rId3" cstate="print">
-            <a:extLst>
-              <a:ext uri="{28A0092B-C50C-407E-A947-70E740481C1C}">
-                <a14:useLocalDpi xmlns:a14="http://schemas.microsoft.com/office/drawing/2010/main" val="0"/>
-              </a:ext>
-            </a:extLst>
-          </a:blip>
-          <a:srcRect/>
-          <a:stretch>
-            <a:fillRect/>
-          </a:stretch>
-        </p:blipFill>
-        <p:spPr bwMode="auto">
-          <a:xfrm>
-            <a:off x="7439024" y="1203950"/>
-            <a:ext cx="4238625" cy="5654050"/>
-          </a:xfrm>
-          <a:prstGeom prst="rect">
-            <a:avLst/>
-          </a:prstGeom>
-          <a:noFill/>
-          <a:extLst>
-            <a:ext uri="{909E8E84-426E-40DD-AFC4-6F175D3DCCD1}">
-              <a14:hiddenFill xmlns:a14="http://schemas.microsoft.com/office/drawing/2010/main">
-                <a:solidFill>
-                  <a:srgbClr val="FFFFFF"/>
-                </a:solidFill>
-              </a14:hiddenFill>
-            </a:ext>
-          </a:extLst>
-        </p:spPr>
-      </p:pic>
-      <p:sp>
-        <p:nvSpPr>
-          <p:cNvPr id="8" name="文字方塊 7"/>
-          <p:cNvSpPr txBox="1"/>
-          <p:nvPr/>
-        </p:nvSpPr>
-        <p:spPr>
-          <a:xfrm>
-            <a:off x="957012" y="2686050"/>
-            <a:ext cx="5138986" cy="2308324"/>
-          </a:xfrm>
-          <a:prstGeom prst="rect">
-            <a:avLst/>
-          </a:prstGeom>
-          <a:noFill/>
-        </p:spPr>
-        <p:txBody>
-          <a:bodyPr wrap="square" rtlCol="0">
-            <a:spAutoFit/>
-          </a:bodyPr>
-          <a:lstStyle/>
-          <a:p>
-            <a:r>
-              <a:rPr lang="zh-TW" altLang="en-US" dirty="0" smtClean="0"/>
-              <a:t>預設會先出現一份表單給使用者填，填完之後跑出如右圖的畫面。填寫完的結果會儲存在上方的</a:t>
-            </a:r>
-            <a:r>
-              <a:rPr lang="en-US" altLang="zh-TW" dirty="0" smtClean="0"/>
-              <a:t>”</a:t>
-            </a:r>
-            <a:r>
-              <a:rPr lang="zh-TW" altLang="en-US" dirty="0" smtClean="0"/>
-              <a:t>以儲存之總體規劃</a:t>
-            </a:r>
-            <a:r>
-              <a:rPr lang="en-US" altLang="zh-TW" dirty="0" smtClean="0"/>
-              <a:t>”</a:t>
-            </a:r>
-            <a:r>
-              <a:rPr lang="zh-TW" altLang="en-US" dirty="0" smtClean="0"/>
-              <a:t>中，下方則可以進行比較分析從而得出排名，好讓使用者挑選哪個方案是適合自己的。</a:t>
-            </a:r>
-            <a:r>
-              <a:rPr lang="en-US" altLang="zh-TW" dirty="0" smtClean="0"/>
-              <a:t/>
-            </a:r>
-            <a:br>
-              <a:rPr lang="en-US" altLang="zh-TW" dirty="0" smtClean="0"/>
-            </a:br>
-            <a:r>
-              <a:rPr lang="en-US" altLang="zh-TW" dirty="0" smtClean="0"/>
-              <a:t/>
-            </a:r>
-            <a:br>
-              <a:rPr lang="en-US" altLang="zh-TW" dirty="0" smtClean="0"/>
-            </a:br>
-            <a:r>
-              <a:rPr lang="zh-TW" altLang="en-US" dirty="0" smtClean="0"/>
-              <a:t>右下角有個</a:t>
-            </a:r>
-            <a:r>
-              <a:rPr lang="en-US" altLang="zh-TW" dirty="0" smtClean="0"/>
-              <a:t>+</a:t>
-            </a:r>
-            <a:r>
-              <a:rPr lang="zh-TW" altLang="en-US" dirty="0" smtClean="0"/>
-              <a:t>的</a:t>
-            </a:r>
-            <a:r>
-              <a:rPr lang="en-US" altLang="zh-TW" dirty="0" smtClean="0"/>
-              <a:t>icon</a:t>
-            </a:r>
-            <a:r>
-              <a:rPr lang="zh-TW" altLang="en-US" dirty="0" smtClean="0"/>
-              <a:t>，點了之後會跳出表單供使用者填寫進而新增結果。</a:t>
-            </a:r>
-            <a:endParaRPr lang="en-US" altLang="zh-TW" dirty="0" smtClean="0"/>
-          </a:p>
-        </p:txBody>
-      </p:sp>
-    </p:spTree>
-    <p:custDataLst>
-      <p:tags r:id="rId1"/>
-    </p:custDataLst>
-    <p:extLst>
-      <p:ext uri="{BB962C8B-B14F-4D97-AF65-F5344CB8AC3E}">
-        <p14:creationId xmlns:p14="http://schemas.microsoft.com/office/powerpoint/2010/main" val="1309835730"/>
-      </p:ext>
-    </p:extLst>
-  </p:cSld>
-  <p:clrMapOvr>
-    <a:masterClrMapping/>
-  </p:clrMapOvr>
-  <mc:AlternateContent xmlns:mc="http://schemas.openxmlformats.org/markup-compatibility/2006" xmlns:p14="http://schemas.microsoft.com/office/powerpoint/2010/main">
-    <mc:Choice Requires="p14">
-      <p:transition spd="slow" p14:dur="1500" advTm="3414">
-        <p:random/>
-      </p:transition>
-    </mc:Choice>
-    <mc:Fallback xmlns="" xmlns:a16="http://schemas.microsoft.com/office/drawing/2014/main" xmlns:a14="http://schemas.microsoft.com/office/drawing/2010/main">
-      <p:transition spd="slow" advTm="3414">
-        <p:random/>
-      </p:transition>
-    </mc:Fallback>
-  </mc:AlternateContent>
-  <p:timing>
-    <p:tnLst>
-      <p:par>
-        <p:cTn id="1" dur="indefinite" restart="never" nodeType="tmRoot">
-          <p:childTnLst>
-            <p:seq concurrent="1" nextAc="seek">
-              <p:cTn id="2" dur="indefinite" nodeType="mainSeq">
-                <p:childTnLst>
-                  <p:par>
-                    <p:cTn id="3" fill="hold">
-                      <p:stCondLst>
-                        <p:cond delay="indefinite"/>
-                      </p:stCondLst>
-                      <p:childTnLst>
-                        <p:par>
-                          <p:cTn id="4" fill="hold">
-                            <p:stCondLst>
-                              <p:cond delay="0"/>
-                            </p:stCondLst>
-                            <p:childTnLst>
-                              <p:par>
-                                <p:cTn id="5" presetID="16" presetClass="entr" presetSubtype="37" fill="hold" grpId="0" nodeType="clickEffect">
-                                  <p:stCondLst>
-                                    <p:cond delay="0"/>
-                                  </p:stCondLst>
-                                  <p:childTnLst>
-                                    <p:set>
-                                      <p:cBhvr>
-                                        <p:cTn id="6" dur="1" fill="hold">
-                                          <p:stCondLst>
-                                            <p:cond delay="0"/>
-                                          </p:stCondLst>
-                                        </p:cTn>
-                                        <p:tgtEl>
-                                          <p:spTgt spid="2"/>
-                                        </p:tgtEl>
-                                        <p:attrNameLst>
-                                          <p:attrName>style.visibility</p:attrName>
-                                        </p:attrNameLst>
-                                      </p:cBhvr>
-                                      <p:to>
-                                        <p:strVal val="visible"/>
-                                      </p:to>
-                                    </p:set>
-                                    <p:animEffect transition="in" filter="barn(outVertical)">
-                                      <p:cBhvr>
-                                        <p:cTn id="7" dur="500"/>
-                                        <p:tgtEl>
-                                          <p:spTgt spid="2"/>
-                                        </p:tgtEl>
-                                      </p:cBhvr>
-                                    </p:animEffect>
-                                  </p:childTnLst>
-                                </p:cTn>
-                              </p:par>
-                            </p:childTnLst>
-                          </p:cTn>
-                        </p:par>
-                      </p:childTnLst>
-                    </p:cTn>
-                  </p:par>
-                  <p:par>
-                    <p:cTn id="8" fill="hold">
-                      <p:stCondLst>
-                        <p:cond delay="indefinite"/>
-                      </p:stCondLst>
-                      <p:childTnLst>
-                        <p:par>
-                          <p:cTn id="9" fill="hold">
-                            <p:stCondLst>
-                              <p:cond delay="0"/>
-                            </p:stCondLst>
-                            <p:childTnLst>
-                              <p:par>
-                                <p:cTn id="10" presetID="22" presetClass="entr" presetSubtype="8" fill="hold" nodeType="clickEffect">
-                                  <p:stCondLst>
-                                    <p:cond delay="0"/>
-                                  </p:stCondLst>
-                                  <p:childTnLst>
-                                    <p:set>
-                                      <p:cBhvr>
-                                        <p:cTn id="11" dur="1" fill="hold">
-                                          <p:stCondLst>
-                                            <p:cond delay="0"/>
-                                          </p:stCondLst>
-                                        </p:cTn>
-                                        <p:tgtEl>
-                                          <p:spTgt spid="3"/>
-                                        </p:tgtEl>
-                                        <p:attrNameLst>
-                                          <p:attrName>style.visibility</p:attrName>
-                                        </p:attrNameLst>
-                                      </p:cBhvr>
-                                      <p:to>
-                                        <p:strVal val="visible"/>
-                                      </p:to>
-                                    </p:set>
-                                    <p:animEffect transition="in" filter="wipe(left)">
-                                      <p:cBhvr>
-                                        <p:cTn id="12" dur="500"/>
-                                        <p:tgtEl>
-                                          <p:spTgt spid="3"/>
-                                        </p:tgtEl>
-                                      </p:cBhvr>
-                                    </p:animEffect>
-                                  </p:childTnLst>
-                                </p:cTn>
-                              </p:par>
-                            </p:childTnLst>
-                          </p:cTn>
-                        </p:par>
-                      </p:childTnLst>
-                    </p:cTn>
-                  </p:par>
-                </p:childTnLst>
-              </p:cTn>
-              <p:prevCondLst>
-                <p:cond evt="onPrev" delay="0">
-                  <p:tgtEl>
-                    <p:sldTgt/>
-                  </p:tgtEl>
-                </p:cond>
-              </p:prevCondLst>
-              <p:nextCondLst>
-                <p:cond evt="onNext" delay="0">
-                  <p:tgtEl>
-                    <p:sldTgt/>
-                  </p:tgtEl>
-                </p:cond>
-              </p:nextCondLst>
-            </p:seq>
-          </p:childTnLst>
-        </p:cTn>
-      </p:par>
-    </p:tnLst>
-    <p:bldLst>
-      <p:bldP spid="2" grpId="0" animBg="1"/>
-    </p:bldLst>
-  </p:timing>
-</p:sld>
-</file>
-
 <file path=ppt/tags/tag1.xml><?xml version="1.0" encoding="utf-8"?>
 <p:tagLst xmlns:a="http://schemas.openxmlformats.org/drawingml/2006/main" xmlns:r="http://schemas.openxmlformats.org/officeDocument/2006/relationships" xmlns:p="http://schemas.openxmlformats.org/presentationml/2006/main">
   <p:tag name="TIMING" val="|0.1|0.6|0.5|0.9"/>
-</p:tagLst>
-</file>
-
-<file path=ppt/tags/tag10.xml><?xml version="1.0" encoding="utf-8"?>
-<p:tagLst xmlns:a="http://schemas.openxmlformats.org/drawingml/2006/main" xmlns:r="http://schemas.openxmlformats.org/officeDocument/2006/relationships" xmlns:p="http://schemas.openxmlformats.org/presentationml/2006/main">
-  <p:tag name="TIMING" val="|0.4|0.5|1.1|0.4"/>
 </p:tagLst>
 </file>
 
@@ -10754,25 +8467,7 @@
 
 <file path=ppt/tags/tag6.xml><?xml version="1.0" encoding="utf-8"?>
 <p:tagLst xmlns:a="http://schemas.openxmlformats.org/drawingml/2006/main" xmlns:r="http://schemas.openxmlformats.org/officeDocument/2006/relationships" xmlns:p="http://schemas.openxmlformats.org/presentationml/2006/main">
-  <p:tag name="TIMING" val="|0.3|0.4|0.4|0.8"/>
-</p:tagLst>
-</file>
-
-<file path=ppt/tags/tag7.xml><?xml version="1.0" encoding="utf-8"?>
-<p:tagLst xmlns:a="http://schemas.openxmlformats.org/drawingml/2006/main" xmlns:r="http://schemas.openxmlformats.org/officeDocument/2006/relationships" xmlns:p="http://schemas.openxmlformats.org/presentationml/2006/main">
-  <p:tag name="TIMING" val="|0.3|0.4|0.4|0.8"/>
-</p:tagLst>
-</file>
-
-<file path=ppt/tags/tag8.xml><?xml version="1.0" encoding="utf-8"?>
-<p:tagLst xmlns:a="http://schemas.openxmlformats.org/drawingml/2006/main" xmlns:r="http://schemas.openxmlformats.org/officeDocument/2006/relationships" xmlns:p="http://schemas.openxmlformats.org/presentationml/2006/main">
-  <p:tag name="TIMING" val="|0.3|0.4|0.4|0.8"/>
-</p:tagLst>
-</file>
-
-<file path=ppt/tags/tag9.xml><?xml version="1.0" encoding="utf-8"?>
-<p:tagLst xmlns:a="http://schemas.openxmlformats.org/drawingml/2006/main" xmlns:r="http://schemas.openxmlformats.org/officeDocument/2006/relationships" xmlns:p="http://schemas.openxmlformats.org/presentationml/2006/main">
-  <p:tag name="TIMING" val="|0.3|0.4|0.4|0.8"/>
+  <p:tag name="TIMING" val="|0.4|0.5|1.1|0.4"/>
 </p:tagLst>
 </file>
 
@@ -10971,7 +8666,7 @@
   <a:extraClrSchemeLst/>
   <a:extLst>
     <a:ext uri="{05A4C25C-085E-4340-85A3-A5531E510DB2}">
-      <thm15:themeFamily xmlns="" xmlns:thm15="http://schemas.microsoft.com/office/thememl/2012/main" name="Office Theme" id="{62F939B6-93AF-4DB8-9C6B-D6C7DFDC589F}" vid="{4A3C46E8-61CC-4603-A589-7422A47A8E4A}"/>
+      <thm15:themeFamily xmlns:thm15="http://schemas.microsoft.com/office/thememl/2012/main" xmlns="" name="Office Theme" id="{62F939B6-93AF-4DB8-9C6B-D6C7DFDC589F}" vid="{4A3C46E8-61CC-4603-A589-7422A47A8E4A}"/>
     </a:ext>
   </a:extLst>
 </a:theme>
@@ -11517,7 +9212,7 @@
   <a:extraClrSchemeLst/>
   <a:extLst>
     <a:ext uri="{05A4C25C-085E-4340-85A3-A5531E510DB2}">
-      <thm15:themeFamily xmlns="" xmlns:thm15="http://schemas.microsoft.com/office/thememl/2012/main" name="Office Theme" id="{62F939B6-93AF-4DB8-9C6B-D6C7DFDC589F}" vid="{4A3C46E8-61CC-4603-A589-7422A47A8E4A}"/>
+      <thm15:themeFamily xmlns:thm15="http://schemas.microsoft.com/office/thememl/2012/main" xmlns="" name="Office Theme" id="{62F939B6-93AF-4DB8-9C6B-D6C7DFDC589F}" vid="{4A3C46E8-61CC-4603-A589-7422A47A8E4A}"/>
     </a:ext>
   </a:extLst>
 </a:theme>
